--- a/CS3210/CS3210-TL3 (Lab 2).pptx
+++ b/CS3210/CS3210-TL3 (Lab 2).pptx
@@ -5,7 +5,7 @@
     <p:sldMasterId id="2147483648" r:id="rId1"/>
   </p:sldMasterIdLst>
   <p:notesMasterIdLst>
-    <p:notesMasterId r:id="rId43"/>
+    <p:notesMasterId r:id="rId54"/>
   </p:notesMasterIdLst>
   <p:sldIdLst>
     <p:sldId id="256" r:id="rId2"/>
@@ -16,39 +16,50 @@
     <p:sldId id="361" r:id="rId7"/>
     <p:sldId id="259" r:id="rId8"/>
     <p:sldId id="260" r:id="rId9"/>
-    <p:sldId id="364" r:id="rId10"/>
-    <p:sldId id="263" r:id="rId11"/>
-    <p:sldId id="264" r:id="rId12"/>
-    <p:sldId id="367" r:id="rId13"/>
-    <p:sldId id="265" r:id="rId14"/>
-    <p:sldId id="370" r:id="rId15"/>
-    <p:sldId id="266" r:id="rId16"/>
-    <p:sldId id="267" r:id="rId17"/>
-    <p:sldId id="268" r:id="rId18"/>
-    <p:sldId id="269" r:id="rId19"/>
-    <p:sldId id="270" r:id="rId20"/>
-    <p:sldId id="366" r:id="rId21"/>
-    <p:sldId id="272" r:id="rId22"/>
-    <p:sldId id="273" r:id="rId23"/>
-    <p:sldId id="368" r:id="rId24"/>
-    <p:sldId id="275" r:id="rId25"/>
-    <p:sldId id="276" r:id="rId26"/>
-    <p:sldId id="277" r:id="rId27"/>
-    <p:sldId id="278" r:id="rId28"/>
-    <p:sldId id="279" r:id="rId29"/>
-    <p:sldId id="369" r:id="rId30"/>
-    <p:sldId id="281" r:id="rId31"/>
-    <p:sldId id="282" r:id="rId32"/>
-    <p:sldId id="283" r:id="rId33"/>
-    <p:sldId id="284" r:id="rId34"/>
-    <p:sldId id="285" r:id="rId35"/>
-    <p:sldId id="286" r:id="rId36"/>
-    <p:sldId id="287" r:id="rId37"/>
-    <p:sldId id="363" r:id="rId38"/>
-    <p:sldId id="289" r:id="rId39"/>
-    <p:sldId id="290" r:id="rId40"/>
-    <p:sldId id="342" r:id="rId41"/>
-    <p:sldId id="288" r:id="rId42"/>
+    <p:sldId id="371" r:id="rId10"/>
+    <p:sldId id="375" r:id="rId11"/>
+    <p:sldId id="372" r:id="rId12"/>
+    <p:sldId id="380" r:id="rId13"/>
+    <p:sldId id="373" r:id="rId14"/>
+    <p:sldId id="381" r:id="rId15"/>
+    <p:sldId id="374" r:id="rId16"/>
+    <p:sldId id="376" r:id="rId17"/>
+    <p:sldId id="379" r:id="rId18"/>
+    <p:sldId id="377" r:id="rId19"/>
+    <p:sldId id="378" r:id="rId20"/>
+    <p:sldId id="364" r:id="rId21"/>
+    <p:sldId id="263" r:id="rId22"/>
+    <p:sldId id="264" r:id="rId23"/>
+    <p:sldId id="367" r:id="rId24"/>
+    <p:sldId id="265" r:id="rId25"/>
+    <p:sldId id="370" r:id="rId26"/>
+    <p:sldId id="266" r:id="rId27"/>
+    <p:sldId id="267" r:id="rId28"/>
+    <p:sldId id="268" r:id="rId29"/>
+    <p:sldId id="269" r:id="rId30"/>
+    <p:sldId id="270" r:id="rId31"/>
+    <p:sldId id="366" r:id="rId32"/>
+    <p:sldId id="272" r:id="rId33"/>
+    <p:sldId id="273" r:id="rId34"/>
+    <p:sldId id="368" r:id="rId35"/>
+    <p:sldId id="275" r:id="rId36"/>
+    <p:sldId id="276" r:id="rId37"/>
+    <p:sldId id="277" r:id="rId38"/>
+    <p:sldId id="278" r:id="rId39"/>
+    <p:sldId id="279" r:id="rId40"/>
+    <p:sldId id="369" r:id="rId41"/>
+    <p:sldId id="281" r:id="rId42"/>
+    <p:sldId id="282" r:id="rId43"/>
+    <p:sldId id="283" r:id="rId44"/>
+    <p:sldId id="284" r:id="rId45"/>
+    <p:sldId id="285" r:id="rId46"/>
+    <p:sldId id="286" r:id="rId47"/>
+    <p:sldId id="287" r:id="rId48"/>
+    <p:sldId id="363" r:id="rId49"/>
+    <p:sldId id="289" r:id="rId50"/>
+    <p:sldId id="290" r:id="rId51"/>
+    <p:sldId id="342" r:id="rId52"/>
+    <p:sldId id="288" r:id="rId53"/>
   </p:sldIdLst>
   <p:sldSz cx="12192000" cy="6858000"/>
   <p:notesSz cx="6858000" cy="9144000"/>
@@ -242,7 +253,7 @@
             <a:fld id="{88602102-26BC-4ECA-9243-6BB9B8BC366F}" type="datetimeFigureOut">
               <a:rPr lang="en-US" smtClean="0"/>
               <a:pPr/>
-              <a:t>9/8/2024</a:t>
+              <a:t>9/9/2024</a:t>
             </a:fld>
             <a:endParaRPr lang="en-US"/>
           </a:p>
@@ -645,7 +656,7 @@
   <p:cSld>
     <p:spTree>
       <p:nvGrpSpPr>
-        <p:cNvPr id="1" name="Shape 142"/>
+        <p:cNvPr id="1" name="Shape 136"/>
         <p:cNvGrpSpPr/>
         <p:nvPr/>
       </p:nvGrpSpPr>
@@ -659,7 +670,7 @@
       </p:grpSpPr>
       <p:sp>
         <p:nvSpPr>
-          <p:cNvPr id="143" name="Google Shape;143;g243b168c69a_0_45:notes"/>
+          <p:cNvPr id="137" name="Google Shape;137;g243b168c69a_0_40:notes"/>
           <p:cNvSpPr>
             <a:spLocks noGrp="1" noRot="1" noChangeAspect="1"/>
           </p:cNvSpPr>
@@ -700,7 +711,7 @@
       </p:sp>
       <p:sp>
         <p:nvSpPr>
-          <p:cNvPr id="144" name="Google Shape;144;g243b168c69a_0_45:notes"/>
+          <p:cNvPr id="138" name="Google Shape;138;g243b168c69a_0_40:notes"/>
           <p:cNvSpPr txBox="1">
             <a:spLocks noGrp="1"/>
           </p:cNvSpPr>
@@ -749,7 +760,7 @@
   <p:cSld>
     <p:spTree>
       <p:nvGrpSpPr>
-        <p:cNvPr id="1" name="Shape 148"/>
+        <p:cNvPr id="1" name="Shape 142"/>
         <p:cNvGrpSpPr/>
         <p:nvPr/>
       </p:nvGrpSpPr>
@@ -763,7 +774,7 @@
       </p:grpSpPr>
       <p:sp>
         <p:nvSpPr>
-          <p:cNvPr id="149" name="Google Shape;149;g27d7db3d6e8_0_0:notes"/>
+          <p:cNvPr id="143" name="Google Shape;143;g243b168c69a_0_45:notes"/>
           <p:cNvSpPr>
             <a:spLocks noGrp="1" noRot="1" noChangeAspect="1"/>
           </p:cNvSpPr>
@@ -804,7 +815,7 @@
       </p:sp>
       <p:sp>
         <p:nvSpPr>
-          <p:cNvPr id="150" name="Google Shape;150;g27d7db3d6e8_0_0:notes"/>
+          <p:cNvPr id="144" name="Google Shape;144;g243b168c69a_0_45:notes"/>
           <p:cNvSpPr txBox="1">
             <a:spLocks noGrp="1"/>
           </p:cNvSpPr>
@@ -853,7 +864,7 @@
   <p:cSld>
     <p:spTree>
       <p:nvGrpSpPr>
-        <p:cNvPr id="1" name="Shape 155"/>
+        <p:cNvPr id="1" name="Shape 148"/>
         <p:cNvGrpSpPr/>
         <p:nvPr/>
       </p:nvGrpSpPr>
@@ -867,7 +878,7 @@
       </p:grpSpPr>
       <p:sp>
         <p:nvSpPr>
-          <p:cNvPr id="156" name="Google Shape;156;g243b168c69a_0_51:notes"/>
+          <p:cNvPr id="149" name="Google Shape;149;g27d7db3d6e8_0_0:notes"/>
           <p:cNvSpPr>
             <a:spLocks noGrp="1" noRot="1" noChangeAspect="1"/>
           </p:cNvSpPr>
@@ -908,7 +919,7 @@
       </p:sp>
       <p:sp>
         <p:nvSpPr>
-          <p:cNvPr id="157" name="Google Shape;157;g243b168c69a_0_51:notes"/>
+          <p:cNvPr id="150" name="Google Shape;150;g27d7db3d6e8_0_0:notes"/>
           <p:cNvSpPr txBox="1">
             <a:spLocks noGrp="1"/>
           </p:cNvSpPr>
@@ -957,7 +968,7 @@
   <p:cSld>
     <p:spTree>
       <p:nvGrpSpPr>
-        <p:cNvPr id="1" name="Shape 166"/>
+        <p:cNvPr id="1" name="Shape 155"/>
         <p:cNvGrpSpPr/>
         <p:nvPr/>
       </p:nvGrpSpPr>
@@ -971,7 +982,7 @@
       </p:grpSpPr>
       <p:sp>
         <p:nvSpPr>
-          <p:cNvPr id="167" name="Google Shape;167;g27d7db3d6e8_0_16:notes"/>
+          <p:cNvPr id="156" name="Google Shape;156;g243b168c69a_0_51:notes"/>
           <p:cNvSpPr>
             <a:spLocks noGrp="1" noRot="1" noChangeAspect="1"/>
           </p:cNvSpPr>
@@ -1012,7 +1023,7 @@
       </p:sp>
       <p:sp>
         <p:nvSpPr>
-          <p:cNvPr id="168" name="Google Shape;168;g27d7db3d6e8_0_16:notes"/>
+          <p:cNvPr id="157" name="Google Shape;157;g243b168c69a_0_51:notes"/>
           <p:cNvSpPr txBox="1">
             <a:spLocks noGrp="1"/>
           </p:cNvSpPr>
@@ -1044,10 +1055,6 @@
               </a:spcAft>
               <a:buNone/>
             </a:pPr>
-            <a:r>
-              <a:rPr lang="en"/>
-              <a:t>Works if OMP_NESTED environment flag is enabled, but we will not enable the flag when we test code. Use `collapse(2)` instead.</a:t>
-            </a:r>
             <a:endParaRPr/>
           </a:p>
         </p:txBody>
@@ -1061,11 +1068,11 @@
 </file>
 
 <file path=ppt/notesSlides/notesSlide14.xml><?xml version="1.0" encoding="utf-8"?>
-<p:notes xmlns:a="http://schemas.openxmlformats.org/drawingml/2006/main" xmlns:r="http://schemas.openxmlformats.org/officeDocument/2006/relationships" xmlns:p="http://schemas.openxmlformats.org/presentationml/2006/main">
+<p:notes xmlns:a="http://schemas.openxmlformats.org/drawingml/2006/main" xmlns:r="http://schemas.openxmlformats.org/officeDocument/2006/relationships" xmlns:p="http://schemas.openxmlformats.org/presentationml/2006/main" showMasterSp="0" showMasterPhAnim="0">
   <p:cSld>
     <p:spTree>
       <p:nvGrpSpPr>
-        <p:cNvPr id="1" name=""/>
+        <p:cNvPr id="1" name="Shape 166"/>
         <p:cNvGrpSpPr/>
         <p:nvPr/>
       </p:nvGrpSpPr>
@@ -1079,92 +1086,7 @@
       </p:grpSpPr>
       <p:sp>
         <p:nvSpPr>
-          <p:cNvPr id="2" name="Slide Image Placeholder 1"/>
-          <p:cNvSpPr>
-            <a:spLocks noGrp="1" noRot="1" noChangeAspect="1"/>
-          </p:cNvSpPr>
-          <p:nvPr>
-            <p:ph type="sldImg"/>
-          </p:nvPr>
-        </p:nvSpPr>
-        <p:spPr/>
-      </p:sp>
-      <p:sp>
-        <p:nvSpPr>
-          <p:cNvPr id="3" name="Notes Placeholder 2"/>
-          <p:cNvSpPr>
-            <a:spLocks noGrp="1"/>
-          </p:cNvSpPr>
-          <p:nvPr>
-            <p:ph type="body" idx="1"/>
-          </p:nvPr>
-        </p:nvSpPr>
-        <p:spPr/>
-        <p:txBody>
-          <a:bodyPr/>
-          <a:lstStyle/>
-          <a:p>
-            <a:endParaRPr lang="en-SG"/>
-          </a:p>
-        </p:txBody>
-      </p:sp>
-      <p:sp>
-        <p:nvSpPr>
-          <p:cNvPr id="4" name="Slide Number Placeholder 3"/>
-          <p:cNvSpPr>
-            <a:spLocks noGrp="1"/>
-          </p:cNvSpPr>
-          <p:nvPr>
-            <p:ph type="sldNum" sz="quarter" idx="5"/>
-          </p:nvPr>
-        </p:nvSpPr>
-        <p:spPr/>
-        <p:txBody>
-          <a:bodyPr/>
-          <a:lstStyle/>
-          <a:p>
-            <a:fld id="{D17C5EEA-D671-4453-97C7-AF6A67BC87D3}" type="slidenum">
-              <a:rPr lang="en-US" smtClean="0"/>
-              <a:pPr/>
-              <a:t>20</a:t>
-            </a:fld>
-            <a:endParaRPr lang="en-US"/>
-          </a:p>
-        </p:txBody>
-      </p:sp>
-    </p:spTree>
-    <p:extLst>
-      <p:ext uri="{BB962C8B-B14F-4D97-AF65-F5344CB8AC3E}">
-        <p14:creationId xmlns:p14="http://schemas.microsoft.com/office/powerpoint/2010/main" val="2682755544"/>
-      </p:ext>
-    </p:extLst>
-  </p:cSld>
-  <p:clrMapOvr>
-    <a:masterClrMapping/>
-  </p:clrMapOvr>
-</p:notes>
-</file>
-
-<file path=ppt/notesSlides/notesSlide15.xml><?xml version="1.0" encoding="utf-8"?>
-<p:notes xmlns:a="http://schemas.openxmlformats.org/drawingml/2006/main" xmlns:r="http://schemas.openxmlformats.org/officeDocument/2006/relationships" xmlns:p="http://schemas.openxmlformats.org/presentationml/2006/main" showMasterSp="0" showMasterPhAnim="0">
-  <p:cSld>
-    <p:spTree>
-      <p:nvGrpSpPr>
-        <p:cNvPr id="1" name="Shape 179"/>
-        <p:cNvGrpSpPr/>
-        <p:nvPr/>
-      </p:nvGrpSpPr>
-      <p:grpSpPr>
-        <a:xfrm>
-          <a:off x="0" y="0"/>
-          <a:ext cx="0" cy="0"/>
-          <a:chOff x="0" y="0"/>
-          <a:chExt cx="0" cy="0"/>
-        </a:xfrm>
-      </p:grpSpPr>
-      <p:sp>
-        <p:nvSpPr>
-          <p:cNvPr id="180" name="Google Shape;180;g243b168c69a_0_78:notes"/>
+          <p:cNvPr id="167" name="Google Shape;167;g27d7db3d6e8_0_16:notes"/>
           <p:cNvSpPr>
             <a:spLocks noGrp="1" noRot="1" noChangeAspect="1"/>
           </p:cNvSpPr>
@@ -1205,7 +1127,7 @@
       </p:sp>
       <p:sp>
         <p:nvSpPr>
-          <p:cNvPr id="181" name="Google Shape;181;g243b168c69a_0_78:notes"/>
+          <p:cNvPr id="168" name="Google Shape;168;g27d7db3d6e8_0_16:notes"/>
           <p:cNvSpPr txBox="1">
             <a:spLocks noGrp="1"/>
           </p:cNvSpPr>
@@ -1237,11 +1159,100 @@
               </a:spcAft>
               <a:buNone/>
             </a:pPr>
+            <a:r>
+              <a:rPr lang="en"/>
+              <a:t>Works if OMP_NESTED environment flag is enabled, but we will not enable the flag when we test code. Use `collapse(2)` instead.</a:t>
+            </a:r>
             <a:endParaRPr/>
           </a:p>
         </p:txBody>
       </p:sp>
     </p:spTree>
+  </p:cSld>
+  <p:clrMapOvr>
+    <a:masterClrMapping/>
+  </p:clrMapOvr>
+</p:notes>
+</file>
+
+<file path=ppt/notesSlides/notesSlide15.xml><?xml version="1.0" encoding="utf-8"?>
+<p:notes xmlns:a="http://schemas.openxmlformats.org/drawingml/2006/main" xmlns:r="http://schemas.openxmlformats.org/officeDocument/2006/relationships" xmlns:p="http://schemas.openxmlformats.org/presentationml/2006/main">
+  <p:cSld>
+    <p:spTree>
+      <p:nvGrpSpPr>
+        <p:cNvPr id="1" name=""/>
+        <p:cNvGrpSpPr/>
+        <p:nvPr/>
+      </p:nvGrpSpPr>
+      <p:grpSpPr>
+        <a:xfrm>
+          <a:off x="0" y="0"/>
+          <a:ext cx="0" cy="0"/>
+          <a:chOff x="0" y="0"/>
+          <a:chExt cx="0" cy="0"/>
+        </a:xfrm>
+      </p:grpSpPr>
+      <p:sp>
+        <p:nvSpPr>
+          <p:cNvPr id="2" name="Slide Image Placeholder 1"/>
+          <p:cNvSpPr>
+            <a:spLocks noGrp="1" noRot="1" noChangeAspect="1"/>
+          </p:cNvSpPr>
+          <p:nvPr>
+            <p:ph type="sldImg"/>
+          </p:nvPr>
+        </p:nvSpPr>
+        <p:spPr/>
+      </p:sp>
+      <p:sp>
+        <p:nvSpPr>
+          <p:cNvPr id="3" name="Notes Placeholder 2"/>
+          <p:cNvSpPr>
+            <a:spLocks noGrp="1"/>
+          </p:cNvSpPr>
+          <p:nvPr>
+            <p:ph type="body" idx="1"/>
+          </p:nvPr>
+        </p:nvSpPr>
+        <p:spPr/>
+        <p:txBody>
+          <a:bodyPr/>
+          <a:lstStyle/>
+          <a:p>
+            <a:endParaRPr lang="en-SG"/>
+          </a:p>
+        </p:txBody>
+      </p:sp>
+      <p:sp>
+        <p:nvSpPr>
+          <p:cNvPr id="4" name="Slide Number Placeholder 3"/>
+          <p:cNvSpPr>
+            <a:spLocks noGrp="1"/>
+          </p:cNvSpPr>
+          <p:nvPr>
+            <p:ph type="sldNum" sz="quarter" idx="5"/>
+          </p:nvPr>
+        </p:nvSpPr>
+        <p:spPr/>
+        <p:txBody>
+          <a:bodyPr/>
+          <a:lstStyle/>
+          <a:p>
+            <a:fld id="{D17C5EEA-D671-4453-97C7-AF6A67BC87D3}" type="slidenum">
+              <a:rPr lang="en-US" smtClean="0"/>
+              <a:pPr/>
+              <a:t>31</a:t>
+            </a:fld>
+            <a:endParaRPr lang="en-US"/>
+          </a:p>
+        </p:txBody>
+      </p:sp>
+    </p:spTree>
+    <p:extLst>
+      <p:ext uri="{BB962C8B-B14F-4D97-AF65-F5344CB8AC3E}">
+        <p14:creationId xmlns:p14="http://schemas.microsoft.com/office/powerpoint/2010/main" val="2682755544"/>
+      </p:ext>
+    </p:extLst>
   </p:cSld>
   <p:clrMapOvr>
     <a:masterClrMapping/>
@@ -1254,7 +1265,7 @@
   <p:cSld>
     <p:spTree>
       <p:nvGrpSpPr>
-        <p:cNvPr id="1" name="Shape 188"/>
+        <p:cNvPr id="1" name="Shape 179"/>
         <p:cNvGrpSpPr/>
         <p:nvPr/>
       </p:nvGrpSpPr>
@@ -1268,7 +1279,7 @@
       </p:grpSpPr>
       <p:sp>
         <p:nvSpPr>
-          <p:cNvPr id="189" name="Google Shape;189;g243b168c69a_0_124:notes"/>
+          <p:cNvPr id="180" name="Google Shape;180;g243b168c69a_0_78:notes"/>
           <p:cNvSpPr>
             <a:spLocks noGrp="1" noRot="1" noChangeAspect="1"/>
           </p:cNvSpPr>
@@ -1309,7 +1320,7 @@
       </p:sp>
       <p:sp>
         <p:nvSpPr>
-          <p:cNvPr id="190" name="Google Shape;190;g243b168c69a_0_124:notes"/>
+          <p:cNvPr id="181" name="Google Shape;181;g243b168c69a_0_78:notes"/>
           <p:cNvSpPr txBox="1">
             <a:spLocks noGrp="1"/>
           </p:cNvSpPr>
@@ -1358,7 +1369,7 @@
   <p:cSld>
     <p:spTree>
       <p:nvGrpSpPr>
-        <p:cNvPr id="1" name="Shape 201"/>
+        <p:cNvPr id="1" name="Shape 188"/>
         <p:cNvGrpSpPr/>
         <p:nvPr/>
       </p:nvGrpSpPr>
@@ -1372,7 +1383,7 @@
       </p:grpSpPr>
       <p:sp>
         <p:nvSpPr>
-          <p:cNvPr id="202" name="Google Shape;202;g27d7db3d6e8_0_11:notes"/>
+          <p:cNvPr id="189" name="Google Shape;189;g243b168c69a_0_124:notes"/>
           <p:cNvSpPr>
             <a:spLocks noGrp="1" noRot="1" noChangeAspect="1"/>
           </p:cNvSpPr>
@@ -1413,7 +1424,7 @@
       </p:sp>
       <p:sp>
         <p:nvSpPr>
-          <p:cNvPr id="203" name="Google Shape;203;g27d7db3d6e8_0_11:notes"/>
+          <p:cNvPr id="190" name="Google Shape;190;g243b168c69a_0_124:notes"/>
           <p:cNvSpPr txBox="1">
             <a:spLocks noGrp="1"/>
           </p:cNvSpPr>
@@ -1462,7 +1473,7 @@
   <p:cSld>
     <p:spTree>
       <p:nvGrpSpPr>
-        <p:cNvPr id="1" name="Shape 207"/>
+        <p:cNvPr id="1" name="Shape 201"/>
         <p:cNvGrpSpPr/>
         <p:nvPr/>
       </p:nvGrpSpPr>
@@ -1476,7 +1487,7 @@
       </p:grpSpPr>
       <p:sp>
         <p:nvSpPr>
-          <p:cNvPr id="208" name="Google Shape;208;g27d7db3d6e8_0_27:notes"/>
+          <p:cNvPr id="202" name="Google Shape;202;g27d7db3d6e8_0_11:notes"/>
           <p:cNvSpPr>
             <a:spLocks noGrp="1" noRot="1" noChangeAspect="1"/>
           </p:cNvSpPr>
@@ -1517,7 +1528,7 @@
       </p:sp>
       <p:sp>
         <p:nvSpPr>
-          <p:cNvPr id="209" name="Google Shape;209;g27d7db3d6e8_0_27:notes"/>
+          <p:cNvPr id="203" name="Google Shape;203;g27d7db3d6e8_0_11:notes"/>
           <p:cNvSpPr txBox="1">
             <a:spLocks noGrp="1"/>
           </p:cNvSpPr>
@@ -1566,7 +1577,7 @@
   <p:cSld>
     <p:spTree>
       <p:nvGrpSpPr>
-        <p:cNvPr id="1" name="Shape 214"/>
+        <p:cNvPr id="1" name="Shape 207"/>
         <p:cNvGrpSpPr/>
         <p:nvPr/>
       </p:nvGrpSpPr>
@@ -1580,7 +1591,7 @@
       </p:grpSpPr>
       <p:sp>
         <p:nvSpPr>
-          <p:cNvPr id="215" name="Google Shape;215;g27d7db3d6e8_0_33:notes"/>
+          <p:cNvPr id="208" name="Google Shape;208;g27d7db3d6e8_0_27:notes"/>
           <p:cNvSpPr>
             <a:spLocks noGrp="1" noRot="1" noChangeAspect="1"/>
           </p:cNvSpPr>
@@ -1621,7 +1632,7 @@
       </p:sp>
       <p:sp>
         <p:nvSpPr>
-          <p:cNvPr id="216" name="Google Shape;216;g27d7db3d6e8_0_33:notes"/>
+          <p:cNvPr id="209" name="Google Shape;209;g27d7db3d6e8_0_27:notes"/>
           <p:cNvSpPr txBox="1">
             <a:spLocks noGrp="1"/>
           </p:cNvSpPr>
@@ -1754,7 +1765,7 @@
   <p:cSld>
     <p:spTree>
       <p:nvGrpSpPr>
-        <p:cNvPr id="1" name="Shape 221"/>
+        <p:cNvPr id="1" name="Shape 214"/>
         <p:cNvGrpSpPr/>
         <p:nvPr/>
       </p:nvGrpSpPr>
@@ -1768,7 +1779,7 @@
       </p:grpSpPr>
       <p:sp>
         <p:nvSpPr>
-          <p:cNvPr id="222" name="Google Shape;222;g27d7db3d6e8_0_47:notes"/>
+          <p:cNvPr id="215" name="Google Shape;215;g27d7db3d6e8_0_33:notes"/>
           <p:cNvSpPr>
             <a:spLocks noGrp="1" noRot="1" noChangeAspect="1"/>
           </p:cNvSpPr>
@@ -1809,7 +1820,7 @@
       </p:sp>
       <p:sp>
         <p:nvSpPr>
-          <p:cNvPr id="223" name="Google Shape;223;g27d7db3d6e8_0_47:notes"/>
+          <p:cNvPr id="216" name="Google Shape;216;g27d7db3d6e8_0_33:notes"/>
           <p:cNvSpPr txBox="1">
             <a:spLocks noGrp="1"/>
           </p:cNvSpPr>
@@ -1841,23 +1852,6 @@
               </a:spcAft>
               <a:buNone/>
             </a:pPr>
-            <a:r>
-              <a:rPr lang="en"/>
-              <a:t>EASTER EGG HERE: If you are reading this and wondering why we pipe the output of pthread_addsub to /dev/null instead of removing the printf statements from code, it is because removing printf statements causes a slowdown. I'm still not too sure why, Peigeng suggested it may be due to this: </a:t>
-            </a:r>
-            <a:r>
-              <a:rPr lang="en" u="sng">
-                <a:solidFill>
-                  <a:schemeClr val="hlink"/>
-                </a:solidFill>
-                <a:hlinkClick r:id="rId3"/>
-              </a:rPr>
-              <a:t>https://stackoverflow.com/questions/42358211/adding-a-print-statement-speeds-up-code-by-an-order-of-magnitude</a:t>
-            </a:r>
-            <a:r>
-              <a:rPr lang="en"/>
-              <a:t> but I still couldn't get rid of the slowdown despite following the suggestions in the answer.</a:t>
-            </a:r>
             <a:endParaRPr/>
           </a:p>
         </p:txBody>
@@ -1875,7 +1869,7 @@
   <p:cSld>
     <p:spTree>
       <p:nvGrpSpPr>
-        <p:cNvPr id="1" name="Shape 227"/>
+        <p:cNvPr id="1" name="Shape 221"/>
         <p:cNvGrpSpPr/>
         <p:nvPr/>
       </p:nvGrpSpPr>
@@ -1889,7 +1883,7 @@
       </p:grpSpPr>
       <p:sp>
         <p:nvSpPr>
-          <p:cNvPr id="228" name="Google Shape;228;g27d7db3d6e8_0_38:notes"/>
+          <p:cNvPr id="222" name="Google Shape;222;g27d7db3d6e8_0_47:notes"/>
           <p:cNvSpPr>
             <a:spLocks noGrp="1" noRot="1" noChangeAspect="1"/>
           </p:cNvSpPr>
@@ -1930,7 +1924,7 @@
       </p:sp>
       <p:sp>
         <p:nvSpPr>
-          <p:cNvPr id="229" name="Google Shape;229;g27d7db3d6e8_0_38:notes"/>
+          <p:cNvPr id="223" name="Google Shape;223;g27d7db3d6e8_0_47:notes"/>
           <p:cNvSpPr txBox="1">
             <a:spLocks noGrp="1"/>
           </p:cNvSpPr>
@@ -1962,6 +1956,23 @@
               </a:spcAft>
               <a:buNone/>
             </a:pPr>
+            <a:r>
+              <a:rPr lang="en"/>
+              <a:t>EASTER EGG HERE: If you are reading this and wondering why we pipe the output of pthread_addsub to /dev/null instead of removing the printf statements from code, it is because removing printf statements causes a slowdown. I'm still not too sure why, Peigeng suggested it may be due to this: </a:t>
+            </a:r>
+            <a:r>
+              <a:rPr lang="en" u="sng">
+                <a:solidFill>
+                  <a:schemeClr val="hlink"/>
+                </a:solidFill>
+                <a:hlinkClick r:id="rId3"/>
+              </a:rPr>
+              <a:t>https://stackoverflow.com/questions/42358211/adding-a-print-statement-speeds-up-code-by-an-order-of-magnitude</a:t>
+            </a:r>
+            <a:r>
+              <a:rPr lang="en"/>
+              <a:t> but I still couldn't get rid of the slowdown despite following the suggestions in the answer.</a:t>
+            </a:r>
             <a:endParaRPr/>
           </a:p>
         </p:txBody>
@@ -2071,11 +2082,6 @@
         </p:txBody>
       </p:sp>
     </p:spTree>
-    <p:extLst>
-      <p:ext uri="{BB962C8B-B14F-4D97-AF65-F5344CB8AC3E}">
-        <p14:creationId xmlns:p14="http://schemas.microsoft.com/office/powerpoint/2010/main" val="418000496"/>
-      </p:ext>
-    </p:extLst>
   </p:cSld>
   <p:clrMapOvr>
     <a:masterClrMapping/>
@@ -2088,7 +2094,7 @@
   <p:cSld>
     <p:spTree>
       <p:nvGrpSpPr>
-        <p:cNvPr id="1" name="Shape 257"/>
+        <p:cNvPr id="1" name="Shape 227"/>
         <p:cNvGrpSpPr/>
         <p:nvPr/>
       </p:nvGrpSpPr>
@@ -2102,7 +2108,7 @@
       </p:grpSpPr>
       <p:sp>
         <p:nvSpPr>
-          <p:cNvPr id="258" name="Google Shape;258;g243b168c69a_0_29:notes"/>
+          <p:cNvPr id="228" name="Google Shape;228;g27d7db3d6e8_0_38:notes"/>
           <p:cNvSpPr>
             <a:spLocks noGrp="1" noRot="1" noChangeAspect="1"/>
           </p:cNvSpPr>
@@ -2143,7 +2149,7 @@
       </p:sp>
       <p:sp>
         <p:nvSpPr>
-          <p:cNvPr id="259" name="Google Shape;259;g243b168c69a_0_29:notes"/>
+          <p:cNvPr id="229" name="Google Shape;229;g27d7db3d6e8_0_38:notes"/>
           <p:cNvSpPr txBox="1">
             <a:spLocks noGrp="1"/>
           </p:cNvSpPr>
@@ -2180,6 +2186,11 @@
         </p:txBody>
       </p:sp>
     </p:spTree>
+    <p:extLst>
+      <p:ext uri="{BB962C8B-B14F-4D97-AF65-F5344CB8AC3E}">
+        <p14:creationId xmlns:p14="http://schemas.microsoft.com/office/powerpoint/2010/main" val="418000496"/>
+      </p:ext>
+    </p:extLst>
   </p:cSld>
   <p:clrMapOvr>
     <a:masterClrMapping/>
@@ -2192,7 +2203,7 @@
   <p:cSld>
     <p:spTree>
       <p:nvGrpSpPr>
-        <p:cNvPr id="1" name="Shape 264"/>
+        <p:cNvPr id="1" name="Shape 257"/>
         <p:cNvGrpSpPr/>
         <p:nvPr/>
       </p:nvGrpSpPr>
@@ -2206,7 +2217,7 @@
       </p:grpSpPr>
       <p:sp>
         <p:nvSpPr>
-          <p:cNvPr id="265" name="Google Shape;265;g243b168c69a_0_101:notes"/>
+          <p:cNvPr id="258" name="Google Shape;258;g243b168c69a_0_29:notes"/>
           <p:cNvSpPr>
             <a:spLocks noGrp="1" noRot="1" noChangeAspect="1"/>
           </p:cNvSpPr>
@@ -2247,7 +2258,7 @@
       </p:sp>
       <p:sp>
         <p:nvSpPr>
-          <p:cNvPr id="266" name="Google Shape;266;g243b168c69a_0_101:notes"/>
+          <p:cNvPr id="259" name="Google Shape;259;g243b168c69a_0_29:notes"/>
           <p:cNvSpPr txBox="1">
             <a:spLocks noGrp="1"/>
           </p:cNvSpPr>
@@ -2296,7 +2307,7 @@
   <p:cSld>
     <p:spTree>
       <p:nvGrpSpPr>
-        <p:cNvPr id="1" name="Shape 270"/>
+        <p:cNvPr id="1" name="Shape 264"/>
         <p:cNvGrpSpPr/>
         <p:nvPr/>
       </p:nvGrpSpPr>
@@ -2310,7 +2321,7 @@
       </p:grpSpPr>
       <p:sp>
         <p:nvSpPr>
-          <p:cNvPr id="271" name="Google Shape;271;g243b168c69a_0_87:notes"/>
+          <p:cNvPr id="265" name="Google Shape;265;g243b168c69a_0_101:notes"/>
           <p:cNvSpPr>
             <a:spLocks noGrp="1" noRot="1" noChangeAspect="1"/>
           </p:cNvSpPr>
@@ -2351,7 +2362,7 @@
       </p:sp>
       <p:sp>
         <p:nvSpPr>
-          <p:cNvPr id="272" name="Google Shape;272;g243b168c69a_0_87:notes"/>
+          <p:cNvPr id="266" name="Google Shape;266;g243b168c69a_0_101:notes"/>
           <p:cNvSpPr txBox="1">
             <a:spLocks noGrp="1"/>
           </p:cNvSpPr>
@@ -2383,10 +2394,6 @@
               </a:spcAft>
               <a:buNone/>
             </a:pPr>
-            <a:r>
-              <a:rPr lang="en"/>
-              <a:t>Demo ex9 at the end</a:t>
-            </a:r>
             <a:endParaRPr/>
           </a:p>
         </p:txBody>
@@ -2404,7 +2411,7 @@
   <p:cSld>
     <p:spTree>
       <p:nvGrpSpPr>
-        <p:cNvPr id="1" name="Shape 283"/>
+        <p:cNvPr id="1" name="Shape 270"/>
         <p:cNvGrpSpPr/>
         <p:nvPr/>
       </p:nvGrpSpPr>
@@ -2418,7 +2425,7 @@
       </p:grpSpPr>
       <p:sp>
         <p:nvSpPr>
-          <p:cNvPr id="284" name="Google Shape;284;g27d7db3d6e8_0_66:notes"/>
+          <p:cNvPr id="271" name="Google Shape;271;g243b168c69a_0_87:notes"/>
           <p:cNvSpPr>
             <a:spLocks noGrp="1" noRot="1" noChangeAspect="1"/>
           </p:cNvSpPr>
@@ -2459,7 +2466,7 @@
       </p:sp>
       <p:sp>
         <p:nvSpPr>
-          <p:cNvPr id="285" name="Google Shape;285;g27d7db3d6e8_0_66:notes"/>
+          <p:cNvPr id="272" name="Google Shape;272;g243b168c69a_0_87:notes"/>
           <p:cNvSpPr txBox="1">
             <a:spLocks noGrp="1"/>
           </p:cNvSpPr>
@@ -2492,10 +2499,10 @@
               <a:buNone/>
             </a:pPr>
             <a:r>
-              <a:rPr lang="en" sz="2000" b="1"/>
-              <a:t>INCLUDES HINTS FOR EX10</a:t>
-            </a:r>
-            <a:endParaRPr sz="2000" b="1"/>
+              <a:rPr lang="en"/>
+              <a:t>Demo ex9 at the end</a:t>
+            </a:r>
+            <a:endParaRPr/>
           </a:p>
         </p:txBody>
       </p:sp>
@@ -2512,7 +2519,7 @@
   <p:cSld>
     <p:spTree>
       <p:nvGrpSpPr>
-        <p:cNvPr id="1" name="Shape 288"/>
+        <p:cNvPr id="1" name="Shape 283"/>
         <p:cNvGrpSpPr/>
         <p:nvPr/>
       </p:nvGrpSpPr>
@@ -2526,7 +2533,7 @@
       </p:grpSpPr>
       <p:sp>
         <p:nvSpPr>
-          <p:cNvPr id="289" name="Google Shape;289;g27d7db3d6e8_0_73:notes"/>
+          <p:cNvPr id="284" name="Google Shape;284;g27d7db3d6e8_0_66:notes"/>
           <p:cNvSpPr>
             <a:spLocks noGrp="1" noRot="1" noChangeAspect="1"/>
           </p:cNvSpPr>
@@ -2567,7 +2574,7 @@
       </p:sp>
       <p:sp>
         <p:nvSpPr>
-          <p:cNvPr id="290" name="Google Shape;290;g27d7db3d6e8_0_73:notes"/>
+          <p:cNvPr id="285" name="Google Shape;285;g27d7db3d6e8_0_66:notes"/>
           <p:cNvSpPr txBox="1">
             <a:spLocks noGrp="1"/>
           </p:cNvSpPr>
@@ -2599,7 +2606,11 @@
               </a:spcAft>
               <a:buNone/>
             </a:pPr>
-            <a:endParaRPr/>
+            <a:r>
+              <a:rPr lang="en" sz="2000" b="1"/>
+              <a:t>INCLUDES HINTS FOR EX10</a:t>
+            </a:r>
+            <a:endParaRPr sz="2000" b="1"/>
           </a:p>
         </p:txBody>
       </p:sp>
@@ -2616,7 +2627,7 @@
   <p:cSld>
     <p:spTree>
       <p:nvGrpSpPr>
-        <p:cNvPr id="1" name="Shape 294"/>
+        <p:cNvPr id="1" name="Shape 288"/>
         <p:cNvGrpSpPr/>
         <p:nvPr/>
       </p:nvGrpSpPr>
@@ -2630,7 +2641,7 @@
       </p:grpSpPr>
       <p:sp>
         <p:nvSpPr>
-          <p:cNvPr id="295" name="Google Shape;295;g27d7db3d6e8_0_80:notes"/>
+          <p:cNvPr id="289" name="Google Shape;289;g27d7db3d6e8_0_73:notes"/>
           <p:cNvSpPr>
             <a:spLocks noGrp="1" noRot="1" noChangeAspect="1"/>
           </p:cNvSpPr>
@@ -2671,7 +2682,7 @@
       </p:sp>
       <p:sp>
         <p:nvSpPr>
-          <p:cNvPr id="296" name="Google Shape;296;g27d7db3d6e8_0_80:notes"/>
+          <p:cNvPr id="290" name="Google Shape;290;g27d7db3d6e8_0_73:notes"/>
           <p:cNvSpPr txBox="1">
             <a:spLocks noGrp="1"/>
           </p:cNvSpPr>
@@ -2720,7 +2731,7 @@
   <p:cSld>
     <p:spTree>
       <p:nvGrpSpPr>
-        <p:cNvPr id="1" name="Shape 300"/>
+        <p:cNvPr id="1" name="Shape 294"/>
         <p:cNvGrpSpPr/>
         <p:nvPr/>
       </p:nvGrpSpPr>
@@ -2734,7 +2745,7 @@
       </p:grpSpPr>
       <p:sp>
         <p:nvSpPr>
-          <p:cNvPr id="301" name="Google Shape;301;g27d7db3d6e8_0_86:notes"/>
+          <p:cNvPr id="295" name="Google Shape;295;g27d7db3d6e8_0_80:notes"/>
           <p:cNvSpPr>
             <a:spLocks noGrp="1" noRot="1" noChangeAspect="1"/>
           </p:cNvSpPr>
@@ -2775,7 +2786,7 @@
       </p:sp>
       <p:sp>
         <p:nvSpPr>
-          <p:cNvPr id="302" name="Google Shape;302;g27d7db3d6e8_0_86:notes"/>
+          <p:cNvPr id="296" name="Google Shape;296;g27d7db3d6e8_0_80:notes"/>
           <p:cNvSpPr txBox="1">
             <a:spLocks noGrp="1"/>
           </p:cNvSpPr>
@@ -2928,7 +2939,7 @@
   <p:cSld>
     <p:spTree>
       <p:nvGrpSpPr>
-        <p:cNvPr id="1" name="Shape 308"/>
+        <p:cNvPr id="1" name="Shape 300"/>
         <p:cNvGrpSpPr/>
         <p:nvPr/>
       </p:nvGrpSpPr>
@@ -2942,7 +2953,7 @@
       </p:grpSpPr>
       <p:sp>
         <p:nvSpPr>
-          <p:cNvPr id="309" name="Google Shape;309;g27dd1d236e9_2_0:notes"/>
+          <p:cNvPr id="301" name="Google Shape;301;g27d7db3d6e8_0_86:notes"/>
           <p:cNvSpPr>
             <a:spLocks noGrp="1" noRot="1" noChangeAspect="1"/>
           </p:cNvSpPr>
@@ -2983,7 +2994,7 @@
       </p:sp>
       <p:sp>
         <p:nvSpPr>
-          <p:cNvPr id="310" name="Google Shape;310;g27dd1d236e9_2_0:notes"/>
+          <p:cNvPr id="302" name="Google Shape;302;g27d7db3d6e8_0_86:notes"/>
           <p:cNvSpPr txBox="1">
             <a:spLocks noGrp="1"/>
           </p:cNvSpPr>
@@ -3032,7 +3043,7 @@
   <p:cSld>
     <p:spTree>
       <p:nvGrpSpPr>
-        <p:cNvPr id="1" name="Shape 316"/>
+        <p:cNvPr id="1" name="Shape 308"/>
         <p:cNvGrpSpPr/>
         <p:nvPr/>
       </p:nvGrpSpPr>
@@ -3046,7 +3057,7 @@
       </p:grpSpPr>
       <p:sp>
         <p:nvSpPr>
-          <p:cNvPr id="317" name="Google Shape;317;g243b168c69a_0_132:notes"/>
+          <p:cNvPr id="309" name="Google Shape;309;g27dd1d236e9_2_0:notes"/>
           <p:cNvSpPr>
             <a:spLocks noGrp="1" noRot="1" noChangeAspect="1"/>
           </p:cNvSpPr>
@@ -3087,7 +3098,7 @@
       </p:sp>
       <p:sp>
         <p:nvSpPr>
-          <p:cNvPr id="318" name="Google Shape;318;g243b168c69a_0_132:notes"/>
+          <p:cNvPr id="310" name="Google Shape;310;g27dd1d236e9_2_0:notes"/>
           <p:cNvSpPr txBox="1">
             <a:spLocks noGrp="1"/>
           </p:cNvSpPr>
@@ -3136,7 +3147,7 @@
   <p:cSld>
     <p:spTree>
       <p:nvGrpSpPr>
-        <p:cNvPr id="1" name="Shape 323"/>
+        <p:cNvPr id="1" name="Shape 316"/>
         <p:cNvGrpSpPr/>
         <p:nvPr/>
       </p:nvGrpSpPr>
@@ -3150,7 +3161,7 @@
       </p:grpSpPr>
       <p:sp>
         <p:nvSpPr>
-          <p:cNvPr id="324" name="Google Shape;324;g243b168c69a_0_106:notes"/>
+          <p:cNvPr id="317" name="Google Shape;317;g243b168c69a_0_132:notes"/>
           <p:cNvSpPr>
             <a:spLocks noGrp="1" noRot="1" noChangeAspect="1"/>
           </p:cNvSpPr>
@@ -3191,7 +3202,7 @@
       </p:sp>
       <p:sp>
         <p:nvSpPr>
-          <p:cNvPr id="325" name="Google Shape;325;g243b168c69a_0_106:notes"/>
+          <p:cNvPr id="318" name="Google Shape;318;g243b168c69a_0_132:notes"/>
           <p:cNvSpPr txBox="1">
             <a:spLocks noGrp="1"/>
           </p:cNvSpPr>
@@ -3240,7 +3251,7 @@
   <p:cSld>
     <p:spTree>
       <p:nvGrpSpPr>
-        <p:cNvPr id="1" name="Shape 601"/>
+        <p:cNvPr id="1" name="Shape 323"/>
         <p:cNvGrpSpPr/>
         <p:nvPr/>
       </p:nvGrpSpPr>
@@ -3254,7 +3265,7 @@
       </p:grpSpPr>
       <p:sp>
         <p:nvSpPr>
-          <p:cNvPr id="602" name="Google Shape;602;ga006735cba_0_249:notes"/>
+          <p:cNvPr id="324" name="Google Shape;324;g243b168c69a_0_106:notes"/>
           <p:cNvSpPr>
             <a:spLocks noGrp="1" noRot="1" noChangeAspect="1"/>
           </p:cNvSpPr>
@@ -3295,7 +3306,7 @@
       </p:sp>
       <p:sp>
         <p:nvSpPr>
-          <p:cNvPr id="603" name="Google Shape;603;ga006735cba_0_249:notes"/>
+          <p:cNvPr id="325" name="Google Shape;325;g243b168c69a_0_106:notes"/>
           <p:cNvSpPr txBox="1">
             <a:spLocks noGrp="1"/>
           </p:cNvSpPr>
@@ -3340,6 +3351,110 @@
 </file>
 
 <file path=ppt/notesSlides/notesSlide34.xml><?xml version="1.0" encoding="utf-8"?>
+<p:notes xmlns:a="http://schemas.openxmlformats.org/drawingml/2006/main" xmlns:r="http://schemas.openxmlformats.org/officeDocument/2006/relationships" xmlns:p="http://schemas.openxmlformats.org/presentationml/2006/main" showMasterSp="0" showMasterPhAnim="0">
+  <p:cSld>
+    <p:spTree>
+      <p:nvGrpSpPr>
+        <p:cNvPr id="1" name="Shape 601"/>
+        <p:cNvGrpSpPr/>
+        <p:nvPr/>
+      </p:nvGrpSpPr>
+      <p:grpSpPr>
+        <a:xfrm>
+          <a:off x="0" y="0"/>
+          <a:ext cx="0" cy="0"/>
+          <a:chOff x="0" y="0"/>
+          <a:chExt cx="0" cy="0"/>
+        </a:xfrm>
+      </p:grpSpPr>
+      <p:sp>
+        <p:nvSpPr>
+          <p:cNvPr id="602" name="Google Shape;602;ga006735cba_0_249:notes"/>
+          <p:cNvSpPr>
+            <a:spLocks noGrp="1" noRot="1" noChangeAspect="1"/>
+          </p:cNvSpPr>
+          <p:nvPr>
+            <p:ph type="sldImg" idx="2"/>
+          </p:nvPr>
+        </p:nvSpPr>
+        <p:spPr>
+          <a:xfrm>
+            <a:off x="381000" y="685800"/>
+            <a:ext cx="6096000" cy="3429000"/>
+          </a:xfrm>
+          <a:custGeom>
+            <a:avLst/>
+            <a:gdLst/>
+            <a:ahLst/>
+            <a:cxnLst/>
+            <a:rect l="l" t="t" r="r" b="b"/>
+            <a:pathLst>
+              <a:path w="120000" h="120000" extrusionOk="0">
+                <a:moveTo>
+                  <a:pt x="0" y="0"/>
+                </a:moveTo>
+                <a:lnTo>
+                  <a:pt x="120000" y="0"/>
+                </a:lnTo>
+                <a:lnTo>
+                  <a:pt x="120000" y="120000"/>
+                </a:lnTo>
+                <a:lnTo>
+                  <a:pt x="0" y="120000"/>
+                </a:lnTo>
+                <a:close/>
+              </a:path>
+            </a:pathLst>
+          </a:custGeom>
+        </p:spPr>
+      </p:sp>
+      <p:sp>
+        <p:nvSpPr>
+          <p:cNvPr id="603" name="Google Shape;603;ga006735cba_0_249:notes"/>
+          <p:cNvSpPr txBox="1">
+            <a:spLocks noGrp="1"/>
+          </p:cNvSpPr>
+          <p:nvPr>
+            <p:ph type="body" idx="1"/>
+          </p:nvPr>
+        </p:nvSpPr>
+        <p:spPr>
+          <a:xfrm>
+            <a:off x="685800" y="4343400"/>
+            <a:ext cx="5486400" cy="4114800"/>
+          </a:xfrm>
+          <a:prstGeom prst="rect">
+            <a:avLst/>
+          </a:prstGeom>
+        </p:spPr>
+        <p:txBody>
+          <a:bodyPr spcFirstLastPara="1" wrap="square" lIns="91425" tIns="91425" rIns="91425" bIns="91425" anchor="t" anchorCtr="0">
+            <a:noAutofit/>
+          </a:bodyPr>
+          <a:lstStyle/>
+          <a:p>
+            <a:pPr marL="0" lvl="0" indent="0" algn="l" rtl="0">
+              <a:spcBef>
+                <a:spcPts val="0"/>
+              </a:spcBef>
+              <a:spcAft>
+                <a:spcPts val="0"/>
+              </a:spcAft>
+              <a:buNone/>
+            </a:pPr>
+            <a:endParaRPr/>
+          </a:p>
+        </p:txBody>
+      </p:sp>
+    </p:spTree>
+  </p:cSld>
+  <p:clrMapOvr>
+    <a:masterClrMapping/>
+  </p:clrMapOvr>
+</p:notes>
+</file>
+
+<file path=ppt/notesSlides/notesSlide35.xml><?xml version="1.0" encoding="utf-8"?>
 <p:notes xmlns:a="http://schemas.openxmlformats.org/drawingml/2006/main" xmlns:r="http://schemas.openxmlformats.org/officeDocument/2006/relationships" xmlns:p="http://schemas.openxmlformats.org/presentationml/2006/main">
   <p:cSld>
     <p:spTree>
@@ -3404,7 +3519,7 @@
           <a:p>
             <a:fld id="{D17C5EEA-D671-4453-97C7-AF6A67BC87D3}" type="slidenum">
               <a:rPr lang="en-US" smtClean="0"/>
-              <a:t>41</a:t>
+              <a:t>52</a:t>
             </a:fld>
             <a:endParaRPr lang="en-US"/>
           </a:p>
@@ -3528,6 +3643,91 @@
 </file>
 
 <file path=ppt/notesSlides/notesSlide5.xml><?xml version="1.0" encoding="utf-8"?>
+<p:notes xmlns:a="http://schemas.openxmlformats.org/drawingml/2006/main" xmlns:r="http://schemas.openxmlformats.org/officeDocument/2006/relationships" xmlns:p="http://schemas.openxmlformats.org/presentationml/2006/main">
+  <p:cSld>
+    <p:spTree>
+      <p:nvGrpSpPr>
+        <p:cNvPr id="1" name=""/>
+        <p:cNvGrpSpPr/>
+        <p:nvPr/>
+      </p:nvGrpSpPr>
+      <p:grpSpPr>
+        <a:xfrm>
+          <a:off x="0" y="0"/>
+          <a:ext cx="0" cy="0"/>
+          <a:chOff x="0" y="0"/>
+          <a:chExt cx="0" cy="0"/>
+        </a:xfrm>
+      </p:grpSpPr>
+      <p:sp>
+        <p:nvSpPr>
+          <p:cNvPr id="2" name="Slide Image Placeholder 1"/>
+          <p:cNvSpPr>
+            <a:spLocks noGrp="1" noRot="1" noChangeAspect="1"/>
+          </p:cNvSpPr>
+          <p:nvPr>
+            <p:ph type="sldImg"/>
+          </p:nvPr>
+        </p:nvSpPr>
+        <p:spPr/>
+      </p:sp>
+      <p:sp>
+        <p:nvSpPr>
+          <p:cNvPr id="3" name="Notes Placeholder 2"/>
+          <p:cNvSpPr>
+            <a:spLocks noGrp="1"/>
+          </p:cNvSpPr>
+          <p:nvPr>
+            <p:ph type="body" idx="1"/>
+          </p:nvPr>
+        </p:nvSpPr>
+        <p:spPr/>
+        <p:txBody>
+          <a:bodyPr/>
+          <a:lstStyle/>
+          <a:p>
+            <a:endParaRPr lang="en-SG"/>
+          </a:p>
+        </p:txBody>
+      </p:sp>
+      <p:sp>
+        <p:nvSpPr>
+          <p:cNvPr id="4" name="Slide Number Placeholder 3"/>
+          <p:cNvSpPr>
+            <a:spLocks noGrp="1"/>
+          </p:cNvSpPr>
+          <p:nvPr>
+            <p:ph type="sldNum" sz="quarter" idx="5"/>
+          </p:nvPr>
+        </p:nvSpPr>
+        <p:spPr/>
+        <p:txBody>
+          <a:bodyPr/>
+          <a:lstStyle/>
+          <a:p>
+            <a:fld id="{D17C5EEA-D671-4453-97C7-AF6A67BC87D3}" type="slidenum">
+              <a:rPr lang="en-US" smtClean="0"/>
+              <a:pPr/>
+              <a:t>14</a:t>
+            </a:fld>
+            <a:endParaRPr lang="en-US"/>
+          </a:p>
+        </p:txBody>
+      </p:sp>
+    </p:spTree>
+    <p:extLst>
+      <p:ext uri="{BB962C8B-B14F-4D97-AF65-F5344CB8AC3E}">
+        <p14:creationId xmlns:p14="http://schemas.microsoft.com/office/powerpoint/2010/main" val="4151295936"/>
+      </p:ext>
+    </p:extLst>
+  </p:cSld>
+  <p:clrMapOvr>
+    <a:masterClrMapping/>
+  </p:clrMapOvr>
+</p:notes>
+</file>
+
+<file path=ppt/notesSlides/notesSlide6.xml><?xml version="1.0" encoding="utf-8"?>
 <p:notes xmlns:a="http://schemas.openxmlformats.org/drawingml/2006/main" xmlns:r="http://schemas.openxmlformats.org/officeDocument/2006/relationships" xmlns:p="http://schemas.openxmlformats.org/presentationml/2006/main" showMasterSp="0" showMasterPhAnim="0">
   <p:cSld>
     <p:spTree>
@@ -3631,7 +3831,7 @@
 </p:notes>
 </file>
 
-<file path=ppt/notesSlides/notesSlide6.xml><?xml version="1.0" encoding="utf-8"?>
+<file path=ppt/notesSlides/notesSlide7.xml><?xml version="1.0" encoding="utf-8"?>
 <p:notes xmlns:a="http://schemas.openxmlformats.org/drawingml/2006/main" xmlns:r="http://schemas.openxmlformats.org/officeDocument/2006/relationships" xmlns:p="http://schemas.openxmlformats.org/presentationml/2006/main" showMasterSp="0" showMasterPhAnim="0">
   <p:cSld>
     <p:spTree>
@@ -3735,7 +3935,7 @@
 </p:notes>
 </file>
 
-<file path=ppt/notesSlides/notesSlide7.xml><?xml version="1.0" encoding="utf-8"?>
+<file path=ppt/notesSlides/notesSlide8.xml><?xml version="1.0" encoding="utf-8"?>
 <p:notes xmlns:a="http://schemas.openxmlformats.org/drawingml/2006/main" xmlns:r="http://schemas.openxmlformats.org/officeDocument/2006/relationships" xmlns:p="http://schemas.openxmlformats.org/presentationml/2006/main" showMasterSp="0" showMasterPhAnim="0">
   <p:cSld>
     <p:spTree>
@@ -3839,7 +4039,7 @@
 </p:notes>
 </file>
 
-<file path=ppt/notesSlides/notesSlide8.xml><?xml version="1.0" encoding="utf-8"?>
+<file path=ppt/notesSlides/notesSlide9.xml><?xml version="1.0" encoding="utf-8"?>
 <p:notes xmlns:a="http://schemas.openxmlformats.org/drawingml/2006/main" xmlns:r="http://schemas.openxmlformats.org/officeDocument/2006/relationships" xmlns:p="http://schemas.openxmlformats.org/presentationml/2006/main">
   <p:cSld>
     <p:spTree>
@@ -3913,7 +4113,7 @@
             <a:fld id="{D17C5EEA-D671-4453-97C7-AF6A67BC87D3}" type="slidenum">
               <a:rPr lang="en-US" smtClean="0"/>
               <a:pPr/>
-              <a:t>14</a:t>
+              <a:t>25</a:t>
             </a:fld>
             <a:endParaRPr lang="en-US"/>
           </a:p>
@@ -3957,110 +4157,6 @@
         <p14:creationId xmlns:p14="http://schemas.microsoft.com/office/powerpoint/2010/main" val="1936714621"/>
       </p:ext>
     </p:extLst>
-  </p:cSld>
-  <p:clrMapOvr>
-    <a:masterClrMapping/>
-  </p:clrMapOvr>
-</p:notes>
-</file>
-
-<file path=ppt/notesSlides/notesSlide9.xml><?xml version="1.0" encoding="utf-8"?>
-<p:notes xmlns:a="http://schemas.openxmlformats.org/drawingml/2006/main" xmlns:r="http://schemas.openxmlformats.org/officeDocument/2006/relationships" xmlns:p="http://schemas.openxmlformats.org/presentationml/2006/main" showMasterSp="0" showMasterPhAnim="0">
-  <p:cSld>
-    <p:spTree>
-      <p:nvGrpSpPr>
-        <p:cNvPr id="1" name="Shape 136"/>
-        <p:cNvGrpSpPr/>
-        <p:nvPr/>
-      </p:nvGrpSpPr>
-      <p:grpSpPr>
-        <a:xfrm>
-          <a:off x="0" y="0"/>
-          <a:ext cx="0" cy="0"/>
-          <a:chOff x="0" y="0"/>
-          <a:chExt cx="0" cy="0"/>
-        </a:xfrm>
-      </p:grpSpPr>
-      <p:sp>
-        <p:nvSpPr>
-          <p:cNvPr id="137" name="Google Shape;137;g243b168c69a_0_40:notes"/>
-          <p:cNvSpPr>
-            <a:spLocks noGrp="1" noRot="1" noChangeAspect="1"/>
-          </p:cNvSpPr>
-          <p:nvPr>
-            <p:ph type="sldImg" idx="2"/>
-          </p:nvPr>
-        </p:nvSpPr>
-        <p:spPr>
-          <a:xfrm>
-            <a:off x="381000" y="685800"/>
-            <a:ext cx="6096000" cy="3429000"/>
-          </a:xfrm>
-          <a:custGeom>
-            <a:avLst/>
-            <a:gdLst/>
-            <a:ahLst/>
-            <a:cxnLst/>
-            <a:rect l="l" t="t" r="r" b="b"/>
-            <a:pathLst>
-              <a:path w="120000" h="120000" extrusionOk="0">
-                <a:moveTo>
-                  <a:pt x="0" y="0"/>
-                </a:moveTo>
-                <a:lnTo>
-                  <a:pt x="120000" y="0"/>
-                </a:lnTo>
-                <a:lnTo>
-                  <a:pt x="120000" y="120000"/>
-                </a:lnTo>
-                <a:lnTo>
-                  <a:pt x="0" y="120000"/>
-                </a:lnTo>
-                <a:close/>
-              </a:path>
-            </a:pathLst>
-          </a:custGeom>
-        </p:spPr>
-      </p:sp>
-      <p:sp>
-        <p:nvSpPr>
-          <p:cNvPr id="138" name="Google Shape;138;g243b168c69a_0_40:notes"/>
-          <p:cNvSpPr txBox="1">
-            <a:spLocks noGrp="1"/>
-          </p:cNvSpPr>
-          <p:nvPr>
-            <p:ph type="body" idx="1"/>
-          </p:nvPr>
-        </p:nvSpPr>
-        <p:spPr>
-          <a:xfrm>
-            <a:off x="685800" y="4343400"/>
-            <a:ext cx="5486400" cy="4114800"/>
-          </a:xfrm>
-          <a:prstGeom prst="rect">
-            <a:avLst/>
-          </a:prstGeom>
-        </p:spPr>
-        <p:txBody>
-          <a:bodyPr spcFirstLastPara="1" wrap="square" lIns="91425" tIns="91425" rIns="91425" bIns="91425" anchor="t" anchorCtr="0">
-            <a:noAutofit/>
-          </a:bodyPr>
-          <a:lstStyle/>
-          <a:p>
-            <a:pPr marL="0" lvl="0" indent="0" algn="l" rtl="0">
-              <a:spcBef>
-                <a:spcPts val="0"/>
-              </a:spcBef>
-              <a:spcAft>
-                <a:spcPts val="0"/>
-              </a:spcAft>
-              <a:buNone/>
-            </a:pPr>
-            <a:endParaRPr/>
-          </a:p>
-        </p:txBody>
-      </p:sp>
-    </p:spTree>
   </p:cSld>
   <p:clrMapOvr>
     <a:masterClrMapping/>
@@ -4219,7 +4315,7 @@
           <a:p>
             <a:fld id="{6CCF18BA-79E2-4428-BC0A-399EA0551CA6}" type="datetimeFigureOut">
               <a:rPr lang="en-US" smtClean="0"/>
-              <a:t>9/8/2024</a:t>
+              <a:t>9/9/2024</a:t>
             </a:fld>
             <a:endParaRPr lang="en-US"/>
           </a:p>
@@ -4449,7 +4545,7 @@
           <a:p>
             <a:fld id="{6CCF18BA-79E2-4428-BC0A-399EA0551CA6}" type="datetimeFigureOut">
               <a:rPr lang="en-US" smtClean="0"/>
-              <a:t>9/8/2024</a:t>
+              <a:t>9/9/2024</a:t>
             </a:fld>
             <a:endParaRPr lang="en-US"/>
           </a:p>
@@ -4689,7 +4785,7 @@
           <a:p>
             <a:fld id="{6CCF18BA-79E2-4428-BC0A-399EA0551CA6}" type="datetimeFigureOut">
               <a:rPr lang="en-US" smtClean="0"/>
-              <a:t>9/8/2024</a:t>
+              <a:t>9/9/2024</a:t>
             </a:fld>
             <a:endParaRPr lang="en-US"/>
           </a:p>
@@ -6212,7 +6308,7 @@
           <a:p>
             <a:fld id="{6CCF18BA-79E2-4428-BC0A-399EA0551CA6}" type="datetimeFigureOut">
               <a:rPr lang="en-US" smtClean="0"/>
-              <a:t>9/8/2024</a:t>
+              <a:t>9/9/2024</a:t>
             </a:fld>
             <a:endParaRPr lang="en-US"/>
           </a:p>
@@ -6490,7 +6586,7 @@
           <a:p>
             <a:fld id="{6CCF18BA-79E2-4428-BC0A-399EA0551CA6}" type="datetimeFigureOut">
               <a:rPr lang="en-US" smtClean="0"/>
-              <a:t>9/8/2024</a:t>
+              <a:t>9/9/2024</a:t>
             </a:fld>
             <a:endParaRPr lang="en-US"/>
           </a:p>
@@ -6813,7 +6909,7 @@
           <a:p>
             <a:fld id="{6CCF18BA-79E2-4428-BC0A-399EA0551CA6}" type="datetimeFigureOut">
               <a:rPr lang="en-US" smtClean="0"/>
-              <a:t>9/8/2024</a:t>
+              <a:t>9/9/2024</a:t>
             </a:fld>
             <a:endParaRPr lang="en-US"/>
           </a:p>
@@ -7287,7 +7383,7 @@
           <a:p>
             <a:fld id="{6CCF18BA-79E2-4428-BC0A-399EA0551CA6}" type="datetimeFigureOut">
               <a:rPr lang="en-US" smtClean="0"/>
-              <a:t>9/8/2024</a:t>
+              <a:t>9/9/2024</a:t>
             </a:fld>
             <a:endParaRPr lang="en-US"/>
           </a:p>
@@ -7434,7 +7530,7 @@
           <a:p>
             <a:fld id="{6CCF18BA-79E2-4428-BC0A-399EA0551CA6}" type="datetimeFigureOut">
               <a:rPr lang="en-US" smtClean="0"/>
-              <a:t>9/8/2024</a:t>
+              <a:t>9/9/2024</a:t>
             </a:fld>
             <a:endParaRPr lang="en-US"/>
           </a:p>
@@ -7547,7 +7643,7 @@
           <a:p>
             <a:fld id="{6CCF18BA-79E2-4428-BC0A-399EA0551CA6}" type="datetimeFigureOut">
               <a:rPr lang="en-US" smtClean="0"/>
-              <a:t>9/8/2024</a:t>
+              <a:t>9/9/2024</a:t>
             </a:fld>
             <a:endParaRPr lang="en-US"/>
           </a:p>
@@ -7872,7 +7968,7 @@
           <a:p>
             <a:fld id="{6CCF18BA-79E2-4428-BC0A-399EA0551CA6}" type="datetimeFigureOut">
               <a:rPr lang="en-US" smtClean="0"/>
-              <a:t>9/8/2024</a:t>
+              <a:t>9/9/2024</a:t>
             </a:fld>
             <a:endParaRPr lang="en-US"/>
           </a:p>
@@ -8164,7 +8260,7 @@
           <a:p>
             <a:fld id="{6CCF18BA-79E2-4428-BC0A-399EA0551CA6}" type="datetimeFigureOut">
               <a:rPr lang="en-US" smtClean="0"/>
-              <a:t>9/8/2024</a:t>
+              <a:t>9/9/2024</a:t>
             </a:fld>
             <a:endParaRPr lang="en-US"/>
           </a:p>
@@ -8407,7 +8503,7 @@
             <a:fld id="{6CCF18BA-79E2-4428-BC0A-399EA0551CA6}" type="datetimeFigureOut">
               <a:rPr lang="en-US" smtClean="0"/>
               <a:pPr/>
-              <a:t>9/8/2024</a:t>
+              <a:t>9/9/2024</a:t>
             </a:fld>
             <a:endParaRPr lang="en-US"/>
           </a:p>
@@ -8993,6 +9089,2978 @@
   <p:cSld>
     <p:spTree>
       <p:nvGrpSpPr>
+        <p:cNvPr id="1" name=""/>
+        <p:cNvGrpSpPr/>
+        <p:nvPr/>
+      </p:nvGrpSpPr>
+      <p:grpSpPr>
+        <a:xfrm>
+          <a:off x="0" y="0"/>
+          <a:ext cx="0" cy="0"/>
+          <a:chOff x="0" y="0"/>
+          <a:chExt cx="0" cy="0"/>
+        </a:xfrm>
+      </p:grpSpPr>
+      <p:sp>
+        <p:nvSpPr>
+          <p:cNvPr id="2" name="Title 1">
+            <a:extLst>
+              <a:ext uri="{FF2B5EF4-FFF2-40B4-BE49-F238E27FC236}">
+                <a16:creationId xmlns:a16="http://schemas.microsoft.com/office/drawing/2014/main" id="{8A6CCF69-746A-F7D0-BF4A-B4F185C80920}"/>
+              </a:ext>
+            </a:extLst>
+          </p:cNvPr>
+          <p:cNvSpPr>
+            <a:spLocks noGrp="1"/>
+          </p:cNvSpPr>
+          <p:nvPr>
+            <p:ph type="title"/>
+          </p:nvPr>
+        </p:nvSpPr>
+        <p:spPr/>
+        <p:txBody>
+          <a:bodyPr/>
+          <a:lstStyle/>
+          <a:p>
+            <a:r>
+              <a:rPr lang="en-SG"/>
+              <a:t>"How to write report"</a:t>
+            </a:r>
+          </a:p>
+        </p:txBody>
+      </p:sp>
+      <p:sp>
+        <p:nvSpPr>
+          <p:cNvPr id="3" name="Content Placeholder 2">
+            <a:extLst>
+              <a:ext uri="{FF2B5EF4-FFF2-40B4-BE49-F238E27FC236}">
+                <a16:creationId xmlns:a16="http://schemas.microsoft.com/office/drawing/2014/main" id="{E654A63F-47AB-E2CB-1D03-93C60D91EDEF}"/>
+              </a:ext>
+            </a:extLst>
+          </p:cNvPr>
+          <p:cNvSpPr>
+            <a:spLocks noGrp="1"/>
+          </p:cNvSpPr>
+          <p:nvPr>
+            <p:ph idx="1"/>
+          </p:nvPr>
+        </p:nvSpPr>
+        <p:spPr/>
+        <p:txBody>
+          <a:bodyPr/>
+          <a:lstStyle/>
+          <a:p>
+            <a:r>
+              <a:rPr lang="en-SG"/>
+              <a:t>Understand the skills we are trying to teach</a:t>
+            </a:r>
+          </a:p>
+          <a:p>
+            <a:pPr lvl="1"/>
+            <a:r>
+              <a:rPr lang="en-SG"/>
+              <a:t>Start with benchmarking </a:t>
+            </a:r>
+          </a:p>
+          <a:p>
+            <a:pPr marL="457200" lvl="1" indent="0">
+              <a:buNone/>
+            </a:pPr>
+            <a:r>
+              <a:rPr lang="en-SG"/>
+              <a:t>	==&gt; Getting aggregated results </a:t>
+            </a:r>
+          </a:p>
+          <a:p>
+            <a:pPr marL="457200" lvl="1" indent="0">
+              <a:buNone/>
+            </a:pPr>
+            <a:r>
+              <a:rPr lang="en-SG"/>
+              <a:t>	==&gt; Having a hypothesis on results</a:t>
+            </a:r>
+          </a:p>
+          <a:p>
+            <a:pPr marL="457200" lvl="1" indent="0">
+              <a:buNone/>
+            </a:pPr>
+            <a:r>
+              <a:rPr lang="en-SG"/>
+              <a:t>	==&gt; Testing the given hypothesis</a:t>
+            </a:r>
+          </a:p>
+          <a:p>
+            <a:pPr marL="457200" lvl="1" indent="0">
+              <a:buNone/>
+            </a:pPr>
+            <a:r>
+              <a:rPr lang="en-SG"/>
+              <a:t>	==&gt; Improving your code</a:t>
+            </a:r>
+          </a:p>
+          <a:p>
+            <a:pPr marL="457200" lvl="1" indent="0">
+              <a:buNone/>
+            </a:pPr>
+            <a:r>
+              <a:rPr lang="en-SG"/>
+              <a:t>	==&gt; Back to benchmarking</a:t>
+            </a:r>
+          </a:p>
+          <a:p>
+            <a:pPr lvl="1"/>
+            <a:endParaRPr lang="en-SG"/>
+          </a:p>
+        </p:txBody>
+      </p:sp>
+      <p:sp>
+        <p:nvSpPr>
+          <p:cNvPr id="4" name="Rectangle 3">
+            <a:extLst>
+              <a:ext uri="{FF2B5EF4-FFF2-40B4-BE49-F238E27FC236}">
+                <a16:creationId xmlns:a16="http://schemas.microsoft.com/office/drawing/2014/main" id="{BF4B4646-F418-F7DC-F061-32901B731B28}"/>
+              </a:ext>
+            </a:extLst>
+          </p:cNvPr>
+          <p:cNvSpPr/>
+          <p:nvPr/>
+        </p:nvSpPr>
+        <p:spPr>
+          <a:xfrm>
+            <a:off x="1524000" y="2290916"/>
+            <a:ext cx="5043948" cy="1209368"/>
+          </a:xfrm>
+          <a:prstGeom prst="rect">
+            <a:avLst/>
+          </a:prstGeom>
+          <a:noFill/>
+          <a:ln w="38100">
+            <a:solidFill>
+              <a:srgbClr val="C00000"/>
+            </a:solidFill>
+          </a:ln>
+        </p:spPr>
+        <p:style>
+          <a:lnRef idx="2">
+            <a:schemeClr val="accent1">
+              <a:shade val="15000"/>
+            </a:schemeClr>
+          </a:lnRef>
+          <a:fillRef idx="1">
+            <a:schemeClr val="accent1"/>
+          </a:fillRef>
+          <a:effectRef idx="0">
+            <a:schemeClr val="accent1"/>
+          </a:effectRef>
+          <a:fontRef idx="minor">
+            <a:schemeClr val="lt1"/>
+          </a:fontRef>
+        </p:style>
+        <p:txBody>
+          <a:bodyPr rtlCol="0" anchor="ctr"/>
+          <a:lstStyle/>
+          <a:p>
+            <a:pPr algn="ctr"/>
+            <a:endParaRPr lang="en-SG"/>
+          </a:p>
+        </p:txBody>
+      </p:sp>
+      <p:sp>
+        <p:nvSpPr>
+          <p:cNvPr id="5" name="TextBox 4">
+            <a:extLst>
+              <a:ext uri="{FF2B5EF4-FFF2-40B4-BE49-F238E27FC236}">
+                <a16:creationId xmlns:a16="http://schemas.microsoft.com/office/drawing/2014/main" id="{8210644A-8BCD-6664-41CE-BE6AE1C18FEC}"/>
+              </a:ext>
+            </a:extLst>
+          </p:cNvPr>
+          <p:cNvSpPr txBox="1"/>
+          <p:nvPr/>
+        </p:nvSpPr>
+        <p:spPr>
+          <a:xfrm>
+            <a:off x="6567948" y="3160449"/>
+            <a:ext cx="738472" cy="369332"/>
+          </a:xfrm>
+          <a:prstGeom prst="rect">
+            <a:avLst/>
+          </a:prstGeom>
+          <a:noFill/>
+        </p:spPr>
+        <p:txBody>
+          <a:bodyPr wrap="none" rtlCol="0">
+            <a:spAutoFit/>
+          </a:bodyPr>
+          <a:lstStyle/>
+          <a:p>
+            <a:r>
+              <a:rPr lang="en-SG" b="1">
+                <a:solidFill>
+                  <a:srgbClr val="C00000"/>
+                </a:solidFill>
+              </a:rPr>
+              <a:t>Lab 1</a:t>
+            </a:r>
+          </a:p>
+        </p:txBody>
+      </p:sp>
+    </p:spTree>
+    <p:extLst>
+      <p:ext uri="{BB962C8B-B14F-4D97-AF65-F5344CB8AC3E}">
+        <p14:creationId xmlns:p14="http://schemas.microsoft.com/office/powerpoint/2010/main" val="2980084285"/>
+      </p:ext>
+    </p:extLst>
+  </p:cSld>
+  <p:clrMapOvr>
+    <a:masterClrMapping/>
+  </p:clrMapOvr>
+</p:sld>
+</file>
+
+<file path=ppt/slides/slide11.xml><?xml version="1.0" encoding="utf-8"?>
+<p:sld xmlns:a="http://schemas.openxmlformats.org/drawingml/2006/main" xmlns:r="http://schemas.openxmlformats.org/officeDocument/2006/relationships" xmlns:p="http://schemas.openxmlformats.org/presentationml/2006/main">
+  <p:cSld>
+    <p:spTree>
+      <p:nvGrpSpPr>
+        <p:cNvPr id="1" name=""/>
+        <p:cNvGrpSpPr/>
+        <p:nvPr/>
+      </p:nvGrpSpPr>
+      <p:grpSpPr>
+        <a:xfrm>
+          <a:off x="0" y="0"/>
+          <a:ext cx="0" cy="0"/>
+          <a:chOff x="0" y="0"/>
+          <a:chExt cx="0" cy="0"/>
+        </a:xfrm>
+      </p:grpSpPr>
+      <p:sp>
+        <p:nvSpPr>
+          <p:cNvPr id="2" name="Title 1">
+            <a:extLst>
+              <a:ext uri="{FF2B5EF4-FFF2-40B4-BE49-F238E27FC236}">
+                <a16:creationId xmlns:a16="http://schemas.microsoft.com/office/drawing/2014/main" id="{8A6CCF69-746A-F7D0-BF4A-B4F185C80920}"/>
+              </a:ext>
+            </a:extLst>
+          </p:cNvPr>
+          <p:cNvSpPr>
+            <a:spLocks noGrp="1"/>
+          </p:cNvSpPr>
+          <p:nvPr>
+            <p:ph type="title"/>
+          </p:nvPr>
+        </p:nvSpPr>
+        <p:spPr/>
+        <p:txBody>
+          <a:bodyPr/>
+          <a:lstStyle/>
+          <a:p>
+            <a:r>
+              <a:rPr lang="en-SG"/>
+              <a:t>"How to write report"</a:t>
+            </a:r>
+          </a:p>
+        </p:txBody>
+      </p:sp>
+      <p:sp>
+        <p:nvSpPr>
+          <p:cNvPr id="3" name="Content Placeholder 2">
+            <a:extLst>
+              <a:ext uri="{FF2B5EF4-FFF2-40B4-BE49-F238E27FC236}">
+                <a16:creationId xmlns:a16="http://schemas.microsoft.com/office/drawing/2014/main" id="{E654A63F-47AB-E2CB-1D03-93C60D91EDEF}"/>
+              </a:ext>
+            </a:extLst>
+          </p:cNvPr>
+          <p:cNvSpPr>
+            <a:spLocks noGrp="1"/>
+          </p:cNvSpPr>
+          <p:nvPr>
+            <p:ph idx="1"/>
+          </p:nvPr>
+        </p:nvSpPr>
+        <p:spPr/>
+        <p:txBody>
+          <a:bodyPr/>
+          <a:lstStyle/>
+          <a:p>
+            <a:r>
+              <a:rPr lang="en-SG"/>
+              <a:t>Understand the skills we are trying to teach</a:t>
+            </a:r>
+          </a:p>
+          <a:p>
+            <a:pPr lvl="1"/>
+            <a:r>
+              <a:rPr lang="en-SG" u="sng">
+                <a:latin typeface="AndesNeue Alt 2 Medium" panose="00000600000000000000" pitchFamily="2" charset="0"/>
+              </a:rPr>
+              <a:t>Start with benchmarking </a:t>
+            </a:r>
+          </a:p>
+          <a:p>
+            <a:pPr marL="457200" lvl="1" indent="0">
+              <a:buNone/>
+            </a:pPr>
+            <a:r>
+              <a:rPr lang="en-SG"/>
+              <a:t>	</a:t>
+            </a:r>
+            <a:r>
+              <a:rPr lang="en-SG">
+                <a:solidFill>
+                  <a:schemeClr val="bg1">
+                    <a:lumMod val="50000"/>
+                  </a:schemeClr>
+                </a:solidFill>
+              </a:rPr>
+              <a:t>==&gt; Getting aggregated results </a:t>
+            </a:r>
+          </a:p>
+          <a:p>
+            <a:pPr marL="457200" lvl="1" indent="0">
+              <a:buNone/>
+            </a:pPr>
+            <a:r>
+              <a:rPr lang="en-SG">
+                <a:solidFill>
+                  <a:schemeClr val="bg1">
+                    <a:lumMod val="50000"/>
+                  </a:schemeClr>
+                </a:solidFill>
+              </a:rPr>
+              <a:t>	==&gt; Having a hypothesis on results</a:t>
+            </a:r>
+          </a:p>
+          <a:p>
+            <a:pPr marL="457200" lvl="1" indent="0">
+              <a:buNone/>
+            </a:pPr>
+            <a:r>
+              <a:rPr lang="en-SG">
+                <a:solidFill>
+                  <a:schemeClr val="bg1">
+                    <a:lumMod val="50000"/>
+                  </a:schemeClr>
+                </a:solidFill>
+              </a:rPr>
+              <a:t>	==&gt; Testing the given hypothesis</a:t>
+            </a:r>
+          </a:p>
+          <a:p>
+            <a:pPr marL="457200" lvl="1" indent="0">
+              <a:buNone/>
+            </a:pPr>
+            <a:r>
+              <a:rPr lang="en-SG">
+                <a:solidFill>
+                  <a:schemeClr val="bg1">
+                    <a:lumMod val="50000"/>
+                  </a:schemeClr>
+                </a:solidFill>
+              </a:rPr>
+              <a:t>	==&gt; Improving your code</a:t>
+            </a:r>
+          </a:p>
+          <a:p>
+            <a:pPr marL="457200" lvl="1" indent="0">
+              <a:buNone/>
+            </a:pPr>
+            <a:r>
+              <a:rPr lang="en-SG">
+                <a:solidFill>
+                  <a:schemeClr val="bg1">
+                    <a:lumMod val="50000"/>
+                  </a:schemeClr>
+                </a:solidFill>
+              </a:rPr>
+              <a:t>	==&gt; Back to benchmarking</a:t>
+            </a:r>
+          </a:p>
+          <a:p>
+            <a:pPr lvl="1"/>
+            <a:endParaRPr lang="en-SG"/>
+          </a:p>
+        </p:txBody>
+      </p:sp>
+      <p:sp>
+        <p:nvSpPr>
+          <p:cNvPr id="4" name="TextBox 3">
+            <a:extLst>
+              <a:ext uri="{FF2B5EF4-FFF2-40B4-BE49-F238E27FC236}">
+                <a16:creationId xmlns:a16="http://schemas.microsoft.com/office/drawing/2014/main" id="{652824DD-1189-D704-C5D0-A1AF56C5D380}"/>
+              </a:ext>
+            </a:extLst>
+          </p:cNvPr>
+          <p:cNvSpPr txBox="1"/>
+          <p:nvPr/>
+        </p:nvSpPr>
+        <p:spPr>
+          <a:xfrm>
+            <a:off x="6636775" y="2349910"/>
+            <a:ext cx="4717026" cy="2585323"/>
+          </a:xfrm>
+          <a:prstGeom prst="rect">
+            <a:avLst/>
+          </a:prstGeom>
+          <a:noFill/>
+          <a:ln>
+            <a:solidFill>
+              <a:schemeClr val="tx1"/>
+            </a:solidFill>
+          </a:ln>
+        </p:spPr>
+        <p:txBody>
+          <a:bodyPr wrap="square" rtlCol="0">
+            <a:spAutoFit/>
+          </a:bodyPr>
+          <a:lstStyle/>
+          <a:p>
+            <a:pPr marL="285750" indent="-285750">
+              <a:buFont typeface="Arial" panose="020B0604020202020204" pitchFamily="34" charset="0"/>
+              <a:buChar char="•"/>
+            </a:pPr>
+            <a:r>
+              <a:rPr lang="en-SG">
+                <a:latin typeface="AndesNeue Alt 2 Book" panose="00000500000000000000" pitchFamily="2" charset="0"/>
+              </a:rPr>
+              <a:t>This is the basis of your performance analysis. </a:t>
+            </a:r>
+          </a:p>
+          <a:p>
+            <a:pPr marL="285750" indent="-285750">
+              <a:buFont typeface="Arial" panose="020B0604020202020204" pitchFamily="34" charset="0"/>
+              <a:buChar char="•"/>
+            </a:pPr>
+            <a:r>
+              <a:rPr lang="en-SG">
+                <a:latin typeface="AndesNeue Alt 2 Book" panose="00000500000000000000" pitchFamily="2" charset="0"/>
+              </a:rPr>
+              <a:t>Use whichever tools you want to use that might help – be it time, perf, hyperfine, etc.</a:t>
+            </a:r>
+          </a:p>
+          <a:p>
+            <a:pPr marL="285750" indent="-285750">
+              <a:buFont typeface="Arial" panose="020B0604020202020204" pitchFamily="34" charset="0"/>
+              <a:buChar char="•"/>
+            </a:pPr>
+            <a:r>
+              <a:rPr lang="en-SG" u="sng">
+                <a:solidFill>
+                  <a:srgbClr val="C00000"/>
+                </a:solidFill>
+                <a:latin typeface="AndesNeue Alt 2 Book" panose="00000500000000000000" pitchFamily="2" charset="0"/>
+              </a:rPr>
+              <a:t>In this step, we need to get raw data</a:t>
+            </a:r>
+            <a:r>
+              <a:rPr lang="en-SG">
+                <a:latin typeface="AndesNeue Alt 2 Book" panose="00000500000000000000" pitchFamily="2" charset="0"/>
+              </a:rPr>
+              <a:t>. </a:t>
+            </a:r>
+            <a:br>
+              <a:rPr lang="en-SG">
+                <a:latin typeface="AndesNeue Alt 2 Book" panose="00000500000000000000" pitchFamily="2" charset="0"/>
+              </a:rPr>
+            </a:br>
+            <a:r>
+              <a:rPr lang="en-SG">
+                <a:latin typeface="AndesNeue Alt 2 Book" panose="00000500000000000000" pitchFamily="2" charset="0"/>
+              </a:rPr>
+              <a:t>Might or might not necessarily need to see individual data points in the final report</a:t>
+            </a:r>
+          </a:p>
+          <a:p>
+            <a:pPr marL="742950" lvl="1" indent="-285750">
+              <a:buFont typeface="Arial" panose="020B0604020202020204" pitchFamily="34" charset="0"/>
+              <a:buChar char="•"/>
+            </a:pPr>
+            <a:r>
+              <a:rPr lang="en-SG">
+                <a:latin typeface="AndesNeue Alt 2 Book" panose="00000500000000000000" pitchFamily="2" charset="0"/>
+              </a:rPr>
+              <a:t>Put raw data in appendix </a:t>
+            </a:r>
+          </a:p>
+          <a:p>
+            <a:pPr marL="742950" lvl="1" indent="-285750">
+              <a:buFont typeface="Arial" panose="020B0604020202020204" pitchFamily="34" charset="0"/>
+              <a:buChar char="•"/>
+            </a:pPr>
+            <a:r>
+              <a:rPr lang="en-SG">
+                <a:latin typeface="AndesNeue Alt 2 Book" panose="00000500000000000000" pitchFamily="2" charset="0"/>
+              </a:rPr>
+              <a:t>Put in a easily-digestible form</a:t>
+            </a:r>
+          </a:p>
+        </p:txBody>
+      </p:sp>
+    </p:spTree>
+    <p:extLst>
+      <p:ext uri="{BB962C8B-B14F-4D97-AF65-F5344CB8AC3E}">
+        <p14:creationId xmlns:p14="http://schemas.microsoft.com/office/powerpoint/2010/main" val="2254112908"/>
+      </p:ext>
+    </p:extLst>
+  </p:cSld>
+  <p:clrMapOvr>
+    <a:masterClrMapping/>
+  </p:clrMapOvr>
+</p:sld>
+</file>
+
+<file path=ppt/slides/slide12.xml><?xml version="1.0" encoding="utf-8"?>
+<p:sld xmlns:a="http://schemas.openxmlformats.org/drawingml/2006/main" xmlns:r="http://schemas.openxmlformats.org/officeDocument/2006/relationships" xmlns:p="http://schemas.openxmlformats.org/presentationml/2006/main">
+  <p:cSld>
+    <p:spTree>
+      <p:nvGrpSpPr>
+        <p:cNvPr id="1" name=""/>
+        <p:cNvGrpSpPr/>
+        <p:nvPr/>
+      </p:nvGrpSpPr>
+      <p:grpSpPr>
+        <a:xfrm>
+          <a:off x="0" y="0"/>
+          <a:ext cx="0" cy="0"/>
+          <a:chOff x="0" y="0"/>
+          <a:chExt cx="0" cy="0"/>
+        </a:xfrm>
+      </p:grpSpPr>
+      <p:sp>
+        <p:nvSpPr>
+          <p:cNvPr id="2" name="Title 1">
+            <a:extLst>
+              <a:ext uri="{FF2B5EF4-FFF2-40B4-BE49-F238E27FC236}">
+                <a16:creationId xmlns:a16="http://schemas.microsoft.com/office/drawing/2014/main" id="{8A6CCF69-746A-F7D0-BF4A-B4F185C80920}"/>
+              </a:ext>
+            </a:extLst>
+          </p:cNvPr>
+          <p:cNvSpPr>
+            <a:spLocks noGrp="1"/>
+          </p:cNvSpPr>
+          <p:nvPr>
+            <p:ph type="title"/>
+          </p:nvPr>
+        </p:nvSpPr>
+        <p:spPr/>
+        <p:txBody>
+          <a:bodyPr/>
+          <a:lstStyle/>
+          <a:p>
+            <a:r>
+              <a:rPr lang="en-SG"/>
+              <a:t>"How to write report"</a:t>
+            </a:r>
+          </a:p>
+        </p:txBody>
+      </p:sp>
+      <p:sp>
+        <p:nvSpPr>
+          <p:cNvPr id="3" name="Content Placeholder 2">
+            <a:extLst>
+              <a:ext uri="{FF2B5EF4-FFF2-40B4-BE49-F238E27FC236}">
+                <a16:creationId xmlns:a16="http://schemas.microsoft.com/office/drawing/2014/main" id="{E654A63F-47AB-E2CB-1D03-93C60D91EDEF}"/>
+              </a:ext>
+            </a:extLst>
+          </p:cNvPr>
+          <p:cNvSpPr>
+            <a:spLocks noGrp="1"/>
+          </p:cNvSpPr>
+          <p:nvPr>
+            <p:ph idx="1"/>
+          </p:nvPr>
+        </p:nvSpPr>
+        <p:spPr/>
+        <p:txBody>
+          <a:bodyPr/>
+          <a:lstStyle/>
+          <a:p>
+            <a:r>
+              <a:rPr lang="en-SG"/>
+              <a:t>Understand the skills we are trying to teach</a:t>
+            </a:r>
+          </a:p>
+          <a:p>
+            <a:pPr lvl="1"/>
+            <a:r>
+              <a:rPr lang="en-SG" u="sng">
+                <a:latin typeface="AndesNeue Alt 2 Medium" panose="00000600000000000000" pitchFamily="2" charset="0"/>
+              </a:rPr>
+              <a:t>Start with benchmarking </a:t>
+            </a:r>
+          </a:p>
+          <a:p>
+            <a:pPr marL="457200" lvl="1" indent="0">
+              <a:buNone/>
+            </a:pPr>
+            <a:r>
+              <a:rPr lang="en-SG"/>
+              <a:t>	</a:t>
+            </a:r>
+            <a:r>
+              <a:rPr lang="en-SG">
+                <a:solidFill>
+                  <a:schemeClr val="bg1">
+                    <a:lumMod val="50000"/>
+                  </a:schemeClr>
+                </a:solidFill>
+              </a:rPr>
+              <a:t>==&gt; Getting aggregated results </a:t>
+            </a:r>
+          </a:p>
+          <a:p>
+            <a:pPr marL="457200" lvl="1" indent="0">
+              <a:buNone/>
+            </a:pPr>
+            <a:r>
+              <a:rPr lang="en-SG">
+                <a:solidFill>
+                  <a:schemeClr val="bg1">
+                    <a:lumMod val="50000"/>
+                  </a:schemeClr>
+                </a:solidFill>
+              </a:rPr>
+              <a:t>	==&gt; Having a hypothesis on results</a:t>
+            </a:r>
+          </a:p>
+          <a:p>
+            <a:pPr marL="457200" lvl="1" indent="0">
+              <a:buNone/>
+            </a:pPr>
+            <a:r>
+              <a:rPr lang="en-SG">
+                <a:solidFill>
+                  <a:schemeClr val="bg1">
+                    <a:lumMod val="50000"/>
+                  </a:schemeClr>
+                </a:solidFill>
+              </a:rPr>
+              <a:t>	==&gt; Testing the given hypothesis</a:t>
+            </a:r>
+          </a:p>
+          <a:p>
+            <a:pPr marL="457200" lvl="1" indent="0">
+              <a:buNone/>
+            </a:pPr>
+            <a:r>
+              <a:rPr lang="en-SG">
+                <a:solidFill>
+                  <a:schemeClr val="bg1">
+                    <a:lumMod val="50000"/>
+                  </a:schemeClr>
+                </a:solidFill>
+              </a:rPr>
+              <a:t>	==&gt; Improving your code</a:t>
+            </a:r>
+          </a:p>
+          <a:p>
+            <a:pPr marL="457200" lvl="1" indent="0">
+              <a:buNone/>
+            </a:pPr>
+            <a:r>
+              <a:rPr lang="en-SG">
+                <a:solidFill>
+                  <a:schemeClr val="bg1">
+                    <a:lumMod val="50000"/>
+                  </a:schemeClr>
+                </a:solidFill>
+              </a:rPr>
+              <a:t>	==&gt; Back to benchmarking</a:t>
+            </a:r>
+          </a:p>
+          <a:p>
+            <a:pPr lvl="1"/>
+            <a:endParaRPr lang="en-SG"/>
+          </a:p>
+        </p:txBody>
+      </p:sp>
+      <p:pic>
+        <p:nvPicPr>
+          <p:cNvPr id="6" name="Picture 5">
+            <a:extLst>
+              <a:ext uri="{FF2B5EF4-FFF2-40B4-BE49-F238E27FC236}">
+                <a16:creationId xmlns:a16="http://schemas.microsoft.com/office/drawing/2014/main" id="{4ACDEFC7-13E0-7F62-6044-D6AA3C49092A}"/>
+              </a:ext>
+            </a:extLst>
+          </p:cNvPr>
+          <p:cNvPicPr>
+            <a:picLocks noChangeAspect="1"/>
+          </p:cNvPicPr>
+          <p:nvPr/>
+        </p:nvPicPr>
+        <p:blipFill>
+          <a:blip r:embed="rId2"/>
+          <a:srcRect b="47859"/>
+          <a:stretch/>
+        </p:blipFill>
+        <p:spPr>
+          <a:xfrm>
+            <a:off x="5776486" y="4096580"/>
+            <a:ext cx="6125430" cy="2215320"/>
+          </a:xfrm>
+          <a:prstGeom prst="rect">
+            <a:avLst/>
+          </a:prstGeom>
+        </p:spPr>
+      </p:pic>
+      <p:sp>
+        <p:nvSpPr>
+          <p:cNvPr id="7" name="TextBox 6">
+            <a:extLst>
+              <a:ext uri="{FF2B5EF4-FFF2-40B4-BE49-F238E27FC236}">
+                <a16:creationId xmlns:a16="http://schemas.microsoft.com/office/drawing/2014/main" id="{B79D43CD-76AA-E417-E8A5-CA4C3E9985CB}"/>
+              </a:ext>
+            </a:extLst>
+          </p:cNvPr>
+          <p:cNvSpPr txBox="1"/>
+          <p:nvPr/>
+        </p:nvSpPr>
+        <p:spPr>
+          <a:xfrm>
+            <a:off x="8449424" y="3571395"/>
+            <a:ext cx="3178434" cy="646331"/>
+          </a:xfrm>
+          <a:prstGeom prst="rect">
+            <a:avLst/>
+          </a:prstGeom>
+          <a:noFill/>
+          <a:ln>
+            <a:solidFill>
+              <a:schemeClr val="accent6">
+                <a:lumMod val="50000"/>
+              </a:schemeClr>
+            </a:solidFill>
+          </a:ln>
+        </p:spPr>
+        <p:txBody>
+          <a:bodyPr wrap="none" rtlCol="0">
+            <a:spAutoFit/>
+          </a:bodyPr>
+          <a:lstStyle/>
+          <a:p>
+            <a:r>
+              <a:rPr lang="en-SG"/>
+              <a:t>Data from my A1 in 2022</a:t>
+            </a:r>
+            <a:br>
+              <a:rPr lang="en-SG"/>
+            </a:br>
+            <a:r>
+              <a:rPr lang="en-SG"/>
+              <a:t>Results averaged from 10 runs</a:t>
+            </a:r>
+          </a:p>
+        </p:txBody>
+      </p:sp>
+    </p:spTree>
+    <p:extLst>
+      <p:ext uri="{BB962C8B-B14F-4D97-AF65-F5344CB8AC3E}">
+        <p14:creationId xmlns:p14="http://schemas.microsoft.com/office/powerpoint/2010/main" val="13914162"/>
+      </p:ext>
+    </p:extLst>
+  </p:cSld>
+  <p:clrMapOvr>
+    <a:masterClrMapping/>
+  </p:clrMapOvr>
+</p:sld>
+</file>
+
+<file path=ppt/slides/slide13.xml><?xml version="1.0" encoding="utf-8"?>
+<p:sld xmlns:a="http://schemas.openxmlformats.org/drawingml/2006/main" xmlns:r="http://schemas.openxmlformats.org/officeDocument/2006/relationships" xmlns:p="http://schemas.openxmlformats.org/presentationml/2006/main">
+  <p:cSld>
+    <p:spTree>
+      <p:nvGrpSpPr>
+        <p:cNvPr id="1" name=""/>
+        <p:cNvGrpSpPr/>
+        <p:nvPr/>
+      </p:nvGrpSpPr>
+      <p:grpSpPr>
+        <a:xfrm>
+          <a:off x="0" y="0"/>
+          <a:ext cx="0" cy="0"/>
+          <a:chOff x="0" y="0"/>
+          <a:chExt cx="0" cy="0"/>
+        </a:xfrm>
+      </p:grpSpPr>
+      <p:sp>
+        <p:nvSpPr>
+          <p:cNvPr id="2" name="Title 1">
+            <a:extLst>
+              <a:ext uri="{FF2B5EF4-FFF2-40B4-BE49-F238E27FC236}">
+                <a16:creationId xmlns:a16="http://schemas.microsoft.com/office/drawing/2014/main" id="{8A6CCF69-746A-F7D0-BF4A-B4F185C80920}"/>
+              </a:ext>
+            </a:extLst>
+          </p:cNvPr>
+          <p:cNvSpPr>
+            <a:spLocks noGrp="1"/>
+          </p:cNvSpPr>
+          <p:nvPr>
+            <p:ph type="title"/>
+          </p:nvPr>
+        </p:nvSpPr>
+        <p:spPr/>
+        <p:txBody>
+          <a:bodyPr/>
+          <a:lstStyle/>
+          <a:p>
+            <a:r>
+              <a:rPr lang="en-SG"/>
+              <a:t>"How to write report"</a:t>
+            </a:r>
+          </a:p>
+        </p:txBody>
+      </p:sp>
+      <p:sp>
+        <p:nvSpPr>
+          <p:cNvPr id="3" name="Content Placeholder 2">
+            <a:extLst>
+              <a:ext uri="{FF2B5EF4-FFF2-40B4-BE49-F238E27FC236}">
+                <a16:creationId xmlns:a16="http://schemas.microsoft.com/office/drawing/2014/main" id="{E654A63F-47AB-E2CB-1D03-93C60D91EDEF}"/>
+              </a:ext>
+            </a:extLst>
+          </p:cNvPr>
+          <p:cNvSpPr>
+            <a:spLocks noGrp="1"/>
+          </p:cNvSpPr>
+          <p:nvPr>
+            <p:ph idx="1"/>
+          </p:nvPr>
+        </p:nvSpPr>
+        <p:spPr/>
+        <p:txBody>
+          <a:bodyPr/>
+          <a:lstStyle/>
+          <a:p>
+            <a:r>
+              <a:rPr lang="en-SG"/>
+              <a:t>Understand the skills we are trying to teach</a:t>
+            </a:r>
+          </a:p>
+          <a:p>
+            <a:pPr lvl="1"/>
+            <a:r>
+              <a:rPr lang="en-SG">
+                <a:solidFill>
+                  <a:schemeClr val="bg1">
+                    <a:lumMod val="50000"/>
+                  </a:schemeClr>
+                </a:solidFill>
+              </a:rPr>
+              <a:t>Start with benchmarking </a:t>
+            </a:r>
+          </a:p>
+          <a:p>
+            <a:pPr marL="457200" lvl="1" indent="0">
+              <a:buNone/>
+            </a:pPr>
+            <a:r>
+              <a:rPr lang="en-SG"/>
+              <a:t>	</a:t>
+            </a:r>
+            <a:r>
+              <a:rPr lang="en-SG">
+                <a:latin typeface="AndesNeue Alt 2 Medium" panose="00000600000000000000" pitchFamily="2" charset="0"/>
+              </a:rPr>
+              <a:t>==&gt; </a:t>
+            </a:r>
+            <a:r>
+              <a:rPr lang="en-SG" u="sng">
+                <a:latin typeface="AndesNeue Alt 2 Medium" panose="00000600000000000000" pitchFamily="2" charset="0"/>
+              </a:rPr>
+              <a:t>Getting aggregated results </a:t>
+            </a:r>
+          </a:p>
+          <a:p>
+            <a:pPr marL="457200" lvl="1" indent="0">
+              <a:buNone/>
+            </a:pPr>
+            <a:r>
+              <a:rPr lang="en-SG">
+                <a:solidFill>
+                  <a:schemeClr val="bg1">
+                    <a:lumMod val="50000"/>
+                  </a:schemeClr>
+                </a:solidFill>
+              </a:rPr>
+              <a:t>	==&gt; Having a hypothesis on results</a:t>
+            </a:r>
+          </a:p>
+          <a:p>
+            <a:pPr marL="457200" lvl="1" indent="0">
+              <a:buNone/>
+            </a:pPr>
+            <a:r>
+              <a:rPr lang="en-SG">
+                <a:solidFill>
+                  <a:schemeClr val="bg1">
+                    <a:lumMod val="50000"/>
+                  </a:schemeClr>
+                </a:solidFill>
+              </a:rPr>
+              <a:t>	==&gt; Testing the given hypothesis</a:t>
+            </a:r>
+          </a:p>
+          <a:p>
+            <a:pPr marL="457200" lvl="1" indent="0">
+              <a:buNone/>
+            </a:pPr>
+            <a:r>
+              <a:rPr lang="en-SG">
+                <a:solidFill>
+                  <a:schemeClr val="bg1">
+                    <a:lumMod val="50000"/>
+                  </a:schemeClr>
+                </a:solidFill>
+              </a:rPr>
+              <a:t>	==&gt; Improving your code</a:t>
+            </a:r>
+          </a:p>
+          <a:p>
+            <a:pPr marL="457200" lvl="1" indent="0">
+              <a:buNone/>
+            </a:pPr>
+            <a:r>
+              <a:rPr lang="en-SG">
+                <a:solidFill>
+                  <a:schemeClr val="bg1">
+                    <a:lumMod val="50000"/>
+                  </a:schemeClr>
+                </a:solidFill>
+              </a:rPr>
+              <a:t>	==&gt; Back to benchmarking</a:t>
+            </a:r>
+          </a:p>
+          <a:p>
+            <a:pPr lvl="1"/>
+            <a:endParaRPr lang="en-SG"/>
+          </a:p>
+        </p:txBody>
+      </p:sp>
+      <p:sp>
+        <p:nvSpPr>
+          <p:cNvPr id="4" name="TextBox 3">
+            <a:extLst>
+              <a:ext uri="{FF2B5EF4-FFF2-40B4-BE49-F238E27FC236}">
+                <a16:creationId xmlns:a16="http://schemas.microsoft.com/office/drawing/2014/main" id="{652824DD-1189-D704-C5D0-A1AF56C5D380}"/>
+              </a:ext>
+            </a:extLst>
+          </p:cNvPr>
+          <p:cNvSpPr txBox="1"/>
+          <p:nvPr/>
+        </p:nvSpPr>
+        <p:spPr>
+          <a:xfrm>
+            <a:off x="6636774" y="2359742"/>
+            <a:ext cx="4717026" cy="3139321"/>
+          </a:xfrm>
+          <a:prstGeom prst="rect">
+            <a:avLst/>
+          </a:prstGeom>
+          <a:noFill/>
+          <a:ln>
+            <a:solidFill>
+              <a:schemeClr val="tx1"/>
+            </a:solidFill>
+          </a:ln>
+        </p:spPr>
+        <p:txBody>
+          <a:bodyPr wrap="square" rtlCol="0">
+            <a:spAutoFit/>
+          </a:bodyPr>
+          <a:lstStyle/>
+          <a:p>
+            <a:pPr marL="285750" indent="-285750">
+              <a:buFont typeface="Arial" panose="020B0604020202020204" pitchFamily="34" charset="0"/>
+              <a:buChar char="•"/>
+            </a:pPr>
+            <a:r>
+              <a:rPr lang="en-SG">
+                <a:latin typeface="AndesNeue Alt 2 Book" panose="00000500000000000000" pitchFamily="2" charset="0"/>
+              </a:rPr>
+              <a:t>This is the part where you show the results of the data in an aggregated manner.</a:t>
+            </a:r>
+          </a:p>
+          <a:p>
+            <a:pPr marL="285750" indent="-285750">
+              <a:buFont typeface="Arial" panose="020B0604020202020204" pitchFamily="34" charset="0"/>
+              <a:buChar char="•"/>
+            </a:pPr>
+            <a:r>
+              <a:rPr lang="en-SG">
+                <a:latin typeface="AndesNeue Alt 2 Book" panose="00000500000000000000" pitchFamily="2" charset="0"/>
+              </a:rPr>
+              <a:t>The laziest is to put screenshots of perf/time/whatever in your report</a:t>
+            </a:r>
+          </a:p>
+          <a:p>
+            <a:pPr marL="742950" lvl="1" indent="-285750">
+              <a:buFont typeface="Arial" panose="020B0604020202020204" pitchFamily="34" charset="0"/>
+              <a:buChar char="•"/>
+            </a:pPr>
+            <a:r>
+              <a:rPr lang="en-SG">
+                <a:latin typeface="AndesNeue Alt 2 Book" panose="00000500000000000000" pitchFamily="2" charset="0"/>
+              </a:rPr>
+              <a:t>Please don't :((((</a:t>
+            </a:r>
+          </a:p>
+          <a:p>
+            <a:pPr marL="285750" indent="-285750">
+              <a:buFont typeface="Arial" panose="020B0604020202020204" pitchFamily="34" charset="0"/>
+              <a:buChar char="•"/>
+            </a:pPr>
+            <a:r>
+              <a:rPr lang="en-SG" u="sng">
+                <a:solidFill>
+                  <a:srgbClr val="C00000"/>
+                </a:solidFill>
+                <a:latin typeface="AndesNeue Alt 2 Book" panose="00000500000000000000" pitchFamily="2" charset="0"/>
+              </a:rPr>
+              <a:t>Use graphs to your advantage here.</a:t>
+            </a:r>
+          </a:p>
+          <a:p>
+            <a:pPr marL="742950" lvl="1" indent="-285750">
+              <a:buFont typeface="Arial" panose="020B0604020202020204" pitchFamily="34" charset="0"/>
+              <a:buChar char="•"/>
+            </a:pPr>
+            <a:r>
+              <a:rPr lang="en-SG">
+                <a:latin typeface="AndesNeue Alt 2 Book" panose="00000500000000000000" pitchFamily="2" charset="0"/>
+              </a:rPr>
+              <a:t>Usually you want to see trends; how does your program benchmark…</a:t>
+            </a:r>
+          </a:p>
+          <a:p>
+            <a:pPr marL="1200150" lvl="2" indent="-285750">
+              <a:buFont typeface="Arial" panose="020B0604020202020204" pitchFamily="34" charset="0"/>
+              <a:buChar char="•"/>
+            </a:pPr>
+            <a:r>
+              <a:rPr lang="en-SG">
+                <a:latin typeface="AndesNeue Alt 2 Book" panose="00000500000000000000" pitchFamily="2" charset="0"/>
+              </a:rPr>
+              <a:t>across different machines?</a:t>
+            </a:r>
+          </a:p>
+          <a:p>
+            <a:pPr marL="1200150" lvl="2" indent="-285750">
+              <a:buFont typeface="Arial" panose="020B0604020202020204" pitchFamily="34" charset="0"/>
+              <a:buChar char="•"/>
+            </a:pPr>
+            <a:r>
+              <a:rPr lang="en-SG">
+                <a:latin typeface="AndesNeue Alt 2 Book" panose="00000500000000000000" pitchFamily="2" charset="0"/>
+              </a:rPr>
+              <a:t>across different input sizes?</a:t>
+            </a:r>
+          </a:p>
+          <a:p>
+            <a:pPr marL="1200150" lvl="2" indent="-285750">
+              <a:buFont typeface="Arial" panose="020B0604020202020204" pitchFamily="34" charset="0"/>
+              <a:buChar char="•"/>
+            </a:pPr>
+            <a:r>
+              <a:rPr lang="en-SG">
+                <a:latin typeface="AndesNeue Alt 2 Book" panose="00000500000000000000" pitchFamily="2" charset="0"/>
+              </a:rPr>
+              <a:t>across different algorithms?</a:t>
+            </a:r>
+          </a:p>
+        </p:txBody>
+      </p:sp>
+      <p:sp>
+        <p:nvSpPr>
+          <p:cNvPr id="5" name="TextBox 4">
+            <a:extLst>
+              <a:ext uri="{FF2B5EF4-FFF2-40B4-BE49-F238E27FC236}">
+                <a16:creationId xmlns:a16="http://schemas.microsoft.com/office/drawing/2014/main" id="{494B6AE2-6177-75CF-5E68-7F15E1779716}"/>
+              </a:ext>
+            </a:extLst>
+          </p:cNvPr>
+          <p:cNvSpPr txBox="1"/>
+          <p:nvPr/>
+        </p:nvSpPr>
+        <p:spPr>
+          <a:xfrm>
+            <a:off x="1209368" y="5004619"/>
+            <a:ext cx="4717026" cy="830997"/>
+          </a:xfrm>
+          <a:prstGeom prst="rect">
+            <a:avLst/>
+          </a:prstGeom>
+          <a:noFill/>
+          <a:ln>
+            <a:solidFill>
+              <a:schemeClr val="tx1"/>
+            </a:solidFill>
+          </a:ln>
+        </p:spPr>
+        <p:txBody>
+          <a:bodyPr wrap="square" rtlCol="0">
+            <a:spAutoFit/>
+          </a:bodyPr>
+          <a:lstStyle/>
+          <a:p>
+            <a:r>
+              <a:rPr lang="en-SG" sz="1600">
+                <a:latin typeface="AndesNeue Alt 2 Book" panose="00000500000000000000" pitchFamily="2" charset="0"/>
+              </a:rPr>
+              <a:t>Note: </a:t>
+            </a:r>
+          </a:p>
+          <a:p>
+            <a:r>
+              <a:rPr lang="en-SG" sz="1600">
+                <a:latin typeface="AndesNeue Alt 2 Book" panose="00000500000000000000" pitchFamily="2" charset="0"/>
+              </a:rPr>
+              <a:t>Don't worry about advanced statistical methods in this module. </a:t>
+            </a:r>
+          </a:p>
+        </p:txBody>
+      </p:sp>
+    </p:spTree>
+    <p:extLst>
+      <p:ext uri="{BB962C8B-B14F-4D97-AF65-F5344CB8AC3E}">
+        <p14:creationId xmlns:p14="http://schemas.microsoft.com/office/powerpoint/2010/main" val="1590783940"/>
+      </p:ext>
+    </p:extLst>
+  </p:cSld>
+  <p:clrMapOvr>
+    <a:masterClrMapping/>
+  </p:clrMapOvr>
+</p:sld>
+</file>
+
+<file path=ppt/slides/slide14.xml><?xml version="1.0" encoding="utf-8"?>
+<p:sld xmlns:a="http://schemas.openxmlformats.org/drawingml/2006/main" xmlns:r="http://schemas.openxmlformats.org/officeDocument/2006/relationships" xmlns:p="http://schemas.openxmlformats.org/presentationml/2006/main">
+  <p:cSld>
+    <p:spTree>
+      <p:nvGrpSpPr>
+        <p:cNvPr id="1" name=""/>
+        <p:cNvGrpSpPr/>
+        <p:nvPr/>
+      </p:nvGrpSpPr>
+      <p:grpSpPr>
+        <a:xfrm>
+          <a:off x="0" y="0"/>
+          <a:ext cx="0" cy="0"/>
+          <a:chOff x="0" y="0"/>
+          <a:chExt cx="0" cy="0"/>
+        </a:xfrm>
+      </p:grpSpPr>
+      <p:sp>
+        <p:nvSpPr>
+          <p:cNvPr id="2" name="Title 1">
+            <a:extLst>
+              <a:ext uri="{FF2B5EF4-FFF2-40B4-BE49-F238E27FC236}">
+                <a16:creationId xmlns:a16="http://schemas.microsoft.com/office/drawing/2014/main" id="{8A6CCF69-746A-F7D0-BF4A-B4F185C80920}"/>
+              </a:ext>
+            </a:extLst>
+          </p:cNvPr>
+          <p:cNvSpPr>
+            <a:spLocks noGrp="1"/>
+          </p:cNvSpPr>
+          <p:nvPr>
+            <p:ph type="title"/>
+          </p:nvPr>
+        </p:nvSpPr>
+        <p:spPr/>
+        <p:txBody>
+          <a:bodyPr/>
+          <a:lstStyle/>
+          <a:p>
+            <a:r>
+              <a:rPr lang="en-SG"/>
+              <a:t>"How to write report"</a:t>
+            </a:r>
+          </a:p>
+        </p:txBody>
+      </p:sp>
+      <p:sp>
+        <p:nvSpPr>
+          <p:cNvPr id="3" name="Content Placeholder 2">
+            <a:extLst>
+              <a:ext uri="{FF2B5EF4-FFF2-40B4-BE49-F238E27FC236}">
+                <a16:creationId xmlns:a16="http://schemas.microsoft.com/office/drawing/2014/main" id="{E654A63F-47AB-E2CB-1D03-93C60D91EDEF}"/>
+              </a:ext>
+            </a:extLst>
+          </p:cNvPr>
+          <p:cNvSpPr>
+            <a:spLocks noGrp="1"/>
+          </p:cNvSpPr>
+          <p:nvPr>
+            <p:ph idx="1"/>
+          </p:nvPr>
+        </p:nvSpPr>
+        <p:spPr/>
+        <p:txBody>
+          <a:bodyPr/>
+          <a:lstStyle/>
+          <a:p>
+            <a:r>
+              <a:rPr lang="en-SG"/>
+              <a:t>Understand the skills we are trying to teach</a:t>
+            </a:r>
+          </a:p>
+          <a:p>
+            <a:pPr lvl="1"/>
+            <a:r>
+              <a:rPr lang="en-SG">
+                <a:solidFill>
+                  <a:schemeClr val="bg1">
+                    <a:lumMod val="50000"/>
+                  </a:schemeClr>
+                </a:solidFill>
+              </a:rPr>
+              <a:t>Start with benchmarking </a:t>
+            </a:r>
+          </a:p>
+          <a:p>
+            <a:pPr marL="457200" lvl="1" indent="0">
+              <a:buNone/>
+            </a:pPr>
+            <a:r>
+              <a:rPr lang="en-SG"/>
+              <a:t>	</a:t>
+            </a:r>
+            <a:r>
+              <a:rPr lang="en-SG">
+                <a:latin typeface="AndesNeue Alt 2 Medium" panose="00000600000000000000" pitchFamily="2" charset="0"/>
+              </a:rPr>
+              <a:t>==&gt; </a:t>
+            </a:r>
+            <a:r>
+              <a:rPr lang="en-SG" u="sng">
+                <a:latin typeface="AndesNeue Alt 2 Medium" panose="00000600000000000000" pitchFamily="2" charset="0"/>
+              </a:rPr>
+              <a:t>Getting aggregated results </a:t>
+            </a:r>
+          </a:p>
+          <a:p>
+            <a:pPr marL="457200" lvl="1" indent="0">
+              <a:buNone/>
+            </a:pPr>
+            <a:r>
+              <a:rPr lang="en-SG">
+                <a:solidFill>
+                  <a:schemeClr val="bg1">
+                    <a:lumMod val="50000"/>
+                  </a:schemeClr>
+                </a:solidFill>
+              </a:rPr>
+              <a:t>	==&gt; Having a hypothesis on results</a:t>
+            </a:r>
+          </a:p>
+          <a:p>
+            <a:pPr marL="457200" lvl="1" indent="0">
+              <a:buNone/>
+            </a:pPr>
+            <a:r>
+              <a:rPr lang="en-SG">
+                <a:solidFill>
+                  <a:schemeClr val="bg1">
+                    <a:lumMod val="50000"/>
+                  </a:schemeClr>
+                </a:solidFill>
+              </a:rPr>
+              <a:t>	==&gt; Testing the given hypothesis</a:t>
+            </a:r>
+          </a:p>
+          <a:p>
+            <a:pPr marL="457200" lvl="1" indent="0">
+              <a:buNone/>
+            </a:pPr>
+            <a:r>
+              <a:rPr lang="en-SG">
+                <a:solidFill>
+                  <a:schemeClr val="bg1">
+                    <a:lumMod val="50000"/>
+                  </a:schemeClr>
+                </a:solidFill>
+              </a:rPr>
+              <a:t>	==&gt; Improving your code</a:t>
+            </a:r>
+          </a:p>
+          <a:p>
+            <a:pPr marL="457200" lvl="1" indent="0">
+              <a:buNone/>
+            </a:pPr>
+            <a:r>
+              <a:rPr lang="en-SG">
+                <a:solidFill>
+                  <a:schemeClr val="bg1">
+                    <a:lumMod val="50000"/>
+                  </a:schemeClr>
+                </a:solidFill>
+              </a:rPr>
+              <a:t>	==&gt; Back to benchmarking</a:t>
+            </a:r>
+          </a:p>
+          <a:p>
+            <a:pPr lvl="1"/>
+            <a:endParaRPr lang="en-SG"/>
+          </a:p>
+        </p:txBody>
+      </p:sp>
+      <p:pic>
+        <p:nvPicPr>
+          <p:cNvPr id="2050" name="Picture 2">
+            <a:extLst>
+              <a:ext uri="{FF2B5EF4-FFF2-40B4-BE49-F238E27FC236}">
+                <a16:creationId xmlns:a16="http://schemas.microsoft.com/office/drawing/2014/main" id="{12BD5979-330A-CF87-6DC5-A9308B1756A5}"/>
+              </a:ext>
+            </a:extLst>
+          </p:cNvPr>
+          <p:cNvPicPr>
+            <a:picLocks noChangeAspect="1" noChangeArrowheads="1"/>
+          </p:cNvPicPr>
+          <p:nvPr/>
+        </p:nvPicPr>
+        <p:blipFill>
+          <a:blip r:embed="rId3">
+            <a:extLst>
+              <a:ext uri="{28A0092B-C50C-407E-A947-70E740481C1C}">
+                <a14:useLocalDpi xmlns:a14="http://schemas.microsoft.com/office/drawing/2010/main" val="0"/>
+              </a:ext>
+            </a:extLst>
+          </a:blip>
+          <a:srcRect/>
+          <a:stretch>
+            <a:fillRect/>
+          </a:stretch>
+        </p:blipFill>
+        <p:spPr bwMode="auto">
+          <a:xfrm>
+            <a:off x="6991350" y="2657675"/>
+            <a:ext cx="4772025" cy="2687237"/>
+          </a:xfrm>
+          <a:prstGeom prst="rect">
+            <a:avLst/>
+          </a:prstGeom>
+          <a:noFill/>
+          <a:ln>
+            <a:solidFill>
+              <a:schemeClr val="accent6">
+                <a:lumMod val="50000"/>
+              </a:schemeClr>
+            </a:solidFill>
+          </a:ln>
+          <a:extLst>
+            <a:ext uri="{909E8E84-426E-40DD-AFC4-6F175D3DCCD1}">
+              <a14:hiddenFill xmlns:a14="http://schemas.microsoft.com/office/drawing/2010/main">
+                <a:solidFill>
+                  <a:srgbClr val="FFFFFF"/>
+                </a:solidFill>
+              </a14:hiddenFill>
+            </a:ext>
+          </a:extLst>
+        </p:spPr>
+      </p:pic>
+      <p:sp>
+        <p:nvSpPr>
+          <p:cNvPr id="6" name="TextBox 5">
+            <a:extLst>
+              <a:ext uri="{FF2B5EF4-FFF2-40B4-BE49-F238E27FC236}">
+                <a16:creationId xmlns:a16="http://schemas.microsoft.com/office/drawing/2014/main" id="{8EB6D064-3802-6605-FFF8-0615E5A98678}"/>
+              </a:ext>
+            </a:extLst>
+          </p:cNvPr>
+          <p:cNvSpPr txBox="1"/>
+          <p:nvPr/>
+        </p:nvSpPr>
+        <p:spPr>
+          <a:xfrm>
+            <a:off x="9068008" y="2265325"/>
+            <a:ext cx="2702984" cy="369332"/>
+          </a:xfrm>
+          <a:prstGeom prst="rect">
+            <a:avLst/>
+          </a:prstGeom>
+          <a:noFill/>
+          <a:ln>
+            <a:solidFill>
+              <a:schemeClr val="accent6">
+                <a:lumMod val="50000"/>
+              </a:schemeClr>
+            </a:solidFill>
+          </a:ln>
+        </p:spPr>
+        <p:txBody>
+          <a:bodyPr wrap="none" rtlCol="0">
+            <a:spAutoFit/>
+          </a:bodyPr>
+          <a:lstStyle/>
+          <a:p>
+            <a:r>
+              <a:rPr lang="en-SG"/>
+              <a:t>Graph from previous data</a:t>
+            </a:r>
+          </a:p>
+        </p:txBody>
+      </p:sp>
+      <p:sp>
+        <p:nvSpPr>
+          <p:cNvPr id="7" name="TextBox 6">
+            <a:extLst>
+              <a:ext uri="{FF2B5EF4-FFF2-40B4-BE49-F238E27FC236}">
+                <a16:creationId xmlns:a16="http://schemas.microsoft.com/office/drawing/2014/main" id="{E6E4657E-91D3-9DDF-99A6-E8EB4344856B}"/>
+              </a:ext>
+            </a:extLst>
+          </p:cNvPr>
+          <p:cNvSpPr txBox="1"/>
+          <p:nvPr/>
+        </p:nvSpPr>
+        <p:spPr>
+          <a:xfrm>
+            <a:off x="6991350" y="5367930"/>
+            <a:ext cx="4153316" cy="954107"/>
+          </a:xfrm>
+          <a:prstGeom prst="rect">
+            <a:avLst/>
+          </a:prstGeom>
+          <a:noFill/>
+          <a:ln>
+            <a:solidFill>
+              <a:schemeClr val="accent6">
+                <a:lumMod val="50000"/>
+              </a:schemeClr>
+            </a:solidFill>
+          </a:ln>
+        </p:spPr>
+        <p:txBody>
+          <a:bodyPr wrap="none" rtlCol="0">
+            <a:spAutoFit/>
+          </a:bodyPr>
+          <a:lstStyle/>
+          <a:p>
+            <a:r>
+              <a:rPr lang="en-SG" sz="1400"/>
+              <a:t>Note: this graph is alright, but there are still quite</a:t>
+            </a:r>
+            <a:br>
+              <a:rPr lang="en-SG" sz="1400"/>
+            </a:br>
+            <a:r>
+              <a:rPr lang="en-SG" sz="1400"/>
+              <a:t>some improvements which can be made:</a:t>
+            </a:r>
+          </a:p>
+          <a:p>
+            <a:pPr marL="285750" indent="-285750">
+              <a:buFont typeface="Arial" panose="020B0604020202020204" pitchFamily="34" charset="0"/>
+              <a:buChar char="•"/>
+            </a:pPr>
+            <a:r>
+              <a:rPr lang="en-SG" sz="1400"/>
+              <a:t>Error bars / standard deviation</a:t>
+            </a:r>
+          </a:p>
+          <a:p>
+            <a:pPr marL="285750" indent="-285750">
+              <a:buFont typeface="Arial" panose="020B0604020202020204" pitchFamily="34" charset="0"/>
+              <a:buChar char="•"/>
+            </a:pPr>
+            <a:r>
+              <a:rPr lang="en-SG" sz="1400"/>
+              <a:t>Scale of axis; log scale might be better for x-axis</a:t>
+            </a:r>
+          </a:p>
+        </p:txBody>
+      </p:sp>
+    </p:spTree>
+    <p:extLst>
+      <p:ext uri="{BB962C8B-B14F-4D97-AF65-F5344CB8AC3E}">
+        <p14:creationId xmlns:p14="http://schemas.microsoft.com/office/powerpoint/2010/main" val="3203956526"/>
+      </p:ext>
+    </p:extLst>
+  </p:cSld>
+  <p:clrMapOvr>
+    <a:masterClrMapping/>
+  </p:clrMapOvr>
+</p:sld>
+</file>
+
+<file path=ppt/slides/slide15.xml><?xml version="1.0" encoding="utf-8"?>
+<p:sld xmlns:a="http://schemas.openxmlformats.org/drawingml/2006/main" xmlns:r="http://schemas.openxmlformats.org/officeDocument/2006/relationships" xmlns:p="http://schemas.openxmlformats.org/presentationml/2006/main">
+  <p:cSld>
+    <p:spTree>
+      <p:nvGrpSpPr>
+        <p:cNvPr id="1" name=""/>
+        <p:cNvGrpSpPr/>
+        <p:nvPr/>
+      </p:nvGrpSpPr>
+      <p:grpSpPr>
+        <a:xfrm>
+          <a:off x="0" y="0"/>
+          <a:ext cx="0" cy="0"/>
+          <a:chOff x="0" y="0"/>
+          <a:chExt cx="0" cy="0"/>
+        </a:xfrm>
+      </p:grpSpPr>
+      <p:sp>
+        <p:nvSpPr>
+          <p:cNvPr id="2" name="Title 1">
+            <a:extLst>
+              <a:ext uri="{FF2B5EF4-FFF2-40B4-BE49-F238E27FC236}">
+                <a16:creationId xmlns:a16="http://schemas.microsoft.com/office/drawing/2014/main" id="{8A6CCF69-746A-F7D0-BF4A-B4F185C80920}"/>
+              </a:ext>
+            </a:extLst>
+          </p:cNvPr>
+          <p:cNvSpPr>
+            <a:spLocks noGrp="1"/>
+          </p:cNvSpPr>
+          <p:nvPr>
+            <p:ph type="title"/>
+          </p:nvPr>
+        </p:nvSpPr>
+        <p:spPr/>
+        <p:txBody>
+          <a:bodyPr/>
+          <a:lstStyle/>
+          <a:p>
+            <a:r>
+              <a:rPr lang="en-SG"/>
+              <a:t>"How to write report"</a:t>
+            </a:r>
+          </a:p>
+        </p:txBody>
+      </p:sp>
+      <p:sp>
+        <p:nvSpPr>
+          <p:cNvPr id="3" name="Content Placeholder 2">
+            <a:extLst>
+              <a:ext uri="{FF2B5EF4-FFF2-40B4-BE49-F238E27FC236}">
+                <a16:creationId xmlns:a16="http://schemas.microsoft.com/office/drawing/2014/main" id="{E654A63F-47AB-E2CB-1D03-93C60D91EDEF}"/>
+              </a:ext>
+            </a:extLst>
+          </p:cNvPr>
+          <p:cNvSpPr>
+            <a:spLocks noGrp="1"/>
+          </p:cNvSpPr>
+          <p:nvPr>
+            <p:ph idx="1"/>
+          </p:nvPr>
+        </p:nvSpPr>
+        <p:spPr/>
+        <p:txBody>
+          <a:bodyPr/>
+          <a:lstStyle/>
+          <a:p>
+            <a:r>
+              <a:rPr lang="en-SG"/>
+              <a:t>Understand the skills we are trying to teach</a:t>
+            </a:r>
+          </a:p>
+          <a:p>
+            <a:pPr lvl="1"/>
+            <a:r>
+              <a:rPr lang="en-SG">
+                <a:solidFill>
+                  <a:schemeClr val="bg1">
+                    <a:lumMod val="50000"/>
+                  </a:schemeClr>
+                </a:solidFill>
+              </a:rPr>
+              <a:t>Start with benchmarking </a:t>
+            </a:r>
+          </a:p>
+          <a:p>
+            <a:pPr marL="457200" lvl="1" indent="0">
+              <a:buNone/>
+            </a:pPr>
+            <a:r>
+              <a:rPr lang="en-SG">
+                <a:solidFill>
+                  <a:schemeClr val="bg1">
+                    <a:lumMod val="50000"/>
+                  </a:schemeClr>
+                </a:solidFill>
+              </a:rPr>
+              <a:t>	==&gt; Getting aggregated results</a:t>
+            </a:r>
+            <a:r>
+              <a:rPr lang="en-SG" u="sng">
+                <a:latin typeface="AndesNeue Alt 2 Medium" panose="00000600000000000000" pitchFamily="2" charset="0"/>
+              </a:rPr>
+              <a:t> </a:t>
+            </a:r>
+          </a:p>
+          <a:p>
+            <a:pPr marL="457200" lvl="1" indent="0">
+              <a:buNone/>
+            </a:pPr>
+            <a:r>
+              <a:rPr lang="en-SG"/>
+              <a:t>	==&gt; </a:t>
+            </a:r>
+            <a:r>
+              <a:rPr lang="en-SG" u="sng"/>
+              <a:t>Having a hypothesis on results</a:t>
+            </a:r>
+          </a:p>
+          <a:p>
+            <a:pPr marL="457200" lvl="1" indent="0">
+              <a:buNone/>
+            </a:pPr>
+            <a:r>
+              <a:rPr lang="en-SG">
+                <a:solidFill>
+                  <a:schemeClr val="bg1">
+                    <a:lumMod val="50000"/>
+                  </a:schemeClr>
+                </a:solidFill>
+              </a:rPr>
+              <a:t>	==&gt; Testing the given hypothesis</a:t>
+            </a:r>
+          </a:p>
+          <a:p>
+            <a:pPr marL="457200" lvl="1" indent="0">
+              <a:buNone/>
+            </a:pPr>
+            <a:r>
+              <a:rPr lang="en-SG">
+                <a:solidFill>
+                  <a:schemeClr val="bg1">
+                    <a:lumMod val="50000"/>
+                  </a:schemeClr>
+                </a:solidFill>
+              </a:rPr>
+              <a:t>	==&gt; Improving your code</a:t>
+            </a:r>
+          </a:p>
+          <a:p>
+            <a:pPr marL="457200" lvl="1" indent="0">
+              <a:buNone/>
+            </a:pPr>
+            <a:r>
+              <a:rPr lang="en-SG">
+                <a:solidFill>
+                  <a:schemeClr val="bg1">
+                    <a:lumMod val="50000"/>
+                  </a:schemeClr>
+                </a:solidFill>
+              </a:rPr>
+              <a:t>	==&gt; Back to benchmarking</a:t>
+            </a:r>
+          </a:p>
+          <a:p>
+            <a:pPr lvl="1"/>
+            <a:endParaRPr lang="en-SG"/>
+          </a:p>
+        </p:txBody>
+      </p:sp>
+      <p:sp>
+        <p:nvSpPr>
+          <p:cNvPr id="4" name="TextBox 3">
+            <a:extLst>
+              <a:ext uri="{FF2B5EF4-FFF2-40B4-BE49-F238E27FC236}">
+                <a16:creationId xmlns:a16="http://schemas.microsoft.com/office/drawing/2014/main" id="{652824DD-1189-D704-C5D0-A1AF56C5D380}"/>
+              </a:ext>
+            </a:extLst>
+          </p:cNvPr>
+          <p:cNvSpPr txBox="1"/>
+          <p:nvPr/>
+        </p:nvSpPr>
+        <p:spPr>
+          <a:xfrm>
+            <a:off x="6764593" y="2359742"/>
+            <a:ext cx="4717026" cy="1754326"/>
+          </a:xfrm>
+          <a:prstGeom prst="rect">
+            <a:avLst/>
+          </a:prstGeom>
+          <a:noFill/>
+          <a:ln>
+            <a:solidFill>
+              <a:schemeClr val="tx1"/>
+            </a:solidFill>
+          </a:ln>
+        </p:spPr>
+        <p:txBody>
+          <a:bodyPr wrap="square" rtlCol="0">
+            <a:spAutoFit/>
+          </a:bodyPr>
+          <a:lstStyle/>
+          <a:p>
+            <a:pPr marL="285750" indent="-285750">
+              <a:buFont typeface="Arial" panose="020B0604020202020204" pitchFamily="34" charset="0"/>
+              <a:buChar char="•"/>
+            </a:pPr>
+            <a:r>
+              <a:rPr lang="en-SG">
+                <a:latin typeface="AndesNeue Alt 2 Book" panose="00000500000000000000" pitchFamily="2" charset="0"/>
+              </a:rPr>
+              <a:t>Make it clear that you're putting forth your hypothesis</a:t>
+            </a:r>
+          </a:p>
+          <a:p>
+            <a:pPr marL="285750" indent="-285750">
+              <a:buFont typeface="Arial" panose="020B0604020202020204" pitchFamily="34" charset="0"/>
+              <a:buChar char="•"/>
+            </a:pPr>
+            <a:r>
+              <a:rPr lang="en-SG">
+                <a:latin typeface="AndesNeue Alt 2 Book" panose="00000500000000000000" pitchFamily="2" charset="0"/>
+              </a:rPr>
+              <a:t>Hypothesis needs to be plausible!</a:t>
+            </a:r>
+          </a:p>
+          <a:p>
+            <a:pPr marL="285750" indent="-285750">
+              <a:buFont typeface="Arial" panose="020B0604020202020204" pitchFamily="34" charset="0"/>
+              <a:buChar char="•"/>
+            </a:pPr>
+            <a:r>
+              <a:rPr lang="en-SG">
+                <a:latin typeface="AndesNeue Alt 2 Book" panose="00000500000000000000" pitchFamily="2" charset="0"/>
+              </a:rPr>
+              <a:t>Make sure you remove common issues before you even get  to this point</a:t>
+            </a:r>
+          </a:p>
+          <a:p>
+            <a:pPr marL="742950" lvl="1" indent="-285750">
+              <a:buFont typeface="Arial" panose="020B0604020202020204" pitchFamily="34" charset="0"/>
+              <a:buChar char="•"/>
+            </a:pPr>
+            <a:r>
+              <a:rPr lang="en-SG">
+                <a:latin typeface="AndesNeue Alt 2 Book" panose="00000500000000000000" pitchFamily="2" charset="0"/>
+              </a:rPr>
+              <a:t>sleep, print statements, etc.</a:t>
+            </a:r>
+          </a:p>
+        </p:txBody>
+      </p:sp>
+    </p:spTree>
+    <p:extLst>
+      <p:ext uri="{BB962C8B-B14F-4D97-AF65-F5344CB8AC3E}">
+        <p14:creationId xmlns:p14="http://schemas.microsoft.com/office/powerpoint/2010/main" val="3901095523"/>
+      </p:ext>
+    </p:extLst>
+  </p:cSld>
+  <p:clrMapOvr>
+    <a:masterClrMapping/>
+  </p:clrMapOvr>
+</p:sld>
+</file>
+
+<file path=ppt/slides/slide16.xml><?xml version="1.0" encoding="utf-8"?>
+<p:sld xmlns:a="http://schemas.openxmlformats.org/drawingml/2006/main" xmlns:r="http://schemas.openxmlformats.org/officeDocument/2006/relationships" xmlns:p="http://schemas.openxmlformats.org/presentationml/2006/main">
+  <p:cSld>
+    <p:spTree>
+      <p:nvGrpSpPr>
+        <p:cNvPr id="1" name=""/>
+        <p:cNvGrpSpPr/>
+        <p:nvPr/>
+      </p:nvGrpSpPr>
+      <p:grpSpPr>
+        <a:xfrm>
+          <a:off x="0" y="0"/>
+          <a:ext cx="0" cy="0"/>
+          <a:chOff x="0" y="0"/>
+          <a:chExt cx="0" cy="0"/>
+        </a:xfrm>
+      </p:grpSpPr>
+      <p:sp>
+        <p:nvSpPr>
+          <p:cNvPr id="2" name="Title 1">
+            <a:extLst>
+              <a:ext uri="{FF2B5EF4-FFF2-40B4-BE49-F238E27FC236}">
+                <a16:creationId xmlns:a16="http://schemas.microsoft.com/office/drawing/2014/main" id="{8A6CCF69-746A-F7D0-BF4A-B4F185C80920}"/>
+              </a:ext>
+            </a:extLst>
+          </p:cNvPr>
+          <p:cNvSpPr>
+            <a:spLocks noGrp="1"/>
+          </p:cNvSpPr>
+          <p:nvPr>
+            <p:ph type="title"/>
+          </p:nvPr>
+        </p:nvSpPr>
+        <p:spPr/>
+        <p:txBody>
+          <a:bodyPr/>
+          <a:lstStyle/>
+          <a:p>
+            <a:r>
+              <a:rPr lang="en-SG"/>
+              <a:t>"How to write report"</a:t>
+            </a:r>
+          </a:p>
+        </p:txBody>
+      </p:sp>
+      <p:sp>
+        <p:nvSpPr>
+          <p:cNvPr id="3" name="Content Placeholder 2">
+            <a:extLst>
+              <a:ext uri="{FF2B5EF4-FFF2-40B4-BE49-F238E27FC236}">
+                <a16:creationId xmlns:a16="http://schemas.microsoft.com/office/drawing/2014/main" id="{E654A63F-47AB-E2CB-1D03-93C60D91EDEF}"/>
+              </a:ext>
+            </a:extLst>
+          </p:cNvPr>
+          <p:cNvSpPr>
+            <a:spLocks noGrp="1"/>
+          </p:cNvSpPr>
+          <p:nvPr>
+            <p:ph idx="1"/>
+          </p:nvPr>
+        </p:nvSpPr>
+        <p:spPr/>
+        <p:txBody>
+          <a:bodyPr/>
+          <a:lstStyle/>
+          <a:p>
+            <a:r>
+              <a:rPr lang="en-SG"/>
+              <a:t>Understand the skills we are trying to teach</a:t>
+            </a:r>
+          </a:p>
+          <a:p>
+            <a:pPr lvl="1"/>
+            <a:r>
+              <a:rPr lang="en-SG">
+                <a:solidFill>
+                  <a:schemeClr val="bg1">
+                    <a:lumMod val="50000"/>
+                  </a:schemeClr>
+                </a:solidFill>
+              </a:rPr>
+              <a:t>Start with benchmarking </a:t>
+            </a:r>
+          </a:p>
+          <a:p>
+            <a:pPr marL="457200" lvl="1" indent="0">
+              <a:buNone/>
+            </a:pPr>
+            <a:r>
+              <a:rPr lang="en-SG">
+                <a:solidFill>
+                  <a:schemeClr val="bg1">
+                    <a:lumMod val="50000"/>
+                  </a:schemeClr>
+                </a:solidFill>
+              </a:rPr>
+              <a:t>	==&gt; Getting aggregated results</a:t>
+            </a:r>
+            <a:r>
+              <a:rPr lang="en-SG" u="sng">
+                <a:latin typeface="AndesNeue Alt 2 Medium" panose="00000600000000000000" pitchFamily="2" charset="0"/>
+              </a:rPr>
+              <a:t> </a:t>
+            </a:r>
+          </a:p>
+          <a:p>
+            <a:pPr marL="457200" lvl="1" indent="0">
+              <a:buNone/>
+            </a:pPr>
+            <a:r>
+              <a:rPr lang="en-SG"/>
+              <a:t>	</a:t>
+            </a:r>
+            <a:r>
+              <a:rPr lang="en-SG">
+                <a:solidFill>
+                  <a:schemeClr val="bg1">
+                    <a:lumMod val="50000"/>
+                  </a:schemeClr>
+                </a:solidFill>
+              </a:rPr>
+              <a:t>==&gt; Having a hypothesis on results</a:t>
+            </a:r>
+          </a:p>
+          <a:p>
+            <a:pPr marL="457200" lvl="1" indent="0">
+              <a:buNone/>
+            </a:pPr>
+            <a:r>
+              <a:rPr lang="en-SG">
+                <a:solidFill>
+                  <a:schemeClr val="bg1">
+                    <a:lumMod val="50000"/>
+                  </a:schemeClr>
+                </a:solidFill>
+              </a:rPr>
+              <a:t>	</a:t>
+            </a:r>
+            <a:r>
+              <a:rPr lang="en-SG"/>
+              <a:t>==&gt; </a:t>
+            </a:r>
+            <a:r>
+              <a:rPr lang="en-SG" u="sng"/>
+              <a:t>Testing the given hypothesis</a:t>
+            </a:r>
+          </a:p>
+          <a:p>
+            <a:pPr marL="457200" lvl="1" indent="0">
+              <a:buNone/>
+            </a:pPr>
+            <a:r>
+              <a:rPr lang="en-SG">
+                <a:solidFill>
+                  <a:schemeClr val="bg1">
+                    <a:lumMod val="50000"/>
+                  </a:schemeClr>
+                </a:solidFill>
+              </a:rPr>
+              <a:t>	==&gt; Improving your code</a:t>
+            </a:r>
+          </a:p>
+          <a:p>
+            <a:pPr marL="457200" lvl="1" indent="0">
+              <a:buNone/>
+            </a:pPr>
+            <a:r>
+              <a:rPr lang="en-SG">
+                <a:solidFill>
+                  <a:schemeClr val="bg1">
+                    <a:lumMod val="50000"/>
+                  </a:schemeClr>
+                </a:solidFill>
+              </a:rPr>
+              <a:t>	==&gt; Back to benchmarking</a:t>
+            </a:r>
+          </a:p>
+          <a:p>
+            <a:pPr lvl="1"/>
+            <a:endParaRPr lang="en-SG"/>
+          </a:p>
+        </p:txBody>
+      </p:sp>
+      <p:sp>
+        <p:nvSpPr>
+          <p:cNvPr id="4" name="TextBox 3">
+            <a:extLst>
+              <a:ext uri="{FF2B5EF4-FFF2-40B4-BE49-F238E27FC236}">
+                <a16:creationId xmlns:a16="http://schemas.microsoft.com/office/drawing/2014/main" id="{652824DD-1189-D704-C5D0-A1AF56C5D380}"/>
+              </a:ext>
+            </a:extLst>
+          </p:cNvPr>
+          <p:cNvSpPr txBox="1"/>
+          <p:nvPr/>
+        </p:nvSpPr>
+        <p:spPr>
+          <a:xfrm>
+            <a:off x="6764593" y="2359742"/>
+            <a:ext cx="4717026" cy="923330"/>
+          </a:xfrm>
+          <a:prstGeom prst="rect">
+            <a:avLst/>
+          </a:prstGeom>
+          <a:noFill/>
+          <a:ln>
+            <a:solidFill>
+              <a:schemeClr val="tx1"/>
+            </a:solidFill>
+          </a:ln>
+        </p:spPr>
+        <p:txBody>
+          <a:bodyPr wrap="square" rtlCol="0">
+            <a:spAutoFit/>
+          </a:bodyPr>
+          <a:lstStyle/>
+          <a:p>
+            <a:pPr marL="285750" indent="-285750">
+              <a:buFont typeface="Arial" panose="020B0604020202020204" pitchFamily="34" charset="0"/>
+              <a:buChar char="•"/>
+            </a:pPr>
+            <a:r>
+              <a:rPr lang="en-SG">
+                <a:latin typeface="AndesNeue Alt 2 Book" panose="00000500000000000000" pitchFamily="2" charset="0"/>
+              </a:rPr>
+              <a:t>A good hypothesis doesn't come out of thin air, but backed up by data</a:t>
+            </a:r>
+          </a:p>
+          <a:p>
+            <a:pPr marL="285750" indent="-285750">
+              <a:buFont typeface="Arial" panose="020B0604020202020204" pitchFamily="34" charset="0"/>
+              <a:buChar char="•"/>
+            </a:pPr>
+            <a:r>
+              <a:rPr lang="en-SG">
+                <a:latin typeface="AndesNeue Alt 2 Book" panose="00000500000000000000" pitchFamily="2" charset="0"/>
+              </a:rPr>
+              <a:t>Common points: perf, flamegraphs</a:t>
+            </a:r>
+          </a:p>
+        </p:txBody>
+      </p:sp>
+    </p:spTree>
+    <p:extLst>
+      <p:ext uri="{BB962C8B-B14F-4D97-AF65-F5344CB8AC3E}">
+        <p14:creationId xmlns:p14="http://schemas.microsoft.com/office/powerpoint/2010/main" val="1841925079"/>
+      </p:ext>
+    </p:extLst>
+  </p:cSld>
+  <p:clrMapOvr>
+    <a:masterClrMapping/>
+  </p:clrMapOvr>
+</p:sld>
+</file>
+
+<file path=ppt/slides/slide17.xml><?xml version="1.0" encoding="utf-8"?>
+<p:sld xmlns:a="http://schemas.openxmlformats.org/drawingml/2006/main" xmlns:r="http://schemas.openxmlformats.org/officeDocument/2006/relationships" xmlns:p="http://schemas.openxmlformats.org/presentationml/2006/main">
+  <p:cSld>
+    <p:spTree>
+      <p:nvGrpSpPr>
+        <p:cNvPr id="1" name=""/>
+        <p:cNvGrpSpPr/>
+        <p:nvPr/>
+      </p:nvGrpSpPr>
+      <p:grpSpPr>
+        <a:xfrm>
+          <a:off x="0" y="0"/>
+          <a:ext cx="0" cy="0"/>
+          <a:chOff x="0" y="0"/>
+          <a:chExt cx="0" cy="0"/>
+        </a:xfrm>
+      </p:grpSpPr>
+      <p:sp>
+        <p:nvSpPr>
+          <p:cNvPr id="2" name="Title 1">
+            <a:extLst>
+              <a:ext uri="{FF2B5EF4-FFF2-40B4-BE49-F238E27FC236}">
+                <a16:creationId xmlns:a16="http://schemas.microsoft.com/office/drawing/2014/main" id="{8A6CCF69-746A-F7D0-BF4A-B4F185C80920}"/>
+              </a:ext>
+            </a:extLst>
+          </p:cNvPr>
+          <p:cNvSpPr>
+            <a:spLocks noGrp="1"/>
+          </p:cNvSpPr>
+          <p:nvPr>
+            <p:ph type="title"/>
+          </p:nvPr>
+        </p:nvSpPr>
+        <p:spPr/>
+        <p:txBody>
+          <a:bodyPr/>
+          <a:lstStyle/>
+          <a:p>
+            <a:r>
+              <a:rPr lang="en-SG"/>
+              <a:t>"How to write report"</a:t>
+            </a:r>
+          </a:p>
+        </p:txBody>
+      </p:sp>
+      <p:sp>
+        <p:nvSpPr>
+          <p:cNvPr id="3" name="Content Placeholder 2">
+            <a:extLst>
+              <a:ext uri="{FF2B5EF4-FFF2-40B4-BE49-F238E27FC236}">
+                <a16:creationId xmlns:a16="http://schemas.microsoft.com/office/drawing/2014/main" id="{E654A63F-47AB-E2CB-1D03-93C60D91EDEF}"/>
+              </a:ext>
+            </a:extLst>
+          </p:cNvPr>
+          <p:cNvSpPr>
+            <a:spLocks noGrp="1"/>
+          </p:cNvSpPr>
+          <p:nvPr>
+            <p:ph idx="1"/>
+          </p:nvPr>
+        </p:nvSpPr>
+        <p:spPr/>
+        <p:txBody>
+          <a:bodyPr/>
+          <a:lstStyle/>
+          <a:p>
+            <a:r>
+              <a:rPr lang="en-SG"/>
+              <a:t>Understand the skills we are trying to teach</a:t>
+            </a:r>
+          </a:p>
+          <a:p>
+            <a:pPr lvl="1"/>
+            <a:r>
+              <a:rPr lang="en-SG"/>
+              <a:t>Start with benchmarking </a:t>
+            </a:r>
+          </a:p>
+          <a:p>
+            <a:pPr marL="457200" lvl="1" indent="0">
+              <a:buNone/>
+            </a:pPr>
+            <a:r>
+              <a:rPr lang="en-SG"/>
+              <a:t>	==&gt; Getting aggregated results</a:t>
+            </a:r>
+            <a:r>
+              <a:rPr lang="en-SG" u="sng">
+                <a:latin typeface="AndesNeue Alt 2 Medium" panose="00000600000000000000" pitchFamily="2" charset="0"/>
+              </a:rPr>
+              <a:t> </a:t>
+            </a:r>
+          </a:p>
+          <a:p>
+            <a:pPr marL="457200" lvl="1" indent="0">
+              <a:buNone/>
+            </a:pPr>
+            <a:r>
+              <a:rPr lang="en-SG"/>
+              <a:t>	==&gt; Having a hypothesis on results</a:t>
+            </a:r>
+          </a:p>
+          <a:p>
+            <a:pPr marL="457200" lvl="1" indent="0">
+              <a:buNone/>
+            </a:pPr>
+            <a:r>
+              <a:rPr lang="en-SG"/>
+              <a:t>	==&gt; Testing the given hypothesis</a:t>
+            </a:r>
+          </a:p>
+          <a:p>
+            <a:pPr marL="457200" lvl="1" indent="0">
+              <a:buNone/>
+            </a:pPr>
+            <a:r>
+              <a:rPr lang="en-SG">
+                <a:solidFill>
+                  <a:schemeClr val="bg1">
+                    <a:lumMod val="50000"/>
+                  </a:schemeClr>
+                </a:solidFill>
+              </a:rPr>
+              <a:t>	==&gt; Improving your code</a:t>
+            </a:r>
+          </a:p>
+          <a:p>
+            <a:pPr marL="457200" lvl="1" indent="0">
+              <a:buNone/>
+            </a:pPr>
+            <a:r>
+              <a:rPr lang="en-SG">
+                <a:solidFill>
+                  <a:schemeClr val="bg1">
+                    <a:lumMod val="50000"/>
+                  </a:schemeClr>
+                </a:solidFill>
+              </a:rPr>
+              <a:t>	==&gt; Back to benchmarking</a:t>
+            </a:r>
+          </a:p>
+          <a:p>
+            <a:pPr lvl="1"/>
+            <a:endParaRPr lang="en-SG"/>
+          </a:p>
+        </p:txBody>
+      </p:sp>
+      <p:sp>
+        <p:nvSpPr>
+          <p:cNvPr id="8" name="TextBox 7">
+            <a:extLst>
+              <a:ext uri="{FF2B5EF4-FFF2-40B4-BE49-F238E27FC236}">
+                <a16:creationId xmlns:a16="http://schemas.microsoft.com/office/drawing/2014/main" id="{652824DD-1189-D704-C5D0-A1AF56C5D380}"/>
+              </a:ext>
+            </a:extLst>
+          </p:cNvPr>
+          <p:cNvSpPr txBox="1"/>
+          <p:nvPr/>
+        </p:nvSpPr>
+        <p:spPr>
+          <a:xfrm>
+            <a:off x="6850318" y="2483644"/>
+            <a:ext cx="4717026" cy="3693319"/>
+          </a:xfrm>
+          <a:prstGeom prst="rect">
+            <a:avLst/>
+          </a:prstGeom>
+          <a:noFill/>
+          <a:ln>
+            <a:solidFill>
+              <a:schemeClr val="accent6">
+                <a:lumMod val="50000"/>
+              </a:schemeClr>
+            </a:solidFill>
+          </a:ln>
+        </p:spPr>
+        <p:txBody>
+          <a:bodyPr wrap="square" rtlCol="0">
+            <a:spAutoFit/>
+          </a:bodyPr>
+          <a:lstStyle/>
+          <a:p>
+            <a:r>
+              <a:rPr lang="en-US" sz="1800" b="0" i="0" u="none" strike="noStrike">
+                <a:solidFill>
+                  <a:schemeClr val="accent6">
+                    <a:lumMod val="50000"/>
+                  </a:schemeClr>
+                </a:solidFill>
+                <a:effectLst/>
+                <a:latin typeface="Palatino"/>
+              </a:rPr>
+              <a:t>In every single test on the Xeon machine, with an increasing number of threads, there is a speedup - up until a certain point where it suddenly has a large slowdown. </a:t>
+            </a:r>
+          </a:p>
+          <a:p>
+            <a:r>
+              <a:rPr lang="en-US" sz="1800" i="0" u="none" strike="noStrike">
+                <a:solidFill>
+                  <a:schemeClr val="accent6">
+                    <a:lumMod val="50000"/>
+                  </a:schemeClr>
+                </a:solidFill>
+                <a:effectLst/>
+                <a:latin typeface="Palatino"/>
+              </a:rPr>
+              <a:t>This might happen due to contention on the processing unit which happening due to having too many threads.</a:t>
+            </a:r>
+          </a:p>
+          <a:p>
+            <a:r>
+              <a:rPr lang="en-US" sz="1800" b="0" i="0" u="none" strike="noStrike">
+                <a:solidFill>
+                  <a:schemeClr val="accent6">
+                    <a:lumMod val="50000"/>
+                  </a:schemeClr>
+                </a:solidFill>
+                <a:effectLst/>
+                <a:latin typeface="Palatino"/>
+              </a:rPr>
+              <a:t>Figure A6 sheds some insight into this - once the number of threads is larger than 16, there is a huge increase in the number of context-switches, which is a good indicator of contention and would incur a large penalty in time taken. </a:t>
+            </a:r>
+          </a:p>
+        </p:txBody>
+      </p:sp>
+      <p:cxnSp>
+        <p:nvCxnSpPr>
+          <p:cNvPr id="10" name="Straight Connector 9">
+            <a:extLst>
+              <a:ext uri="{FF2B5EF4-FFF2-40B4-BE49-F238E27FC236}">
+                <a16:creationId xmlns:a16="http://schemas.microsoft.com/office/drawing/2014/main" id="{E6E2C46B-E6A3-4597-3D8C-A606DAFE8DBC}"/>
+              </a:ext>
+            </a:extLst>
+          </p:cNvPr>
+          <p:cNvCxnSpPr/>
+          <p:nvPr/>
+        </p:nvCxnSpPr>
+        <p:spPr>
+          <a:xfrm>
+            <a:off x="6930512" y="3638550"/>
+            <a:ext cx="4636832" cy="0"/>
+          </a:xfrm>
+          <a:prstGeom prst="line">
+            <a:avLst/>
+          </a:prstGeom>
+        </p:spPr>
+        <p:style>
+          <a:lnRef idx="2">
+            <a:schemeClr val="accent1"/>
+          </a:lnRef>
+          <a:fillRef idx="0">
+            <a:schemeClr val="accent1"/>
+          </a:fillRef>
+          <a:effectRef idx="1">
+            <a:schemeClr val="accent1"/>
+          </a:effectRef>
+          <a:fontRef idx="minor">
+            <a:schemeClr val="tx1"/>
+          </a:fontRef>
+        </p:style>
+      </p:cxnSp>
+      <p:cxnSp>
+        <p:nvCxnSpPr>
+          <p:cNvPr id="11" name="Straight Connector 10">
+            <a:extLst>
+              <a:ext uri="{FF2B5EF4-FFF2-40B4-BE49-F238E27FC236}">
+                <a16:creationId xmlns:a16="http://schemas.microsoft.com/office/drawing/2014/main" id="{34FE2070-AB47-F61E-C4C7-0EB5731067C6}"/>
+              </a:ext>
+            </a:extLst>
+          </p:cNvPr>
+          <p:cNvCxnSpPr/>
+          <p:nvPr/>
+        </p:nvCxnSpPr>
+        <p:spPr>
+          <a:xfrm>
+            <a:off x="6930512" y="4448175"/>
+            <a:ext cx="4636832" cy="0"/>
+          </a:xfrm>
+          <a:prstGeom prst="line">
+            <a:avLst/>
+          </a:prstGeom>
+        </p:spPr>
+        <p:style>
+          <a:lnRef idx="2">
+            <a:schemeClr val="accent1"/>
+          </a:lnRef>
+          <a:fillRef idx="0">
+            <a:schemeClr val="accent1"/>
+          </a:fillRef>
+          <a:effectRef idx="1">
+            <a:schemeClr val="accent1"/>
+          </a:effectRef>
+          <a:fontRef idx="minor">
+            <a:schemeClr val="tx1"/>
+          </a:fontRef>
+        </p:style>
+      </p:cxnSp>
+      <p:sp>
+        <p:nvSpPr>
+          <p:cNvPr id="12" name="TextBox 11">
+            <a:extLst>
+              <a:ext uri="{FF2B5EF4-FFF2-40B4-BE49-F238E27FC236}">
+                <a16:creationId xmlns:a16="http://schemas.microsoft.com/office/drawing/2014/main" id="{FD73A31D-A347-60FD-3C8D-970E7894E40A}"/>
+              </a:ext>
+            </a:extLst>
+          </p:cNvPr>
+          <p:cNvSpPr txBox="1"/>
+          <p:nvPr/>
+        </p:nvSpPr>
+        <p:spPr>
+          <a:xfrm>
+            <a:off x="8420100" y="2130980"/>
+            <a:ext cx="3287182" cy="369332"/>
+          </a:xfrm>
+          <a:prstGeom prst="rect">
+            <a:avLst/>
+          </a:prstGeom>
+          <a:noFill/>
+        </p:spPr>
+        <p:txBody>
+          <a:bodyPr wrap="none" rtlCol="0">
+            <a:spAutoFit/>
+          </a:bodyPr>
+          <a:lstStyle/>
+          <a:p>
+            <a:r>
+              <a:rPr lang="en-SG"/>
+              <a:t>(modified) excerpt from prev A1</a:t>
+            </a:r>
+          </a:p>
+        </p:txBody>
+      </p:sp>
+    </p:spTree>
+    <p:extLst>
+      <p:ext uri="{BB962C8B-B14F-4D97-AF65-F5344CB8AC3E}">
+        <p14:creationId xmlns:p14="http://schemas.microsoft.com/office/powerpoint/2010/main" val="2950037763"/>
+      </p:ext>
+    </p:extLst>
+  </p:cSld>
+  <p:clrMapOvr>
+    <a:masterClrMapping/>
+  </p:clrMapOvr>
+</p:sld>
+</file>
+
+<file path=ppt/slides/slide18.xml><?xml version="1.0" encoding="utf-8"?>
+<p:sld xmlns:a="http://schemas.openxmlformats.org/drawingml/2006/main" xmlns:r="http://schemas.openxmlformats.org/officeDocument/2006/relationships" xmlns:p="http://schemas.openxmlformats.org/presentationml/2006/main">
+  <p:cSld>
+    <p:spTree>
+      <p:nvGrpSpPr>
+        <p:cNvPr id="1" name=""/>
+        <p:cNvGrpSpPr/>
+        <p:nvPr/>
+      </p:nvGrpSpPr>
+      <p:grpSpPr>
+        <a:xfrm>
+          <a:off x="0" y="0"/>
+          <a:ext cx="0" cy="0"/>
+          <a:chOff x="0" y="0"/>
+          <a:chExt cx="0" cy="0"/>
+        </a:xfrm>
+      </p:grpSpPr>
+      <p:sp>
+        <p:nvSpPr>
+          <p:cNvPr id="2" name="Title 1">
+            <a:extLst>
+              <a:ext uri="{FF2B5EF4-FFF2-40B4-BE49-F238E27FC236}">
+                <a16:creationId xmlns:a16="http://schemas.microsoft.com/office/drawing/2014/main" id="{8A6CCF69-746A-F7D0-BF4A-B4F185C80920}"/>
+              </a:ext>
+            </a:extLst>
+          </p:cNvPr>
+          <p:cNvSpPr>
+            <a:spLocks noGrp="1"/>
+          </p:cNvSpPr>
+          <p:nvPr>
+            <p:ph type="title"/>
+          </p:nvPr>
+        </p:nvSpPr>
+        <p:spPr/>
+        <p:txBody>
+          <a:bodyPr/>
+          <a:lstStyle/>
+          <a:p>
+            <a:r>
+              <a:rPr lang="en-SG"/>
+              <a:t>"How to write report"</a:t>
+            </a:r>
+          </a:p>
+        </p:txBody>
+      </p:sp>
+      <p:sp>
+        <p:nvSpPr>
+          <p:cNvPr id="3" name="Content Placeholder 2">
+            <a:extLst>
+              <a:ext uri="{FF2B5EF4-FFF2-40B4-BE49-F238E27FC236}">
+                <a16:creationId xmlns:a16="http://schemas.microsoft.com/office/drawing/2014/main" id="{E654A63F-47AB-E2CB-1D03-93C60D91EDEF}"/>
+              </a:ext>
+            </a:extLst>
+          </p:cNvPr>
+          <p:cNvSpPr>
+            <a:spLocks noGrp="1"/>
+          </p:cNvSpPr>
+          <p:nvPr>
+            <p:ph idx="1"/>
+          </p:nvPr>
+        </p:nvSpPr>
+        <p:spPr/>
+        <p:txBody>
+          <a:bodyPr/>
+          <a:lstStyle/>
+          <a:p>
+            <a:r>
+              <a:rPr lang="en-SG"/>
+              <a:t>Understand the skills we are trying to teach</a:t>
+            </a:r>
+          </a:p>
+          <a:p>
+            <a:pPr lvl="1"/>
+            <a:r>
+              <a:rPr lang="en-SG">
+                <a:solidFill>
+                  <a:schemeClr val="bg1">
+                    <a:lumMod val="50000"/>
+                  </a:schemeClr>
+                </a:solidFill>
+              </a:rPr>
+              <a:t>Start with benchmarking </a:t>
+            </a:r>
+          </a:p>
+          <a:p>
+            <a:pPr marL="457200" lvl="1" indent="0">
+              <a:buNone/>
+            </a:pPr>
+            <a:r>
+              <a:rPr lang="en-SG">
+                <a:solidFill>
+                  <a:schemeClr val="bg1">
+                    <a:lumMod val="50000"/>
+                  </a:schemeClr>
+                </a:solidFill>
+              </a:rPr>
+              <a:t>	==&gt; Getting aggregated results</a:t>
+            </a:r>
+            <a:r>
+              <a:rPr lang="en-SG" u="sng">
+                <a:latin typeface="AndesNeue Alt 2 Medium" panose="00000600000000000000" pitchFamily="2" charset="0"/>
+              </a:rPr>
+              <a:t> </a:t>
+            </a:r>
+          </a:p>
+          <a:p>
+            <a:pPr marL="457200" lvl="1" indent="0">
+              <a:buNone/>
+            </a:pPr>
+            <a:r>
+              <a:rPr lang="en-SG"/>
+              <a:t>	</a:t>
+            </a:r>
+            <a:r>
+              <a:rPr lang="en-SG">
+                <a:solidFill>
+                  <a:schemeClr val="bg1">
+                    <a:lumMod val="50000"/>
+                  </a:schemeClr>
+                </a:solidFill>
+              </a:rPr>
+              <a:t>==&gt; Having a hypothesis on results</a:t>
+            </a:r>
+          </a:p>
+          <a:p>
+            <a:pPr marL="457200" lvl="1" indent="0">
+              <a:buNone/>
+            </a:pPr>
+            <a:r>
+              <a:rPr lang="en-SG">
+                <a:solidFill>
+                  <a:schemeClr val="bg1">
+                    <a:lumMod val="50000"/>
+                  </a:schemeClr>
+                </a:solidFill>
+              </a:rPr>
+              <a:t>	==&gt; Testing the given hypothesis</a:t>
+            </a:r>
+          </a:p>
+          <a:p>
+            <a:pPr marL="457200" lvl="1" indent="0">
+              <a:buNone/>
+            </a:pPr>
+            <a:r>
+              <a:rPr lang="en-SG"/>
+              <a:t>	==&gt; </a:t>
+            </a:r>
+            <a:r>
+              <a:rPr lang="en-SG" u="sng"/>
+              <a:t>Improving your code</a:t>
+            </a:r>
+          </a:p>
+          <a:p>
+            <a:pPr marL="457200" lvl="1" indent="0">
+              <a:buNone/>
+            </a:pPr>
+            <a:r>
+              <a:rPr lang="en-SG">
+                <a:solidFill>
+                  <a:schemeClr val="bg1">
+                    <a:lumMod val="50000"/>
+                  </a:schemeClr>
+                </a:solidFill>
+              </a:rPr>
+              <a:t>	==&gt; Back to benchmarking</a:t>
+            </a:r>
+          </a:p>
+          <a:p>
+            <a:pPr lvl="1"/>
+            <a:endParaRPr lang="en-SG"/>
+          </a:p>
+        </p:txBody>
+      </p:sp>
+      <p:sp>
+        <p:nvSpPr>
+          <p:cNvPr id="4" name="TextBox 3">
+            <a:extLst>
+              <a:ext uri="{FF2B5EF4-FFF2-40B4-BE49-F238E27FC236}">
+                <a16:creationId xmlns:a16="http://schemas.microsoft.com/office/drawing/2014/main" id="{652824DD-1189-D704-C5D0-A1AF56C5D380}"/>
+              </a:ext>
+            </a:extLst>
+          </p:cNvPr>
+          <p:cNvSpPr txBox="1"/>
+          <p:nvPr/>
+        </p:nvSpPr>
+        <p:spPr>
+          <a:xfrm>
+            <a:off x="6764593" y="2359742"/>
+            <a:ext cx="4717026" cy="2862322"/>
+          </a:xfrm>
+          <a:prstGeom prst="rect">
+            <a:avLst/>
+          </a:prstGeom>
+          <a:noFill/>
+          <a:ln>
+            <a:solidFill>
+              <a:schemeClr val="tx1"/>
+            </a:solidFill>
+          </a:ln>
+        </p:spPr>
+        <p:txBody>
+          <a:bodyPr wrap="square" rtlCol="0">
+            <a:spAutoFit/>
+          </a:bodyPr>
+          <a:lstStyle/>
+          <a:p>
+            <a:pPr marL="285750" indent="-285750">
+              <a:buFont typeface="Arial" panose="020B0604020202020204" pitchFamily="34" charset="0"/>
+              <a:buChar char="•"/>
+            </a:pPr>
+            <a:r>
+              <a:rPr lang="en-SG">
+                <a:latin typeface="AndesNeue Alt 2 Book" panose="00000500000000000000" pitchFamily="2" charset="0"/>
+              </a:rPr>
+              <a:t>This goes hand-in-hand with the previous point; if you suspect that something is causing your code to be slow, change it (if possible)</a:t>
+            </a:r>
+          </a:p>
+          <a:p>
+            <a:pPr marL="285750" indent="-285750">
+              <a:buFont typeface="Arial" panose="020B0604020202020204" pitchFamily="34" charset="0"/>
+              <a:buChar char="•"/>
+            </a:pPr>
+            <a:r>
+              <a:rPr lang="en-SG">
+                <a:latin typeface="AndesNeue Alt 2 Book" panose="00000500000000000000" pitchFamily="2" charset="0"/>
+              </a:rPr>
+              <a:t>Now you have a new version of code that performs better </a:t>
+            </a:r>
+            <a:r>
+              <a:rPr lang="en-SG">
+                <a:latin typeface="AndesNeue Alt 2 Book" panose="00000500000000000000" pitchFamily="2" charset="0"/>
+                <a:sym typeface="Wingdings" panose="05000000000000000000" pitchFamily="2" charset="2"/>
+              </a:rPr>
+              <a:t></a:t>
+            </a:r>
+          </a:p>
+          <a:p>
+            <a:pPr marL="742950" lvl="1" indent="-285750">
+              <a:buFont typeface="Arial" panose="020B0604020202020204" pitchFamily="34" charset="0"/>
+              <a:buChar char="•"/>
+            </a:pPr>
+            <a:r>
+              <a:rPr lang="en-SG">
+                <a:latin typeface="AndesNeue Alt 2 Book" panose="00000500000000000000" pitchFamily="2" charset="0"/>
+                <a:sym typeface="Wingdings" panose="05000000000000000000" pitchFamily="2" charset="2"/>
+              </a:rPr>
+              <a:t>Unlocks a new benchmarking data point</a:t>
+            </a:r>
+          </a:p>
+          <a:p>
+            <a:pPr marL="742950" lvl="1" indent="-285750">
+              <a:buFont typeface="Arial" panose="020B0604020202020204" pitchFamily="34" charset="0"/>
+              <a:buChar char="•"/>
+            </a:pPr>
+            <a:r>
+              <a:rPr lang="en-SG">
+                <a:latin typeface="AndesNeue Alt 2 Book" panose="00000500000000000000" pitchFamily="2" charset="0"/>
+                <a:sym typeface="Wingdings" panose="05000000000000000000" pitchFamily="2" charset="2"/>
+              </a:rPr>
+              <a:t>Also unlocks comparison across versions</a:t>
+            </a:r>
+            <a:endParaRPr lang="en-SG">
+              <a:latin typeface="AndesNeue Alt 2 Book" panose="00000500000000000000" pitchFamily="2" charset="0"/>
+            </a:endParaRPr>
+          </a:p>
+        </p:txBody>
+      </p:sp>
+    </p:spTree>
+    <p:extLst>
+      <p:ext uri="{BB962C8B-B14F-4D97-AF65-F5344CB8AC3E}">
+        <p14:creationId xmlns:p14="http://schemas.microsoft.com/office/powerpoint/2010/main" val="2221032163"/>
+      </p:ext>
+    </p:extLst>
+  </p:cSld>
+  <p:clrMapOvr>
+    <a:masterClrMapping/>
+  </p:clrMapOvr>
+</p:sld>
+</file>
+
+<file path=ppt/slides/slide19.xml><?xml version="1.0" encoding="utf-8"?>
+<p:sld xmlns:a="http://schemas.openxmlformats.org/drawingml/2006/main" xmlns:r="http://schemas.openxmlformats.org/officeDocument/2006/relationships" xmlns:p="http://schemas.openxmlformats.org/presentationml/2006/main" show="0">
+  <p:cSld>
+    <p:spTree>
+      <p:nvGrpSpPr>
+        <p:cNvPr id="1" name=""/>
+        <p:cNvGrpSpPr/>
+        <p:nvPr/>
+      </p:nvGrpSpPr>
+      <p:grpSpPr>
+        <a:xfrm>
+          <a:off x="0" y="0"/>
+          <a:ext cx="0" cy="0"/>
+          <a:chOff x="0" y="0"/>
+          <a:chExt cx="0" cy="0"/>
+        </a:xfrm>
+      </p:grpSpPr>
+      <p:sp>
+        <p:nvSpPr>
+          <p:cNvPr id="2" name="Title 1">
+            <a:extLst>
+              <a:ext uri="{FF2B5EF4-FFF2-40B4-BE49-F238E27FC236}">
+                <a16:creationId xmlns:a16="http://schemas.microsoft.com/office/drawing/2014/main" id="{8A6CCF69-746A-F7D0-BF4A-B4F185C80920}"/>
+              </a:ext>
+            </a:extLst>
+          </p:cNvPr>
+          <p:cNvSpPr>
+            <a:spLocks noGrp="1"/>
+          </p:cNvSpPr>
+          <p:nvPr>
+            <p:ph type="title"/>
+          </p:nvPr>
+        </p:nvSpPr>
+        <p:spPr/>
+        <p:txBody>
+          <a:bodyPr/>
+          <a:lstStyle/>
+          <a:p>
+            <a:r>
+              <a:rPr lang="en-SG"/>
+              <a:t>"How to write report"</a:t>
+            </a:r>
+          </a:p>
+        </p:txBody>
+      </p:sp>
+      <p:pic>
+        <p:nvPicPr>
+          <p:cNvPr id="1030" name="Picture 6">
+            <a:extLst>
+              <a:ext uri="{FF2B5EF4-FFF2-40B4-BE49-F238E27FC236}">
+                <a16:creationId xmlns:a16="http://schemas.microsoft.com/office/drawing/2014/main" id="{6AF7BF46-874E-F02B-3284-0B1F2E4EE5E5}"/>
+              </a:ext>
+            </a:extLst>
+          </p:cNvPr>
+          <p:cNvPicPr>
+            <a:picLocks noGrp="1" noChangeAspect="1" noChangeArrowheads="1"/>
+          </p:cNvPicPr>
+          <p:nvPr>
+            <p:ph sz="half" idx="1"/>
+          </p:nvPr>
+        </p:nvPicPr>
+        <p:blipFill>
+          <a:blip r:embed="rId2">
+            <a:extLst>
+              <a:ext uri="{28A0092B-C50C-407E-A947-70E740481C1C}">
+                <a14:useLocalDpi xmlns:a14="http://schemas.microsoft.com/office/drawing/2010/main" val="0"/>
+              </a:ext>
+            </a:extLst>
+          </a:blip>
+          <a:srcRect/>
+          <a:stretch>
+            <a:fillRect/>
+          </a:stretch>
+        </p:blipFill>
+        <p:spPr bwMode="auto">
+          <a:xfrm>
+            <a:off x="838200" y="2329874"/>
+            <a:ext cx="5181600" cy="3342840"/>
+          </a:xfrm>
+          <a:prstGeom prst="rect">
+            <a:avLst/>
+          </a:prstGeom>
+          <a:noFill/>
+          <a:extLst>
+            <a:ext uri="{909E8E84-426E-40DD-AFC4-6F175D3DCCD1}">
+              <a14:hiddenFill xmlns:a14="http://schemas.microsoft.com/office/drawing/2010/main">
+                <a:solidFill>
+                  <a:srgbClr val="FFFFFF"/>
+                </a:solidFill>
+              </a14:hiddenFill>
+            </a:ext>
+          </a:extLst>
+        </p:spPr>
+      </p:pic>
+      <p:pic>
+        <p:nvPicPr>
+          <p:cNvPr id="1032" name="Picture 8">
+            <a:extLst>
+              <a:ext uri="{FF2B5EF4-FFF2-40B4-BE49-F238E27FC236}">
+                <a16:creationId xmlns:a16="http://schemas.microsoft.com/office/drawing/2014/main" id="{AA75D549-EAE3-9D98-4071-BB9417A87CC9}"/>
+              </a:ext>
+            </a:extLst>
+          </p:cNvPr>
+          <p:cNvPicPr>
+            <a:picLocks noGrp="1" noChangeAspect="1" noChangeArrowheads="1"/>
+          </p:cNvPicPr>
+          <p:nvPr>
+            <p:ph sz="half" idx="2"/>
+          </p:nvPr>
+        </p:nvPicPr>
+        <p:blipFill>
+          <a:blip r:embed="rId3">
+            <a:extLst>
+              <a:ext uri="{28A0092B-C50C-407E-A947-70E740481C1C}">
+                <a14:useLocalDpi xmlns:a14="http://schemas.microsoft.com/office/drawing/2010/main" val="0"/>
+              </a:ext>
+            </a:extLst>
+          </a:blip>
+          <a:srcRect/>
+          <a:stretch>
+            <a:fillRect/>
+          </a:stretch>
+        </p:blipFill>
+        <p:spPr bwMode="auto">
+          <a:xfrm>
+            <a:off x="6172200" y="3298539"/>
+            <a:ext cx="5181600" cy="1405509"/>
+          </a:xfrm>
+          <a:prstGeom prst="rect">
+            <a:avLst/>
+          </a:prstGeom>
+          <a:noFill/>
+          <a:extLst>
+            <a:ext uri="{909E8E84-426E-40DD-AFC4-6F175D3DCCD1}">
+              <a14:hiddenFill xmlns:a14="http://schemas.microsoft.com/office/drawing/2010/main">
+                <a:solidFill>
+                  <a:srgbClr val="FFFFFF"/>
+                </a:solidFill>
+              </a14:hiddenFill>
+            </a:ext>
+          </a:extLst>
+        </p:spPr>
+      </p:pic>
+    </p:spTree>
+    <p:extLst>
+      <p:ext uri="{BB962C8B-B14F-4D97-AF65-F5344CB8AC3E}">
+        <p14:creationId xmlns:p14="http://schemas.microsoft.com/office/powerpoint/2010/main" val="648684345"/>
+      </p:ext>
+    </p:extLst>
+  </p:cSld>
+  <p:clrMapOvr>
+    <a:masterClrMapping/>
+  </p:clrMapOvr>
+</p:sld>
+</file>
+
+<file path=ppt/slides/slide2.xml><?xml version="1.0" encoding="utf-8"?>
+<p:sld xmlns:a="http://schemas.openxmlformats.org/drawingml/2006/main" xmlns:r="http://schemas.openxmlformats.org/officeDocument/2006/relationships" xmlns:p="http://schemas.openxmlformats.org/presentationml/2006/main">
+  <p:cSld>
+    <p:spTree>
+      <p:nvGrpSpPr>
+        <p:cNvPr id="1" name=""/>
+        <p:cNvGrpSpPr/>
+        <p:nvPr/>
+      </p:nvGrpSpPr>
+      <p:grpSpPr>
+        <a:xfrm>
+          <a:off x="0" y="0"/>
+          <a:ext cx="0" cy="0"/>
+          <a:chOff x="0" y="0"/>
+          <a:chExt cx="0" cy="0"/>
+        </a:xfrm>
+      </p:grpSpPr>
+      <p:sp>
+        <p:nvSpPr>
+          <p:cNvPr id="2" name="Title 1">
+            <a:extLst>
+              <a:ext uri="{FF2B5EF4-FFF2-40B4-BE49-F238E27FC236}">
+                <a16:creationId xmlns:a16="http://schemas.microsoft.com/office/drawing/2014/main" id="{84B6601F-F750-AFB0-92CC-23687585248B}"/>
+              </a:ext>
+            </a:extLst>
+          </p:cNvPr>
+          <p:cNvSpPr>
+            <a:spLocks noGrp="1"/>
+          </p:cNvSpPr>
+          <p:nvPr>
+            <p:ph type="title"/>
+          </p:nvPr>
+        </p:nvSpPr>
+        <p:spPr/>
+        <p:txBody>
+          <a:bodyPr/>
+          <a:lstStyle/>
+          <a:p>
+            <a:r>
+              <a:rPr lang="en-US"/>
+              <a:t>Calibration / Improvements</a:t>
+            </a:r>
+            <a:endParaRPr lang="en-US" dirty="0"/>
+          </a:p>
+        </p:txBody>
+      </p:sp>
+      <p:sp>
+        <p:nvSpPr>
+          <p:cNvPr id="3" name="Text Placeholder 2">
+            <a:extLst>
+              <a:ext uri="{FF2B5EF4-FFF2-40B4-BE49-F238E27FC236}">
+                <a16:creationId xmlns:a16="http://schemas.microsoft.com/office/drawing/2014/main" id="{4E0472CD-4404-DAE7-8690-4B4B0EDD64AD}"/>
+              </a:ext>
+            </a:extLst>
+          </p:cNvPr>
+          <p:cNvSpPr>
+            <a:spLocks noGrp="1"/>
+          </p:cNvSpPr>
+          <p:nvPr>
+            <p:ph type="body" idx="1"/>
+          </p:nvPr>
+        </p:nvSpPr>
+        <p:spPr/>
+        <p:txBody>
+          <a:bodyPr/>
+          <a:lstStyle/>
+          <a:p>
+            <a:r>
+              <a:rPr lang="en-US"/>
+              <a:t>After previous tutorial :)</a:t>
+            </a:r>
+            <a:endParaRPr lang="en-US" dirty="0"/>
+          </a:p>
+        </p:txBody>
+      </p:sp>
+    </p:spTree>
+    <p:extLst>
+      <p:ext uri="{BB962C8B-B14F-4D97-AF65-F5344CB8AC3E}">
+        <p14:creationId xmlns:p14="http://schemas.microsoft.com/office/powerpoint/2010/main" val="2917640937"/>
+      </p:ext>
+    </p:extLst>
+  </p:cSld>
+  <p:clrMapOvr>
+    <a:masterClrMapping/>
+  </p:clrMapOvr>
+</p:sld>
+</file>
+
+<file path=ppt/slides/slide20.xml><?xml version="1.0" encoding="utf-8"?>
+<p:sld xmlns:a="http://schemas.openxmlformats.org/drawingml/2006/main" xmlns:r="http://schemas.openxmlformats.org/officeDocument/2006/relationships" xmlns:p="http://schemas.openxmlformats.org/presentationml/2006/main">
+  <p:cSld>
+    <p:spTree>
+      <p:nvGrpSpPr>
+        <p:cNvPr id="1" name=""/>
+        <p:cNvGrpSpPr/>
+        <p:nvPr/>
+      </p:nvGrpSpPr>
+      <p:grpSpPr>
+        <a:xfrm>
+          <a:off x="0" y="0"/>
+          <a:ext cx="0" cy="0"/>
+          <a:chOff x="0" y="0"/>
+          <a:chExt cx="0" cy="0"/>
+        </a:xfrm>
+      </p:grpSpPr>
+      <p:sp>
+        <p:nvSpPr>
+          <p:cNvPr id="2" name="Title 1">
+            <a:extLst>
+              <a:ext uri="{FF2B5EF4-FFF2-40B4-BE49-F238E27FC236}">
+                <a16:creationId xmlns:a16="http://schemas.microsoft.com/office/drawing/2014/main" id="{84B6601F-F750-AFB0-92CC-23687585248B}"/>
+              </a:ext>
+            </a:extLst>
+          </p:cNvPr>
+          <p:cNvSpPr>
+            <a:spLocks noGrp="1"/>
+          </p:cNvSpPr>
+          <p:nvPr>
+            <p:ph type="title"/>
+          </p:nvPr>
+        </p:nvSpPr>
+        <p:spPr/>
+        <p:txBody>
+          <a:bodyPr/>
+          <a:lstStyle/>
+          <a:p>
+            <a:r>
+              <a:rPr lang="en-US"/>
+              <a:t>Quick Recap + Revisiting</a:t>
+            </a:r>
+            <a:endParaRPr lang="en-US" dirty="0"/>
+          </a:p>
+        </p:txBody>
+      </p:sp>
+      <p:sp>
+        <p:nvSpPr>
+          <p:cNvPr id="3" name="Text Placeholder 2">
+            <a:extLst>
+              <a:ext uri="{FF2B5EF4-FFF2-40B4-BE49-F238E27FC236}">
+                <a16:creationId xmlns:a16="http://schemas.microsoft.com/office/drawing/2014/main" id="{4E0472CD-4404-DAE7-8690-4B4B0EDD64AD}"/>
+              </a:ext>
+            </a:extLst>
+          </p:cNvPr>
+          <p:cNvSpPr>
+            <a:spLocks noGrp="1"/>
+          </p:cNvSpPr>
+          <p:nvPr>
+            <p:ph type="body" idx="1"/>
+          </p:nvPr>
+        </p:nvSpPr>
+        <p:spPr/>
+        <p:txBody>
+          <a:bodyPr/>
+          <a:lstStyle/>
+          <a:p>
+            <a:r>
+              <a:rPr lang="en-US"/>
+              <a:t>Previous tutorial, lectures</a:t>
+            </a:r>
+            <a:endParaRPr lang="en-US" dirty="0"/>
+          </a:p>
+        </p:txBody>
+      </p:sp>
+    </p:spTree>
+    <p:extLst>
+      <p:ext uri="{BB962C8B-B14F-4D97-AF65-F5344CB8AC3E}">
+        <p14:creationId xmlns:p14="http://schemas.microsoft.com/office/powerpoint/2010/main" val="181679780"/>
+      </p:ext>
+    </p:extLst>
+  </p:cSld>
+  <p:clrMapOvr>
+    <a:masterClrMapping/>
+  </p:clrMapOvr>
+</p:sld>
+</file>
+
+<file path=ppt/slides/slide21.xml><?xml version="1.0" encoding="utf-8"?>
+<p:sld xmlns:a="http://schemas.openxmlformats.org/drawingml/2006/main" xmlns:r="http://schemas.openxmlformats.org/officeDocument/2006/relationships" xmlns:p="http://schemas.openxmlformats.org/presentationml/2006/main">
+  <p:cSld>
+    <p:spTree>
+      <p:nvGrpSpPr>
         <p:cNvPr id="1" name="Shape 113"/>
         <p:cNvGrpSpPr/>
         <p:nvPr/>
@@ -9125,7 +12193,7 @@
 </p:sld>
 </file>
 
-<file path=ppt/slides/slide11.xml><?xml version="1.0" encoding="utf-8"?>
+<file path=ppt/slides/slide22.xml><?xml version="1.0" encoding="utf-8"?>
 <p:sld xmlns:a="http://schemas.openxmlformats.org/drawingml/2006/main" xmlns:r="http://schemas.openxmlformats.org/officeDocument/2006/relationships" xmlns:p="http://schemas.openxmlformats.org/presentationml/2006/main">
   <p:cSld>
     <p:spTree>
@@ -10166,7 +13234,7 @@
 </p:sld>
 </file>
 
-<file path=ppt/slides/slide12.xml><?xml version="1.0" encoding="utf-8"?>
+<file path=ppt/slides/slide23.xml><?xml version="1.0" encoding="utf-8"?>
 <p:sld xmlns:a="http://schemas.openxmlformats.org/drawingml/2006/main" xmlns:r="http://schemas.openxmlformats.org/officeDocument/2006/relationships" xmlns:p="http://schemas.openxmlformats.org/presentationml/2006/main">
   <p:cSld>
     <p:spTree>
@@ -10252,7 +13320,7 @@
 </p:sld>
 </file>
 
-<file path=ppt/slides/slide13.xml><?xml version="1.0" encoding="utf-8"?>
+<file path=ppt/slides/slide24.xml><?xml version="1.0" encoding="utf-8"?>
 <p:sld xmlns:a="http://schemas.openxmlformats.org/drawingml/2006/main" xmlns:r="http://schemas.openxmlformats.org/officeDocument/2006/relationships" xmlns:p="http://schemas.openxmlformats.org/presentationml/2006/main">
   <p:cSld>
     <p:spTree>
@@ -10461,7 +13529,7 @@
 </p:sld>
 </file>
 
-<file path=ppt/slides/slide14.xml><?xml version="1.0" encoding="utf-8"?>
+<file path=ppt/slides/slide25.xml><?xml version="1.0" encoding="utf-8"?>
 <p:sld xmlns:a="http://schemas.openxmlformats.org/drawingml/2006/main" xmlns:r="http://schemas.openxmlformats.org/officeDocument/2006/relationships" xmlns:p="http://schemas.openxmlformats.org/presentationml/2006/main">
   <p:cSld>
     <p:spTree>
@@ -10531,7 +13599,7 @@
 </p:sld>
 </file>
 
-<file path=ppt/slides/slide15.xml><?xml version="1.0" encoding="utf-8"?>
+<file path=ppt/slides/slide26.xml><?xml version="1.0" encoding="utf-8"?>
 <p:sld xmlns:a="http://schemas.openxmlformats.org/drawingml/2006/main" xmlns:r="http://schemas.openxmlformats.org/officeDocument/2006/relationships" xmlns:p="http://schemas.openxmlformats.org/presentationml/2006/main">
   <p:cSld>
     <p:spTree>
@@ -10735,7 +13803,7 @@
 </p:sld>
 </file>
 
-<file path=ppt/slides/slide16.xml><?xml version="1.0" encoding="utf-8"?>
+<file path=ppt/slides/slide27.xml><?xml version="1.0" encoding="utf-8"?>
 <p:sld xmlns:a="http://schemas.openxmlformats.org/drawingml/2006/main" xmlns:r="http://schemas.openxmlformats.org/officeDocument/2006/relationships" xmlns:p="http://schemas.openxmlformats.org/presentationml/2006/main">
   <p:cSld>
     <p:spTree>
@@ -10828,7 +13896,7 @@
 </p:sld>
 </file>
 
-<file path=ppt/slides/slide17.xml><?xml version="1.0" encoding="utf-8"?>
+<file path=ppt/slides/slide28.xml><?xml version="1.0" encoding="utf-8"?>
 <p:sld xmlns:a="http://schemas.openxmlformats.org/drawingml/2006/main" xmlns:r="http://schemas.openxmlformats.org/officeDocument/2006/relationships" xmlns:p="http://schemas.openxmlformats.org/presentationml/2006/main">
   <p:cSld>
     <p:spTree>
@@ -10965,7 +14033,7 @@
 </p:sld>
 </file>
 
-<file path=ppt/slides/slide18.xml><?xml version="1.0" encoding="utf-8"?>
+<file path=ppt/slides/slide29.xml><?xml version="1.0" encoding="utf-8"?>
 <p:sld xmlns:a="http://schemas.openxmlformats.org/drawingml/2006/main" xmlns:r="http://schemas.openxmlformats.org/officeDocument/2006/relationships" xmlns:p="http://schemas.openxmlformats.org/presentationml/2006/main">
   <p:cSld>
     <p:spTree>
@@ -11331,7 +14399,77 @@
 </p:sld>
 </file>
 
-<file path=ppt/slides/slide19.xml><?xml version="1.0" encoding="utf-8"?>
+<file path=ppt/slides/slide3.xml><?xml version="1.0" encoding="utf-8"?>
+<p:sld xmlns:a="http://schemas.openxmlformats.org/drawingml/2006/main" xmlns:r="http://schemas.openxmlformats.org/officeDocument/2006/relationships" xmlns:p="http://schemas.openxmlformats.org/presentationml/2006/main">
+  <p:cSld>
+    <p:spTree>
+      <p:nvGrpSpPr>
+        <p:cNvPr id="1" name=""/>
+        <p:cNvGrpSpPr/>
+        <p:nvPr/>
+      </p:nvGrpSpPr>
+      <p:grpSpPr>
+        <a:xfrm>
+          <a:off x="0" y="0"/>
+          <a:ext cx="0" cy="0"/>
+          <a:chOff x="0" y="0"/>
+          <a:chExt cx="0" cy="0"/>
+        </a:xfrm>
+      </p:grpSpPr>
+      <p:pic>
+        <p:nvPicPr>
+          <p:cNvPr id="3" name="Picture 2">
+            <a:extLst>
+              <a:ext uri="{FF2B5EF4-FFF2-40B4-BE49-F238E27FC236}">
+                <a16:creationId xmlns:a16="http://schemas.microsoft.com/office/drawing/2014/main" id="{EB3272DA-3E34-D932-08F9-72EDAA6DE372}"/>
+              </a:ext>
+            </a:extLst>
+          </p:cNvPr>
+          <p:cNvPicPr>
+            <a:picLocks/>
+          </p:cNvPicPr>
+          <p:nvPr>
+            <p:custDataLst>
+              <p:tags r:id="rId1"/>
+            </p:custDataLst>
+          </p:nvPr>
+        </p:nvPicPr>
+        <p:blipFill>
+          <a:blip r:embed="rId4">
+            <a:extLst>
+              <a:ext uri="{28A0092B-C50C-407E-A947-70E740481C1C}">
+                <a14:useLocalDpi xmlns:a14="http://schemas.microsoft.com/office/drawing/2010/main" val="0"/>
+              </a:ext>
+            </a:extLst>
+          </a:blip>
+          <a:stretch>
+            <a:fillRect/>
+          </a:stretch>
+        </p:blipFill>
+        <p:spPr>
+          <a:xfrm>
+            <a:off x="190500" y="190500"/>
+            <a:ext cx="11811000" cy="6477000"/>
+          </a:xfrm>
+          <a:prstGeom prst="rect">
+            <a:avLst/>
+          </a:prstGeom>
+        </p:spPr>
+      </p:pic>
+    </p:spTree>
+    <p:extLst>
+      <p:ext uri="{BB962C8B-B14F-4D97-AF65-F5344CB8AC3E}">
+        <p14:creationId xmlns:p14="http://schemas.microsoft.com/office/powerpoint/2010/main" val="2932911592"/>
+      </p:ext>
+    </p:extLst>
+  </p:cSld>
+  <p:clrMapOvr>
+    <a:masterClrMapping/>
+  </p:clrMapOvr>
+</p:sld>
+</file>
+
+<file path=ppt/slides/slide30.xml><?xml version="1.0" encoding="utf-8"?>
 <p:sld xmlns:a="http://schemas.openxmlformats.org/drawingml/2006/main" xmlns:r="http://schemas.openxmlformats.org/officeDocument/2006/relationships" xmlns:p="http://schemas.openxmlformats.org/presentationml/2006/main">
   <p:cSld>
     <p:spTree>
@@ -11494,7 +14632,7 @@
 </p:sld>
 </file>
 
-<file path=ppt/slides/slide2.xml><?xml version="1.0" encoding="utf-8"?>
+<file path=ppt/slides/slide31.xml><?xml version="1.0" encoding="utf-8"?>
 <p:sld xmlns:a="http://schemas.openxmlformats.org/drawingml/2006/main" xmlns:r="http://schemas.openxmlformats.org/officeDocument/2006/relationships" xmlns:p="http://schemas.openxmlformats.org/presentationml/2006/main">
   <p:cSld>
     <p:spTree>
@@ -11516,94 +14654,6 @@
           <p:cNvPr id="2" name="Title 1">
             <a:extLst>
               <a:ext uri="{FF2B5EF4-FFF2-40B4-BE49-F238E27FC236}">
-                <a16:creationId xmlns:a16="http://schemas.microsoft.com/office/drawing/2014/main" id="{84B6601F-F750-AFB0-92CC-23687585248B}"/>
-              </a:ext>
-            </a:extLst>
-          </p:cNvPr>
-          <p:cNvSpPr>
-            <a:spLocks noGrp="1"/>
-          </p:cNvSpPr>
-          <p:nvPr>
-            <p:ph type="title"/>
-          </p:nvPr>
-        </p:nvSpPr>
-        <p:spPr/>
-        <p:txBody>
-          <a:bodyPr/>
-          <a:lstStyle/>
-          <a:p>
-            <a:r>
-              <a:rPr lang="en-US"/>
-              <a:t>Calibration / Improvements</a:t>
-            </a:r>
-            <a:endParaRPr lang="en-US" dirty="0"/>
-          </a:p>
-        </p:txBody>
-      </p:sp>
-      <p:sp>
-        <p:nvSpPr>
-          <p:cNvPr id="3" name="Text Placeholder 2">
-            <a:extLst>
-              <a:ext uri="{FF2B5EF4-FFF2-40B4-BE49-F238E27FC236}">
-                <a16:creationId xmlns:a16="http://schemas.microsoft.com/office/drawing/2014/main" id="{4E0472CD-4404-DAE7-8690-4B4B0EDD64AD}"/>
-              </a:ext>
-            </a:extLst>
-          </p:cNvPr>
-          <p:cNvSpPr>
-            <a:spLocks noGrp="1"/>
-          </p:cNvSpPr>
-          <p:nvPr>
-            <p:ph type="body" idx="1"/>
-          </p:nvPr>
-        </p:nvSpPr>
-        <p:spPr/>
-        <p:txBody>
-          <a:bodyPr/>
-          <a:lstStyle/>
-          <a:p>
-            <a:r>
-              <a:rPr lang="en-US"/>
-              <a:t>After previous tutorial :)</a:t>
-            </a:r>
-            <a:endParaRPr lang="en-US" dirty="0"/>
-          </a:p>
-        </p:txBody>
-      </p:sp>
-    </p:spTree>
-    <p:extLst>
-      <p:ext uri="{BB962C8B-B14F-4D97-AF65-F5344CB8AC3E}">
-        <p14:creationId xmlns:p14="http://schemas.microsoft.com/office/powerpoint/2010/main" val="2917640937"/>
-      </p:ext>
-    </p:extLst>
-  </p:cSld>
-  <p:clrMapOvr>
-    <a:masterClrMapping/>
-  </p:clrMapOvr>
-</p:sld>
-</file>
-
-<file path=ppt/slides/slide20.xml><?xml version="1.0" encoding="utf-8"?>
-<p:sld xmlns:a="http://schemas.openxmlformats.org/drawingml/2006/main" xmlns:r="http://schemas.openxmlformats.org/officeDocument/2006/relationships" xmlns:p="http://schemas.openxmlformats.org/presentationml/2006/main">
-  <p:cSld>
-    <p:spTree>
-      <p:nvGrpSpPr>
-        <p:cNvPr id="1" name=""/>
-        <p:cNvGrpSpPr/>
-        <p:nvPr/>
-      </p:nvGrpSpPr>
-      <p:grpSpPr>
-        <a:xfrm>
-          <a:off x="0" y="0"/>
-          <a:ext cx="0" cy="0"/>
-          <a:chOff x="0" y="0"/>
-          <a:chExt cx="0" cy="0"/>
-        </a:xfrm>
-      </p:grpSpPr>
-      <p:sp>
-        <p:nvSpPr>
-          <p:cNvPr id="2" name="Title 1">
-            <a:extLst>
-              <a:ext uri="{FF2B5EF4-FFF2-40B4-BE49-F238E27FC236}">
                 <a16:creationId xmlns:a16="http://schemas.microsoft.com/office/drawing/2014/main" id="{7CD95E0A-B30F-A146-11B7-8BE32F725472}"/>
               </a:ext>
             </a:extLst>
@@ -11744,7 +14794,7 @@
 </p:sld>
 </file>
 
-<file path=ppt/slides/slide21.xml><?xml version="1.0" encoding="utf-8"?>
+<file path=ppt/slides/slide32.xml><?xml version="1.0" encoding="utf-8"?>
 <p:sld xmlns:a="http://schemas.openxmlformats.org/drawingml/2006/main" xmlns:r="http://schemas.openxmlformats.org/officeDocument/2006/relationships" xmlns:p="http://schemas.openxmlformats.org/presentationml/2006/main">
   <p:cSld>
     <p:spTree>
@@ -11949,7 +14999,7 @@
 </p:sld>
 </file>
 
-<file path=ppt/slides/slide22.xml><?xml version="1.0" encoding="utf-8"?>
+<file path=ppt/slides/slide33.xml><?xml version="1.0" encoding="utf-8"?>
 <p:sld xmlns:a="http://schemas.openxmlformats.org/drawingml/2006/main" xmlns:r="http://schemas.openxmlformats.org/officeDocument/2006/relationships" xmlns:p="http://schemas.openxmlformats.org/presentationml/2006/main">
   <p:cSld>
     <p:spTree>
@@ -12117,7 +15167,7 @@
 </p:sld>
 </file>
 
-<file path=ppt/slides/slide23.xml><?xml version="1.0" encoding="utf-8"?>
+<file path=ppt/slides/slide34.xml><?xml version="1.0" encoding="utf-8"?>
 <p:sld xmlns:a="http://schemas.openxmlformats.org/drawingml/2006/main" xmlns:r="http://schemas.openxmlformats.org/officeDocument/2006/relationships" xmlns:p="http://schemas.openxmlformats.org/presentationml/2006/main">
   <p:cSld>
     <p:spTree>
@@ -12216,7 +15266,7 @@
 </p:sld>
 </file>
 
-<file path=ppt/slides/slide24.xml><?xml version="1.0" encoding="utf-8"?>
+<file path=ppt/slides/slide35.xml><?xml version="1.0" encoding="utf-8"?>
 <p:sld xmlns:a="http://schemas.openxmlformats.org/drawingml/2006/main" xmlns:r="http://schemas.openxmlformats.org/officeDocument/2006/relationships" xmlns:p="http://schemas.openxmlformats.org/presentationml/2006/main">
   <p:cSld>
     <p:spTree>
@@ -12368,7 +15418,7 @@
 </p:sld>
 </file>
 
-<file path=ppt/slides/slide25.xml><?xml version="1.0" encoding="utf-8"?>
+<file path=ppt/slides/slide36.xml><?xml version="1.0" encoding="utf-8"?>
 <p:sld xmlns:a="http://schemas.openxmlformats.org/drawingml/2006/main" xmlns:r="http://schemas.openxmlformats.org/officeDocument/2006/relationships" xmlns:p="http://schemas.openxmlformats.org/presentationml/2006/main">
   <p:cSld>
     <p:spTree>
@@ -12573,7 +15623,7 @@
 </p:sld>
 </file>
 
-<file path=ppt/slides/slide26.xml><?xml version="1.0" encoding="utf-8"?>
+<file path=ppt/slides/slide37.xml><?xml version="1.0" encoding="utf-8"?>
 <p:sld xmlns:a="http://schemas.openxmlformats.org/drawingml/2006/main" xmlns:r="http://schemas.openxmlformats.org/officeDocument/2006/relationships" xmlns:p="http://schemas.openxmlformats.org/presentationml/2006/main">
   <p:cSld>
     <p:spTree>
@@ -12970,7 +16020,7 @@
 </p:sld>
 </file>
 
-<file path=ppt/slides/slide27.xml><?xml version="1.0" encoding="utf-8"?>
+<file path=ppt/slides/slide38.xml><?xml version="1.0" encoding="utf-8"?>
 <p:sld xmlns:a="http://schemas.openxmlformats.org/drawingml/2006/main" xmlns:r="http://schemas.openxmlformats.org/officeDocument/2006/relationships" xmlns:p="http://schemas.openxmlformats.org/presentationml/2006/main">
   <p:cSld>
     <p:spTree>
@@ -13188,7 +16238,7 @@
 </p:sld>
 </file>
 
-<file path=ppt/slides/slide28.xml><?xml version="1.0" encoding="utf-8"?>
+<file path=ppt/slides/slide39.xml><?xml version="1.0" encoding="utf-8"?>
 <p:sld xmlns:a="http://schemas.openxmlformats.org/drawingml/2006/main" xmlns:r="http://schemas.openxmlformats.org/officeDocument/2006/relationships" xmlns:p="http://schemas.openxmlformats.org/presentationml/2006/main">
   <p:cSld>
     <p:spTree>
@@ -13640,7 +16690,95 @@
 </p:sld>
 </file>
 
-<file path=ppt/slides/slide29.xml><?xml version="1.0" encoding="utf-8"?>
+<file path=ppt/slides/slide4.xml><?xml version="1.0" encoding="utf-8"?>
+<p:sld xmlns:a="http://schemas.openxmlformats.org/drawingml/2006/main" xmlns:r="http://schemas.openxmlformats.org/officeDocument/2006/relationships" xmlns:p="http://schemas.openxmlformats.org/presentationml/2006/main">
+  <p:cSld>
+    <p:spTree>
+      <p:nvGrpSpPr>
+        <p:cNvPr id="1" name=""/>
+        <p:cNvGrpSpPr/>
+        <p:nvPr/>
+      </p:nvGrpSpPr>
+      <p:grpSpPr>
+        <a:xfrm>
+          <a:off x="0" y="0"/>
+          <a:ext cx="0" cy="0"/>
+          <a:chOff x="0" y="0"/>
+          <a:chExt cx="0" cy="0"/>
+        </a:xfrm>
+      </p:grpSpPr>
+      <p:sp>
+        <p:nvSpPr>
+          <p:cNvPr id="2" name="Title 1">
+            <a:extLst>
+              <a:ext uri="{FF2B5EF4-FFF2-40B4-BE49-F238E27FC236}">
+                <a16:creationId xmlns:a16="http://schemas.microsoft.com/office/drawing/2014/main" id="{84B6601F-F750-AFB0-92CC-23687585248B}"/>
+              </a:ext>
+            </a:extLst>
+          </p:cNvPr>
+          <p:cNvSpPr>
+            <a:spLocks noGrp="1"/>
+          </p:cNvSpPr>
+          <p:nvPr>
+            <p:ph type="title"/>
+          </p:nvPr>
+        </p:nvSpPr>
+        <p:spPr/>
+        <p:txBody>
+          <a:bodyPr/>
+          <a:lstStyle/>
+          <a:p>
+            <a:r>
+              <a:rPr lang="en-US"/>
+              <a:t>Lab 1 Feedback</a:t>
+            </a:r>
+            <a:endParaRPr lang="en-US" dirty="0"/>
+          </a:p>
+        </p:txBody>
+      </p:sp>
+      <p:sp>
+        <p:nvSpPr>
+          <p:cNvPr id="3" name="Text Placeholder 2">
+            <a:extLst>
+              <a:ext uri="{FF2B5EF4-FFF2-40B4-BE49-F238E27FC236}">
+                <a16:creationId xmlns:a16="http://schemas.microsoft.com/office/drawing/2014/main" id="{4E0472CD-4404-DAE7-8690-4B4B0EDD64AD}"/>
+              </a:ext>
+            </a:extLst>
+          </p:cNvPr>
+          <p:cNvSpPr>
+            <a:spLocks noGrp="1"/>
+          </p:cNvSpPr>
+          <p:nvPr>
+            <p:ph type="body" idx="1"/>
+          </p:nvPr>
+        </p:nvSpPr>
+        <p:spPr/>
+        <p:txBody>
+          <a:bodyPr/>
+          <a:lstStyle/>
+          <a:p>
+            <a:r>
+              <a:rPr lang="en-US"/>
+              <a:t>hopefully all the submissions are marked by this lab session</a:t>
+            </a:r>
+            <a:endParaRPr lang="en-US" dirty="0"/>
+          </a:p>
+        </p:txBody>
+      </p:sp>
+    </p:spTree>
+    <p:extLst>
+      <p:ext uri="{BB962C8B-B14F-4D97-AF65-F5344CB8AC3E}">
+        <p14:creationId xmlns:p14="http://schemas.microsoft.com/office/powerpoint/2010/main" val="2984248363"/>
+      </p:ext>
+    </p:extLst>
+  </p:cSld>
+  <p:clrMapOvr>
+    <a:masterClrMapping/>
+  </p:clrMapOvr>
+</p:sld>
+</file>
+
+<file path=ppt/slides/slide40.xml><?xml version="1.0" encoding="utf-8"?>
 <p:sld xmlns:a="http://schemas.openxmlformats.org/drawingml/2006/main" xmlns:r="http://schemas.openxmlformats.org/officeDocument/2006/relationships" xmlns:p="http://schemas.openxmlformats.org/presentationml/2006/main">
   <p:cSld>
     <p:spTree>
@@ -13701,7 +16839,7 @@
         </p:spPr>
         <p:txBody>
           <a:bodyPr spcFirstLastPara="1" vert="horz" wrap="square" lIns="121900" tIns="121900" rIns="121900" bIns="121900" rtlCol="0" anchor="ctr" anchorCtr="0">
-            <a:normAutofit/>
+            <a:normAutofit fontScale="90000"/>
           </a:bodyPr>
           <a:lstStyle/>
           <a:p>
@@ -14112,77 +17250,7 @@
 </p:sld>
 </file>
 
-<file path=ppt/slides/slide3.xml><?xml version="1.0" encoding="utf-8"?>
-<p:sld xmlns:a="http://schemas.openxmlformats.org/drawingml/2006/main" xmlns:r="http://schemas.openxmlformats.org/officeDocument/2006/relationships" xmlns:p="http://schemas.openxmlformats.org/presentationml/2006/main">
-  <p:cSld>
-    <p:spTree>
-      <p:nvGrpSpPr>
-        <p:cNvPr id="1" name=""/>
-        <p:cNvGrpSpPr/>
-        <p:nvPr/>
-      </p:nvGrpSpPr>
-      <p:grpSpPr>
-        <a:xfrm>
-          <a:off x="0" y="0"/>
-          <a:ext cx="0" cy="0"/>
-          <a:chOff x="0" y="0"/>
-          <a:chExt cx="0" cy="0"/>
-        </a:xfrm>
-      </p:grpSpPr>
-      <p:pic>
-        <p:nvPicPr>
-          <p:cNvPr id="3" name="Picture 2">
-            <a:extLst>
-              <a:ext uri="{FF2B5EF4-FFF2-40B4-BE49-F238E27FC236}">
-                <a16:creationId xmlns:a16="http://schemas.microsoft.com/office/drawing/2014/main" id="{EB3272DA-3E34-D932-08F9-72EDAA6DE372}"/>
-              </a:ext>
-            </a:extLst>
-          </p:cNvPr>
-          <p:cNvPicPr>
-            <a:picLocks/>
-          </p:cNvPicPr>
-          <p:nvPr>
-            <p:custDataLst>
-              <p:tags r:id="rId1"/>
-            </p:custDataLst>
-          </p:nvPr>
-        </p:nvPicPr>
-        <p:blipFill>
-          <a:blip r:embed="rId4">
-            <a:extLst>
-              <a:ext uri="{28A0092B-C50C-407E-A947-70E740481C1C}">
-                <a14:useLocalDpi xmlns:a14="http://schemas.microsoft.com/office/drawing/2010/main" val="0"/>
-              </a:ext>
-            </a:extLst>
-          </a:blip>
-          <a:stretch>
-            <a:fillRect/>
-          </a:stretch>
-        </p:blipFill>
-        <p:spPr>
-          <a:xfrm>
-            <a:off x="190500" y="190500"/>
-            <a:ext cx="11811000" cy="6477000"/>
-          </a:xfrm>
-          <a:prstGeom prst="rect">
-            <a:avLst/>
-          </a:prstGeom>
-        </p:spPr>
-      </p:pic>
-    </p:spTree>
-    <p:extLst>
-      <p:ext uri="{BB962C8B-B14F-4D97-AF65-F5344CB8AC3E}">
-        <p14:creationId xmlns:p14="http://schemas.microsoft.com/office/powerpoint/2010/main" val="2932911592"/>
-      </p:ext>
-    </p:extLst>
-  </p:cSld>
-  <p:clrMapOvr>
-    <a:masterClrMapping/>
-  </p:clrMapOvr>
-</p:sld>
-</file>
-
-<file path=ppt/slides/slide30.xml><?xml version="1.0" encoding="utf-8"?>
+<file path=ppt/slides/slide41.xml><?xml version="1.0" encoding="utf-8"?>
 <p:sld xmlns:a="http://schemas.openxmlformats.org/drawingml/2006/main" xmlns:r="http://schemas.openxmlformats.org/officeDocument/2006/relationships" xmlns:p="http://schemas.openxmlformats.org/presentationml/2006/main">
   <p:cSld>
     <p:spTree>
@@ -14308,7 +17376,7 @@
 </p:sld>
 </file>
 
-<file path=ppt/slides/slide31.xml><?xml version="1.0" encoding="utf-8"?>
+<file path=ppt/slides/slide42.xml><?xml version="1.0" encoding="utf-8"?>
 <p:sld xmlns:a="http://schemas.openxmlformats.org/drawingml/2006/main" xmlns:r="http://schemas.openxmlformats.org/officeDocument/2006/relationships" xmlns:p="http://schemas.openxmlformats.org/presentationml/2006/main">
   <p:cSld>
     <p:spTree>
@@ -14450,7 +17518,7 @@
 </p:sld>
 </file>
 
-<file path=ppt/slides/slide32.xml><?xml version="1.0" encoding="utf-8"?>
+<file path=ppt/slides/slide43.xml><?xml version="1.0" encoding="utf-8"?>
 <p:sld xmlns:a="http://schemas.openxmlformats.org/drawingml/2006/main" xmlns:r="http://schemas.openxmlformats.org/officeDocument/2006/relationships" xmlns:p="http://schemas.openxmlformats.org/presentationml/2006/main">
   <p:cSld>
     <p:spTree>
@@ -14973,7 +18041,7 @@
 </p:sld>
 </file>
 
-<file path=ppt/slides/slide33.xml><?xml version="1.0" encoding="utf-8"?>
+<file path=ppt/slides/slide44.xml><?xml version="1.0" encoding="utf-8"?>
 <p:sld xmlns:a="http://schemas.openxmlformats.org/drawingml/2006/main" xmlns:r="http://schemas.openxmlformats.org/officeDocument/2006/relationships" xmlns:p="http://schemas.openxmlformats.org/presentationml/2006/main">
   <p:cSld>
     <p:spTree>
@@ -15056,7 +18124,7 @@
 </p:sld>
 </file>
 
-<file path=ppt/slides/slide34.xml><?xml version="1.0" encoding="utf-8"?>
+<file path=ppt/slides/slide45.xml><?xml version="1.0" encoding="utf-8"?>
 <p:sld xmlns:a="http://schemas.openxmlformats.org/drawingml/2006/main" xmlns:r="http://schemas.openxmlformats.org/officeDocument/2006/relationships" xmlns:p="http://schemas.openxmlformats.org/presentationml/2006/main">
   <p:cSld>
     <p:spTree>
@@ -15272,7 +18340,7 @@
 </p:sld>
 </file>
 
-<file path=ppt/slides/slide35.xml><?xml version="1.0" encoding="utf-8"?>
+<file path=ppt/slides/slide46.xml><?xml version="1.0" encoding="utf-8"?>
 <p:sld xmlns:a="http://schemas.openxmlformats.org/drawingml/2006/main" xmlns:r="http://schemas.openxmlformats.org/officeDocument/2006/relationships" xmlns:p="http://schemas.openxmlformats.org/presentationml/2006/main">
   <p:cSld>
     <p:spTree>
@@ -15417,7 +18485,7 @@
 </p:sld>
 </file>
 
-<file path=ppt/slides/slide36.xml><?xml version="1.0" encoding="utf-8"?>
+<file path=ppt/slides/slide47.xml><?xml version="1.0" encoding="utf-8"?>
 <p:sld xmlns:a="http://schemas.openxmlformats.org/drawingml/2006/main" xmlns:r="http://schemas.openxmlformats.org/officeDocument/2006/relationships" xmlns:p="http://schemas.openxmlformats.org/presentationml/2006/main">
   <p:cSld>
     <p:spTree>
@@ -15617,7 +18685,7 @@
 </p:sld>
 </file>
 
-<file path=ppt/slides/slide37.xml><?xml version="1.0" encoding="utf-8"?>
+<file path=ppt/slides/slide48.xml><?xml version="1.0" encoding="utf-8"?>
 <p:sld xmlns:a="http://schemas.openxmlformats.org/drawingml/2006/main" xmlns:r="http://schemas.openxmlformats.org/officeDocument/2006/relationships" xmlns:p="http://schemas.openxmlformats.org/presentationml/2006/main">
   <p:cSld>
     <p:spTree>
@@ -15806,7 +18874,7 @@
 </p:sld>
 </file>
 
-<file path=ppt/slides/slide38.xml><?xml version="1.0" encoding="utf-8"?>
+<file path=ppt/slides/slide49.xml><?xml version="1.0" encoding="utf-8"?>
 <p:sld xmlns:a="http://schemas.openxmlformats.org/drawingml/2006/main" xmlns:r="http://schemas.openxmlformats.org/officeDocument/2006/relationships" xmlns:p="http://schemas.openxmlformats.org/presentationml/2006/main">
   <p:cSld>
     <p:spTree>
@@ -15930,7 +18998,145 @@
 </p:sld>
 </file>
 
-<file path=ppt/slides/slide39.xml><?xml version="1.0" encoding="utf-8"?>
+<file path=ppt/slides/slide5.xml><?xml version="1.0" encoding="utf-8"?>
+<p:sld xmlns:a="http://schemas.openxmlformats.org/drawingml/2006/main" xmlns:r="http://schemas.openxmlformats.org/officeDocument/2006/relationships" xmlns:p="http://schemas.openxmlformats.org/presentationml/2006/main">
+  <p:cSld>
+    <p:spTree>
+      <p:nvGrpSpPr>
+        <p:cNvPr id="1" name=""/>
+        <p:cNvGrpSpPr/>
+        <p:nvPr/>
+      </p:nvGrpSpPr>
+      <p:grpSpPr>
+        <a:xfrm>
+          <a:off x="0" y="0"/>
+          <a:ext cx="0" cy="0"/>
+          <a:chOff x="0" y="0"/>
+          <a:chExt cx="0" cy="0"/>
+        </a:xfrm>
+      </p:grpSpPr>
+      <p:sp>
+        <p:nvSpPr>
+          <p:cNvPr id="4" name="Title 3">
+            <a:extLst>
+              <a:ext uri="{FF2B5EF4-FFF2-40B4-BE49-F238E27FC236}">
+                <a16:creationId xmlns:a16="http://schemas.microsoft.com/office/drawing/2014/main" id="{ECD66DE0-3644-36FE-9F12-709FE5618EA5}"/>
+              </a:ext>
+            </a:extLst>
+          </p:cNvPr>
+          <p:cNvSpPr>
+            <a:spLocks noGrp="1"/>
+          </p:cNvSpPr>
+          <p:nvPr>
+            <p:ph type="title"/>
+          </p:nvPr>
+        </p:nvSpPr>
+        <p:spPr/>
+        <p:txBody>
+          <a:bodyPr/>
+          <a:lstStyle/>
+          <a:p>
+            <a:r>
+              <a:rPr lang="en-SG"/>
+              <a:t>Lab 1 Feedback</a:t>
+            </a:r>
+          </a:p>
+        </p:txBody>
+      </p:sp>
+      <p:sp>
+        <p:nvSpPr>
+          <p:cNvPr id="5" name="Content Placeholder 4">
+            <a:extLst>
+              <a:ext uri="{FF2B5EF4-FFF2-40B4-BE49-F238E27FC236}">
+                <a16:creationId xmlns:a16="http://schemas.microsoft.com/office/drawing/2014/main" id="{7DE00A01-71B7-8714-4659-C8D5C89E0936}"/>
+              </a:ext>
+            </a:extLst>
+          </p:cNvPr>
+          <p:cNvSpPr>
+            <a:spLocks noGrp="1"/>
+          </p:cNvSpPr>
+          <p:nvPr>
+            <p:ph idx="1"/>
+          </p:nvPr>
+        </p:nvSpPr>
+        <p:spPr/>
+        <p:txBody>
+          <a:bodyPr/>
+          <a:lstStyle/>
+          <a:p>
+            <a:r>
+              <a:rPr lang="en-SG"/>
+              <a:t>Everyone gets passing marks :)</a:t>
+            </a:r>
+          </a:p>
+          <a:p>
+            <a:pPr lvl="1"/>
+            <a:r>
+              <a:rPr lang="en-SG"/>
+              <a:t>How we grade in this course might or might not be similar to others</a:t>
+            </a:r>
+          </a:p>
+          <a:p>
+            <a:pPr lvl="1"/>
+            <a:r>
+              <a:rPr lang="en-SG"/>
+              <a:t>Still read the comments in the pdf</a:t>
+            </a:r>
+          </a:p>
+          <a:p>
+            <a:r>
+              <a:rPr lang="en-SG"/>
+              <a:t>Some comments:</a:t>
+            </a:r>
+          </a:p>
+          <a:p>
+            <a:pPr lvl="1"/>
+            <a:r>
+              <a:rPr lang="en-SG"/>
+              <a:t>Keep critical section small</a:t>
+            </a:r>
+          </a:p>
+          <a:p>
+            <a:pPr lvl="2"/>
+            <a:r>
+              <a:rPr lang="en-SG"/>
+              <a:t>Main culprit: print statements</a:t>
+            </a:r>
+          </a:p>
+          <a:p>
+            <a:pPr lvl="1"/>
+            <a:r>
+              <a:rPr lang="en-SG"/>
+              <a:t>shmget copy-pasting</a:t>
+            </a:r>
+          </a:p>
+          <a:p>
+            <a:pPr lvl="2"/>
+            <a:r>
+              <a:rPr lang="en-SG"/>
+              <a:t>Try to minimize; put into structs if possible for better locality</a:t>
+            </a:r>
+          </a:p>
+          <a:p>
+            <a:pPr lvl="1"/>
+            <a:endParaRPr lang="en-SG"/>
+          </a:p>
+        </p:txBody>
+      </p:sp>
+    </p:spTree>
+    <p:extLst>
+      <p:ext uri="{BB962C8B-B14F-4D97-AF65-F5344CB8AC3E}">
+        <p14:creationId xmlns:p14="http://schemas.microsoft.com/office/powerpoint/2010/main" val="2013028703"/>
+      </p:ext>
+    </p:extLst>
+  </p:cSld>
+  <p:clrMapOvr>
+    <a:masterClrMapping/>
+  </p:clrMapOvr>
+</p:sld>
+</file>
+
+<file path=ppt/slides/slide50.xml><?xml version="1.0" encoding="utf-8"?>
 <p:sld xmlns:a="http://schemas.openxmlformats.org/drawingml/2006/main" xmlns:r="http://schemas.openxmlformats.org/officeDocument/2006/relationships" xmlns:p="http://schemas.openxmlformats.org/presentationml/2006/main">
   <p:cSld>
     <p:spTree>
@@ -16069,95 +19275,7 @@
 </p:sld>
 </file>
 
-<file path=ppt/slides/slide4.xml><?xml version="1.0" encoding="utf-8"?>
-<p:sld xmlns:a="http://schemas.openxmlformats.org/drawingml/2006/main" xmlns:r="http://schemas.openxmlformats.org/officeDocument/2006/relationships" xmlns:p="http://schemas.openxmlformats.org/presentationml/2006/main">
-  <p:cSld>
-    <p:spTree>
-      <p:nvGrpSpPr>
-        <p:cNvPr id="1" name=""/>
-        <p:cNvGrpSpPr/>
-        <p:nvPr/>
-      </p:nvGrpSpPr>
-      <p:grpSpPr>
-        <a:xfrm>
-          <a:off x="0" y="0"/>
-          <a:ext cx="0" cy="0"/>
-          <a:chOff x="0" y="0"/>
-          <a:chExt cx="0" cy="0"/>
-        </a:xfrm>
-      </p:grpSpPr>
-      <p:sp>
-        <p:nvSpPr>
-          <p:cNvPr id="2" name="Title 1">
-            <a:extLst>
-              <a:ext uri="{FF2B5EF4-FFF2-40B4-BE49-F238E27FC236}">
-                <a16:creationId xmlns:a16="http://schemas.microsoft.com/office/drawing/2014/main" id="{84B6601F-F750-AFB0-92CC-23687585248B}"/>
-              </a:ext>
-            </a:extLst>
-          </p:cNvPr>
-          <p:cNvSpPr>
-            <a:spLocks noGrp="1"/>
-          </p:cNvSpPr>
-          <p:nvPr>
-            <p:ph type="title"/>
-          </p:nvPr>
-        </p:nvSpPr>
-        <p:spPr/>
-        <p:txBody>
-          <a:bodyPr/>
-          <a:lstStyle/>
-          <a:p>
-            <a:r>
-              <a:rPr lang="en-US"/>
-              <a:t>Lab 1 Feedback</a:t>
-            </a:r>
-            <a:endParaRPr lang="en-US" dirty="0"/>
-          </a:p>
-        </p:txBody>
-      </p:sp>
-      <p:sp>
-        <p:nvSpPr>
-          <p:cNvPr id="3" name="Text Placeholder 2">
-            <a:extLst>
-              <a:ext uri="{FF2B5EF4-FFF2-40B4-BE49-F238E27FC236}">
-                <a16:creationId xmlns:a16="http://schemas.microsoft.com/office/drawing/2014/main" id="{4E0472CD-4404-DAE7-8690-4B4B0EDD64AD}"/>
-              </a:ext>
-            </a:extLst>
-          </p:cNvPr>
-          <p:cNvSpPr>
-            <a:spLocks noGrp="1"/>
-          </p:cNvSpPr>
-          <p:nvPr>
-            <p:ph type="body" idx="1"/>
-          </p:nvPr>
-        </p:nvSpPr>
-        <p:spPr/>
-        <p:txBody>
-          <a:bodyPr/>
-          <a:lstStyle/>
-          <a:p>
-            <a:r>
-              <a:rPr lang="en-US"/>
-              <a:t>hopefully all the submissions are marked by this lab session</a:t>
-            </a:r>
-            <a:endParaRPr lang="en-US" dirty="0"/>
-          </a:p>
-        </p:txBody>
-      </p:sp>
-    </p:spTree>
-    <p:extLst>
-      <p:ext uri="{BB962C8B-B14F-4D97-AF65-F5344CB8AC3E}">
-        <p14:creationId xmlns:p14="http://schemas.microsoft.com/office/powerpoint/2010/main" val="2984248363"/>
-      </p:ext>
-    </p:extLst>
-  </p:cSld>
-  <p:clrMapOvr>
-    <a:masterClrMapping/>
-  </p:clrMapOvr>
-</p:sld>
-</file>
-
-<file path=ppt/slides/slide40.xml><?xml version="1.0" encoding="utf-8"?>
+<file path=ppt/slides/slide51.xml><?xml version="1.0" encoding="utf-8"?>
 <p:sld xmlns:a="http://schemas.openxmlformats.org/drawingml/2006/main" xmlns:r="http://schemas.openxmlformats.org/officeDocument/2006/relationships" xmlns:p="http://schemas.openxmlformats.org/presentationml/2006/main">
   <p:cSld>
     <p:spTree>
@@ -16295,7 +19413,7 @@
             <a:fld id="{00000000-1234-1234-1234-123412341234}" type="slidenum">
               <a:rPr lang="en"/>
               <a:pPr/>
-              <a:t>40</a:t>
+              <a:t>51</a:t>
             </a:fld>
             <a:endParaRPr/>
           </a:p>
@@ -16309,7 +19427,7 @@
 </p:sld>
 </file>
 
-<file path=ppt/slides/slide41.xml><?xml version="1.0" encoding="utf-8"?>
+<file path=ppt/slides/slide52.xml><?xml version="1.0" encoding="utf-8"?>
 <p:sld xmlns:a="http://schemas.openxmlformats.org/drawingml/2006/main" xmlns:r="http://schemas.openxmlformats.org/officeDocument/2006/relationships" xmlns:p="http://schemas.openxmlformats.org/presentationml/2006/main">
   <p:cSld>
     <p:spTree>
@@ -16487,144 +19605,6 @@
     <p:extLst>
       <p:ext uri="{BB962C8B-B14F-4D97-AF65-F5344CB8AC3E}">
         <p14:creationId xmlns:p14="http://schemas.microsoft.com/office/powerpoint/2010/main" val="1422821843"/>
-      </p:ext>
-    </p:extLst>
-  </p:cSld>
-  <p:clrMapOvr>
-    <a:masterClrMapping/>
-  </p:clrMapOvr>
-</p:sld>
-</file>
-
-<file path=ppt/slides/slide5.xml><?xml version="1.0" encoding="utf-8"?>
-<p:sld xmlns:a="http://schemas.openxmlformats.org/drawingml/2006/main" xmlns:r="http://schemas.openxmlformats.org/officeDocument/2006/relationships" xmlns:p="http://schemas.openxmlformats.org/presentationml/2006/main">
-  <p:cSld>
-    <p:spTree>
-      <p:nvGrpSpPr>
-        <p:cNvPr id="1" name=""/>
-        <p:cNvGrpSpPr/>
-        <p:nvPr/>
-      </p:nvGrpSpPr>
-      <p:grpSpPr>
-        <a:xfrm>
-          <a:off x="0" y="0"/>
-          <a:ext cx="0" cy="0"/>
-          <a:chOff x="0" y="0"/>
-          <a:chExt cx="0" cy="0"/>
-        </a:xfrm>
-      </p:grpSpPr>
-      <p:sp>
-        <p:nvSpPr>
-          <p:cNvPr id="4" name="Title 3">
-            <a:extLst>
-              <a:ext uri="{FF2B5EF4-FFF2-40B4-BE49-F238E27FC236}">
-                <a16:creationId xmlns:a16="http://schemas.microsoft.com/office/drawing/2014/main" id="{ECD66DE0-3644-36FE-9F12-709FE5618EA5}"/>
-              </a:ext>
-            </a:extLst>
-          </p:cNvPr>
-          <p:cNvSpPr>
-            <a:spLocks noGrp="1"/>
-          </p:cNvSpPr>
-          <p:nvPr>
-            <p:ph type="title"/>
-          </p:nvPr>
-        </p:nvSpPr>
-        <p:spPr/>
-        <p:txBody>
-          <a:bodyPr/>
-          <a:lstStyle/>
-          <a:p>
-            <a:r>
-              <a:rPr lang="en-SG"/>
-              <a:t>Lab 1 Feedback</a:t>
-            </a:r>
-          </a:p>
-        </p:txBody>
-      </p:sp>
-      <p:sp>
-        <p:nvSpPr>
-          <p:cNvPr id="5" name="Content Placeholder 4">
-            <a:extLst>
-              <a:ext uri="{FF2B5EF4-FFF2-40B4-BE49-F238E27FC236}">
-                <a16:creationId xmlns:a16="http://schemas.microsoft.com/office/drawing/2014/main" id="{7DE00A01-71B7-8714-4659-C8D5C89E0936}"/>
-              </a:ext>
-            </a:extLst>
-          </p:cNvPr>
-          <p:cNvSpPr>
-            <a:spLocks noGrp="1"/>
-          </p:cNvSpPr>
-          <p:nvPr>
-            <p:ph idx="1"/>
-          </p:nvPr>
-        </p:nvSpPr>
-        <p:spPr/>
-        <p:txBody>
-          <a:bodyPr/>
-          <a:lstStyle/>
-          <a:p>
-            <a:r>
-              <a:rPr lang="en-SG"/>
-              <a:t>Most will get full marks or close to it :)</a:t>
-            </a:r>
-          </a:p>
-          <a:p>
-            <a:pPr lvl="1"/>
-            <a:r>
-              <a:rPr lang="en-SG"/>
-              <a:t>How we grade in this course might or might not be similar to others</a:t>
-            </a:r>
-          </a:p>
-          <a:p>
-            <a:pPr lvl="1"/>
-            <a:r>
-              <a:rPr lang="en-SG"/>
-              <a:t>Still read the comments in the pdf</a:t>
-            </a:r>
-          </a:p>
-          <a:p>
-            <a:r>
-              <a:rPr lang="en-SG"/>
-              <a:t>Some comments:</a:t>
-            </a:r>
-          </a:p>
-          <a:p>
-            <a:pPr lvl="1"/>
-            <a:r>
-              <a:rPr lang="en-SG"/>
-              <a:t>Keep critical section small</a:t>
-            </a:r>
-          </a:p>
-          <a:p>
-            <a:pPr lvl="2"/>
-            <a:r>
-              <a:rPr lang="en-SG"/>
-              <a:t>Main culprit: print statements</a:t>
-            </a:r>
-          </a:p>
-          <a:p>
-            <a:pPr lvl="1"/>
-            <a:r>
-              <a:rPr lang="en-SG"/>
-              <a:t>shmget copy-pasting</a:t>
-            </a:r>
-          </a:p>
-          <a:p>
-            <a:pPr lvl="2"/>
-            <a:r>
-              <a:rPr lang="en-SG"/>
-              <a:t>Try to minimize; put into structs if possible for better locality</a:t>
-            </a:r>
-          </a:p>
-          <a:p>
-            <a:pPr lvl="1"/>
-            <a:endParaRPr lang="en-SG"/>
-          </a:p>
-        </p:txBody>
-      </p:sp>
-    </p:spTree>
-    <p:extLst>
-      <p:ext uri="{BB962C8B-B14F-4D97-AF65-F5344CB8AC3E}">
-        <p14:creationId xmlns:p14="http://schemas.microsoft.com/office/powerpoint/2010/main" val="2013028703"/>
       </p:ext>
     </p:extLst>
   </p:cSld>
@@ -17687,7 +20667,7 @@
           <p:cNvPr id="2" name="Title 1">
             <a:extLst>
               <a:ext uri="{FF2B5EF4-FFF2-40B4-BE49-F238E27FC236}">
-                <a16:creationId xmlns:a16="http://schemas.microsoft.com/office/drawing/2014/main" id="{84B6601F-F750-AFB0-92CC-23687585248B}"/>
+                <a16:creationId xmlns:a16="http://schemas.microsoft.com/office/drawing/2014/main" id="{8A6CCF69-746A-F7D0-BF4A-B4F185C80920}"/>
               </a:ext>
             </a:extLst>
           </p:cNvPr>
@@ -17704,19 +20684,18 @@
           <a:lstStyle/>
           <a:p>
             <a:r>
-              <a:rPr lang="en-US"/>
-              <a:t>Quick Recap + Revisiting</a:t>
-            </a:r>
-            <a:endParaRPr lang="en-US" dirty="0"/>
-          </a:p>
-        </p:txBody>
-      </p:sp>
-      <p:sp>
-        <p:nvSpPr>
-          <p:cNvPr id="3" name="Text Placeholder 2">
+              <a:rPr lang="en-SG"/>
+              <a:t>"How to write report"</a:t>
+            </a:r>
+          </a:p>
+        </p:txBody>
+      </p:sp>
+      <p:sp>
+        <p:nvSpPr>
+          <p:cNvPr id="3" name="Content Placeholder 2">
             <a:extLst>
               <a:ext uri="{FF2B5EF4-FFF2-40B4-BE49-F238E27FC236}">
-                <a16:creationId xmlns:a16="http://schemas.microsoft.com/office/drawing/2014/main" id="{4E0472CD-4404-DAE7-8690-4B4B0EDD64AD}"/>
+                <a16:creationId xmlns:a16="http://schemas.microsoft.com/office/drawing/2014/main" id="{E654A63F-47AB-E2CB-1D03-93C60D91EDEF}"/>
               </a:ext>
             </a:extLst>
           </p:cNvPr>
@@ -17724,7 +20703,7 @@
             <a:spLocks noGrp="1"/>
           </p:cNvSpPr>
           <p:nvPr>
-            <p:ph type="body" idx="1"/>
+            <p:ph idx="1"/>
           </p:nvPr>
         </p:nvSpPr>
         <p:spPr/>
@@ -17733,17 +20712,72 @@
           <a:lstStyle/>
           <a:p>
             <a:r>
-              <a:rPr lang="en-US"/>
-              <a:t>Previous tutorial, lectures</a:t>
-            </a:r>
-            <a:endParaRPr lang="en-US" dirty="0"/>
+              <a:rPr lang="en-SG"/>
+              <a:t>Understand the skills we are trying to teach</a:t>
+            </a:r>
+          </a:p>
+          <a:p>
+            <a:pPr lvl="1"/>
+            <a:r>
+              <a:rPr lang="en-SG"/>
+              <a:t>Start with benchmarking </a:t>
+            </a:r>
+          </a:p>
+          <a:p>
+            <a:pPr marL="457200" lvl="1" indent="0">
+              <a:buNone/>
+            </a:pPr>
+            <a:r>
+              <a:rPr lang="en-SG"/>
+              <a:t>	==&gt; Getting aggregated results </a:t>
+            </a:r>
+          </a:p>
+          <a:p>
+            <a:pPr marL="457200" lvl="1" indent="0">
+              <a:buNone/>
+            </a:pPr>
+            <a:r>
+              <a:rPr lang="en-SG"/>
+              <a:t>	==&gt; Having a hypothesis on results</a:t>
+            </a:r>
+          </a:p>
+          <a:p>
+            <a:pPr marL="457200" lvl="1" indent="0">
+              <a:buNone/>
+            </a:pPr>
+            <a:r>
+              <a:rPr lang="en-SG"/>
+              <a:t>	==&gt; Testing the given hypothesis</a:t>
+            </a:r>
+          </a:p>
+          <a:p>
+            <a:pPr marL="457200" lvl="1" indent="0">
+              <a:buNone/>
+            </a:pPr>
+            <a:r>
+              <a:rPr lang="en-SG"/>
+              <a:t>	==&gt; Improving your code</a:t>
+            </a:r>
+          </a:p>
+          <a:p>
+            <a:pPr marL="457200" lvl="1" indent="0">
+              <a:buNone/>
+            </a:pPr>
+            <a:r>
+              <a:rPr lang="en-SG"/>
+              <a:t>	==&gt; Back to benchmarking</a:t>
+            </a:r>
+          </a:p>
+          <a:p>
+            <a:pPr lvl="1"/>
+            <a:endParaRPr lang="en-SG"/>
           </a:p>
         </p:txBody>
       </p:sp>
     </p:spTree>
     <p:extLst>
       <p:ext uri="{BB962C8B-B14F-4D97-AF65-F5344CB8AC3E}">
-        <p14:creationId xmlns:p14="http://schemas.microsoft.com/office/powerpoint/2010/main" val="181679780"/>
+        <p14:creationId xmlns:p14="http://schemas.microsoft.com/office/powerpoint/2010/main" val="2306541355"/>
       </p:ext>
     </p:extLst>
   </p:cSld>
